--- a/THESIS_SLIDES/Modified_nofil.pptx
+++ b/THESIS_SLIDES/Modified_nofil.pptx
@@ -5,7 +5,7 @@
     <p:sldMasterId id="2147483759" r:id="rId1"/>
   </p:sldMasterIdLst>
   <p:notesMasterIdLst>
-    <p:notesMasterId r:id="rId55"/>
+    <p:notesMasterId r:id="rId53"/>
   </p:notesMasterIdLst>
   <p:sldIdLst>
     <p:sldId id="256" r:id="rId2"/>
@@ -20,47 +20,45 @@
     <p:sldId id="310" r:id="rId11"/>
     <p:sldId id="311" r:id="rId12"/>
     <p:sldId id="312" r:id="rId13"/>
-    <p:sldId id="317" r:id="rId14"/>
-    <p:sldId id="313" r:id="rId15"/>
-    <p:sldId id="314" r:id="rId16"/>
-    <p:sldId id="315" r:id="rId17"/>
-    <p:sldId id="316" r:id="rId18"/>
-    <p:sldId id="273" r:id="rId19"/>
-    <p:sldId id="274" r:id="rId20"/>
-    <p:sldId id="275" r:id="rId21"/>
-    <p:sldId id="268" r:id="rId22"/>
-    <p:sldId id="276" r:id="rId23"/>
-    <p:sldId id="269" r:id="rId24"/>
-    <p:sldId id="284" r:id="rId25"/>
-    <p:sldId id="279" r:id="rId26"/>
-    <p:sldId id="280" r:id="rId27"/>
-    <p:sldId id="281" r:id="rId28"/>
-    <p:sldId id="318" r:id="rId29"/>
-    <p:sldId id="270" r:id="rId30"/>
-    <p:sldId id="289" r:id="rId31"/>
-    <p:sldId id="295" r:id="rId32"/>
-    <p:sldId id="290" r:id="rId33"/>
-    <p:sldId id="291" r:id="rId34"/>
-    <p:sldId id="292" r:id="rId35"/>
-    <p:sldId id="300" r:id="rId36"/>
-    <p:sldId id="293" r:id="rId37"/>
-    <p:sldId id="294" r:id="rId38"/>
-    <p:sldId id="296" r:id="rId39"/>
-    <p:sldId id="297" r:id="rId40"/>
-    <p:sldId id="298" r:id="rId41"/>
-    <p:sldId id="299" r:id="rId42"/>
-    <p:sldId id="301" r:id="rId43"/>
-    <p:sldId id="302" r:id="rId44"/>
-    <p:sldId id="303" r:id="rId45"/>
-    <p:sldId id="258" r:id="rId46"/>
-    <p:sldId id="285" r:id="rId47"/>
-    <p:sldId id="286" r:id="rId48"/>
-    <p:sldId id="287" r:id="rId49"/>
-    <p:sldId id="288" r:id="rId50"/>
-    <p:sldId id="265" r:id="rId51"/>
-    <p:sldId id="259" r:id="rId52"/>
-    <p:sldId id="262" r:id="rId53"/>
-    <p:sldId id="263" r:id="rId54"/>
+    <p:sldId id="313" r:id="rId14"/>
+    <p:sldId id="314" r:id="rId15"/>
+    <p:sldId id="315" r:id="rId16"/>
+    <p:sldId id="316" r:id="rId17"/>
+    <p:sldId id="273" r:id="rId18"/>
+    <p:sldId id="274" r:id="rId19"/>
+    <p:sldId id="268" r:id="rId20"/>
+    <p:sldId id="276" r:id="rId21"/>
+    <p:sldId id="269" r:id="rId22"/>
+    <p:sldId id="284" r:id="rId23"/>
+    <p:sldId id="279" r:id="rId24"/>
+    <p:sldId id="280" r:id="rId25"/>
+    <p:sldId id="281" r:id="rId26"/>
+    <p:sldId id="318" r:id="rId27"/>
+    <p:sldId id="270" r:id="rId28"/>
+    <p:sldId id="289" r:id="rId29"/>
+    <p:sldId id="295" r:id="rId30"/>
+    <p:sldId id="290" r:id="rId31"/>
+    <p:sldId id="291" r:id="rId32"/>
+    <p:sldId id="292" r:id="rId33"/>
+    <p:sldId id="300" r:id="rId34"/>
+    <p:sldId id="293" r:id="rId35"/>
+    <p:sldId id="294" r:id="rId36"/>
+    <p:sldId id="296" r:id="rId37"/>
+    <p:sldId id="297" r:id="rId38"/>
+    <p:sldId id="298" r:id="rId39"/>
+    <p:sldId id="299" r:id="rId40"/>
+    <p:sldId id="301" r:id="rId41"/>
+    <p:sldId id="302" r:id="rId42"/>
+    <p:sldId id="303" r:id="rId43"/>
+    <p:sldId id="258" r:id="rId44"/>
+    <p:sldId id="285" r:id="rId45"/>
+    <p:sldId id="286" r:id="rId46"/>
+    <p:sldId id="287" r:id="rId47"/>
+    <p:sldId id="288" r:id="rId48"/>
+    <p:sldId id="265" r:id="rId49"/>
+    <p:sldId id="259" r:id="rId50"/>
+    <p:sldId id="262" r:id="rId51"/>
+    <p:sldId id="263" r:id="rId52"/>
   </p:sldIdLst>
   <p:sldSz cx="9144000" cy="6858000" type="screen4x3"/>
   <p:notesSz cx="6881813" cy="9296400"/>
@@ -268,7 +266,7 @@
           <a:p>
             <a:fld id="{94F01CBA-2E9C-4A53-834E-56C92D6EB7B3}" type="datetimeFigureOut">
               <a:rPr lang="en-US" smtClean="0"/>
-              <a:t>1/3/2021</a:t>
+              <a:t>1/6/2021</a:t>
             </a:fld>
             <a:endParaRPr lang="en-US"/>
           </a:p>
@@ -1135,7 +1133,7 @@
           <a:p>
             <a:fld id="{4765E100-F71F-4759-986D-E9AC7DF8E046}" type="datetime1">
               <a:rPr lang="en-US" smtClean="0"/>
-              <a:t>1/3/2021</a:t>
+              <a:t>1/6/2021</a:t>
             </a:fld>
             <a:endParaRPr lang="en-US" dirty="0"/>
           </a:p>
@@ -1547,7 +1545,7 @@
           <a:p>
             <a:fld id="{7994C9D3-F004-4AA0-9391-49D6F4B73CE5}" type="datetime1">
               <a:rPr lang="en-US" smtClean="0"/>
-              <a:t>1/3/2021</a:t>
+              <a:t>1/6/2021</a:t>
             </a:fld>
             <a:endParaRPr lang="en-US" dirty="0"/>
           </a:p>
@@ -1796,7 +1794,7 @@
           <a:p>
             <a:fld id="{F38507B3-272D-406F-8C67-C0245C988E08}" type="datetime1">
               <a:rPr lang="en-US" smtClean="0"/>
-              <a:t>1/3/2021</a:t>
+              <a:t>1/6/2021</a:t>
             </a:fld>
             <a:endParaRPr lang="en-US" dirty="0"/>
           </a:p>
@@ -2337,7 +2335,7 @@
           <a:p>
             <a:fld id="{1F2FDBEB-BFAD-4709-AE6A-2A1D1B41FD58}" type="datetime1">
               <a:rPr lang="en-US" smtClean="0"/>
-              <a:t>1/3/2021</a:t>
+              <a:t>1/6/2021</a:t>
             </a:fld>
             <a:endParaRPr lang="en-US" dirty="0"/>
           </a:p>
@@ -2586,7 +2584,7 @@
           <a:p>
             <a:fld id="{F531A23C-9CD8-41DF-893C-6CCD11556B39}" type="datetime1">
               <a:rPr lang="en-US" smtClean="0"/>
-              <a:t>1/3/2021</a:t>
+              <a:t>1/6/2021</a:t>
             </a:fld>
             <a:endParaRPr lang="en-US" dirty="0"/>
           </a:p>
@@ -3119,7 +3117,7 @@
           <a:p>
             <a:fld id="{7CBB56CF-1130-4BCA-9DAF-AAEBEB65D560}" type="datetime1">
               <a:rPr lang="en-US" smtClean="0"/>
-              <a:t>1/3/2021</a:t>
+              <a:t>1/6/2021</a:t>
             </a:fld>
             <a:endParaRPr lang="en-US" dirty="0"/>
           </a:p>
@@ -3417,7 +3415,7 @@
           <a:p>
             <a:fld id="{75C63214-2B97-4993-A275-6B9C6BB015D7}" type="datetime1">
               <a:rPr lang="en-US" smtClean="0"/>
-              <a:t>1/3/2021</a:t>
+              <a:t>1/6/2021</a:t>
             </a:fld>
             <a:endParaRPr lang="en-US" dirty="0"/>
           </a:p>
@@ -3592,7 +3590,7 @@
           <a:p>
             <a:fld id="{4F0E2420-B27B-4908-9B75-A95567394273}" type="datetime1">
               <a:rPr lang="en-US" smtClean="0"/>
-              <a:t>1/3/2021</a:t>
+              <a:t>1/6/2021</a:t>
             </a:fld>
             <a:endParaRPr lang="en-US" dirty="0"/>
           </a:p>
@@ -3773,7 +3771,7 @@
           <a:p>
             <a:fld id="{296B31D3-D365-4AA1-9C76-8CE7708CFBE6}" type="datetime1">
               <a:rPr lang="en-US" smtClean="0"/>
-              <a:t>1/3/2021</a:t>
+              <a:t>1/6/2021</a:t>
             </a:fld>
             <a:endParaRPr lang="en-US" dirty="0"/>
           </a:p>
@@ -3959,7 +3957,7 @@
           <a:p>
             <a:fld id="{AD78BB0A-4101-4C93-ADBA-F0AEF862C614}" type="datetime1">
               <a:rPr lang="en-US" smtClean="0"/>
-              <a:t>1/3/2021</a:t>
+              <a:t>1/6/2021</a:t>
             </a:fld>
             <a:endParaRPr lang="en-US" dirty="0"/>
           </a:p>
@@ -4216,7 +4214,7 @@
           <a:p>
             <a:fld id="{F415B812-CB82-4D76-8048-9B86C292C23D}" type="datetime1">
               <a:rPr lang="en-US" smtClean="0"/>
-              <a:t>1/3/2021</a:t>
+              <a:t>1/6/2021</a:t>
             </a:fld>
             <a:endParaRPr lang="en-US" dirty="0"/>
           </a:p>
@@ -4519,7 +4517,7 @@
           <a:p>
             <a:fld id="{17A90168-17D9-438F-ADC1-14A3078B8079}" type="datetime1">
               <a:rPr lang="en-US" smtClean="0"/>
-              <a:t>1/3/2021</a:t>
+              <a:t>1/6/2021</a:t>
             </a:fld>
             <a:endParaRPr lang="en-US" dirty="0"/>
           </a:p>
@@ -4962,7 +4960,7 @@
           <a:p>
             <a:fld id="{493B7BD3-8789-4308-9E64-AF89C87D7201}" type="datetime1">
               <a:rPr lang="en-US" smtClean="0"/>
-              <a:t>1/3/2021</a:t>
+              <a:t>1/6/2021</a:t>
             </a:fld>
             <a:endParaRPr lang="en-US" dirty="0"/>
           </a:p>
@@ -5081,7 +5079,7 @@
           <a:p>
             <a:fld id="{1E3BDD9C-3A9F-4DC8-BBEF-A9B77A4EE8B1}" type="datetime1">
               <a:rPr lang="en-US" smtClean="0"/>
-              <a:t>1/3/2021</a:t>
+              <a:t>1/6/2021</a:t>
             </a:fld>
             <a:endParaRPr lang="en-US" dirty="0"/>
           </a:p>
@@ -5177,7 +5175,7 @@
           <a:p>
             <a:fld id="{DD919E77-C8D8-4B00-AE0A-F3F8712AC78A}" type="datetime1">
               <a:rPr lang="en-US" smtClean="0"/>
-              <a:t>1/3/2021</a:t>
+              <a:t>1/6/2021</a:t>
             </a:fld>
             <a:endParaRPr lang="en-US" dirty="0"/>
           </a:p>
@@ -5461,7 +5459,7 @@
           <a:p>
             <a:fld id="{50348AFC-B483-4935-BB01-03002E0B1CAC}" type="datetime1">
               <a:rPr lang="en-US" smtClean="0"/>
-              <a:t>1/3/2021</a:t>
+              <a:t>1/6/2021</a:t>
             </a:fld>
             <a:endParaRPr lang="en-US" dirty="0"/>
           </a:p>
@@ -5753,7 +5751,7 @@
           <a:p>
             <a:fld id="{2C25EF23-4357-43F4-BEBC-0B26363A37EC}" type="datetime1">
               <a:rPr lang="en-US" smtClean="0"/>
-              <a:t>1/3/2021</a:t>
+              <a:t>1/6/2021</a:t>
             </a:fld>
             <a:endParaRPr lang="en-US" dirty="0"/>
           </a:p>
@@ -6278,7 +6276,7 @@
           <a:p>
             <a:fld id="{A0650F8C-5E04-42DE-8045-71D78128E834}" type="datetime1">
               <a:rPr lang="en-US" smtClean="0"/>
-              <a:t>1/3/2021</a:t>
+              <a:t>1/6/2021</a:t>
             </a:fld>
             <a:endParaRPr lang="en-US" dirty="0"/>
           </a:p>
@@ -7969,231 +7967,6 @@
         </p:nvSpPr>
         <p:spPr>
           <a:xfrm>
-            <a:off x="1475804" y="474784"/>
-            <a:ext cx="6717323" cy="1354014"/>
-          </a:xfrm>
-        </p:spPr>
-        <p:txBody>
-          <a:bodyPr/>
-          <a:lstStyle/>
-          <a:p>
-            <a:r>
-              <a:rPr lang="en-US" dirty="0"/>
-              <a:t>Literature Review</a:t>
-            </a:r>
-          </a:p>
-        </p:txBody>
-      </p:sp>
-      <p:sp>
-        <p:nvSpPr>
-          <p:cNvPr id="3" name="Content Placeholder 2"/>
-          <p:cNvSpPr>
-            <a:spLocks noGrp="1"/>
-          </p:cNvSpPr>
-          <p:nvPr>
-            <p:ph idx="1"/>
-          </p:nvPr>
-        </p:nvSpPr>
-        <p:spPr>
-          <a:xfrm>
-            <a:off x="982133" y="1828798"/>
-            <a:ext cx="7704667" cy="6286502"/>
-          </a:xfrm>
-        </p:spPr>
-        <p:txBody>
-          <a:bodyPr>
-            <a:normAutofit fontScale="47500" lnSpcReduction="20000"/>
-          </a:bodyPr>
-          <a:lstStyle/>
-          <a:p>
-            <a:pPr marL="0" indent="0">
-              <a:buNone/>
-            </a:pPr>
-            <a:endParaRPr lang="en-US" dirty="0"/>
-          </a:p>
-          <a:p>
-            <a:pPr marL="0" indent="0">
-              <a:buNone/>
-            </a:pPr>
-            <a:endParaRPr lang="en-US" dirty="0"/>
-          </a:p>
-          <a:p>
-            <a:endParaRPr lang="en-US" sz="3600" dirty="0"/>
-          </a:p>
-          <a:p>
-            <a:endParaRPr lang="en-US" sz="3600" dirty="0"/>
-          </a:p>
-          <a:p>
-            <a:endParaRPr lang="en-US" sz="3600" dirty="0"/>
-          </a:p>
-          <a:p>
-            <a:r>
-              <a:rPr lang="en-US" sz="8000" b="1" dirty="0"/>
-              <a:t>Existing 2D CNN methods:</a:t>
-            </a:r>
-          </a:p>
-          <a:p>
-            <a:pPr>
-              <a:buFont typeface="Wingdings" panose="05000000000000000000" pitchFamily="2" charset="2"/>
-              <a:buChar char="Ø"/>
-            </a:pPr>
-            <a:r>
-              <a:rPr lang="en-US" sz="6000" b="1" dirty="0"/>
-              <a:t> </a:t>
-            </a:r>
-            <a:r>
-              <a:rPr lang="en-US" sz="5400" dirty="0"/>
-              <a:t> Regression of 3D hand features using 2D convolutional neural network is a very active area of research.</a:t>
-            </a:r>
-          </a:p>
-          <a:p>
-            <a:pPr>
-              <a:buFont typeface="Wingdings" panose="05000000000000000000" pitchFamily="2" charset="2"/>
-              <a:buChar char="Ø"/>
-            </a:pPr>
-            <a:r>
-              <a:rPr lang="en-US" sz="5400" dirty="0"/>
-              <a:t>The work in (Jonathan </a:t>
-            </a:r>
-            <a:r>
-              <a:rPr lang="en-US" sz="5400" dirty="0" err="1"/>
-              <a:t>Tompson</a:t>
-            </a:r>
-            <a:r>
-              <a:rPr lang="en-US" sz="5400" dirty="0"/>
-              <a:t>, 2014) uses an neural network which estimates 2D location using direct and latent heat maps and 3D locations using vector representations.</a:t>
-            </a:r>
-          </a:p>
-          <a:p>
-            <a:pPr>
-              <a:buFont typeface="Wingdings" panose="05000000000000000000" pitchFamily="2" charset="2"/>
-              <a:buChar char="Ø"/>
-            </a:pPr>
-            <a:r>
-              <a:rPr lang="en-US" sz="5400" dirty="0"/>
-              <a:t>Images of hands are fed to the encoder-decoder network, which produces heat maps and features separately, which are then concatenated</a:t>
-            </a:r>
-            <a:br>
-              <a:rPr lang="en-US" sz="4900" b="1" dirty="0"/>
-            </a:br>
-            <a:r>
-              <a:rPr lang="en-US" sz="5100" dirty="0"/>
-              <a:t>.</a:t>
-            </a:r>
-          </a:p>
-          <a:p>
-            <a:pPr marL="0" indent="0">
-              <a:buNone/>
-            </a:pPr>
-            <a:endParaRPr lang="en-US" sz="3600" dirty="0"/>
-          </a:p>
-          <a:p>
-            <a:endParaRPr lang="en-US" sz="3600" dirty="0"/>
-          </a:p>
-          <a:p>
-            <a:endParaRPr lang="en-US" sz="3600" dirty="0"/>
-          </a:p>
-          <a:p>
-            <a:endParaRPr lang="en-US" sz="3600" dirty="0"/>
-          </a:p>
-          <a:p>
-            <a:endParaRPr lang="en-US" sz="3600" dirty="0"/>
-          </a:p>
-          <a:p>
-            <a:pPr marL="0" indent="0">
-              <a:buNone/>
-            </a:pPr>
-            <a:endParaRPr lang="en-US" sz="3600" dirty="0"/>
-          </a:p>
-          <a:p>
-            <a:pPr marL="0" indent="0">
-              <a:buNone/>
-            </a:pPr>
-            <a:endParaRPr lang="en-US" dirty="0"/>
-          </a:p>
-          <a:p>
-            <a:endParaRPr lang="en-US" dirty="0"/>
-          </a:p>
-          <a:p>
-            <a:endParaRPr lang="en-US" dirty="0"/>
-          </a:p>
-          <a:p>
-            <a:endParaRPr lang="en-US" dirty="0"/>
-          </a:p>
-          <a:p>
-            <a:pPr marL="0" indent="0">
-              <a:buNone/>
-            </a:pPr>
-            <a:endParaRPr lang="en-US" dirty="0"/>
-          </a:p>
-        </p:txBody>
-      </p:sp>
-      <p:sp>
-        <p:nvSpPr>
-          <p:cNvPr id="4" name="Slide Number Placeholder 3"/>
-          <p:cNvSpPr>
-            <a:spLocks noGrp="1"/>
-          </p:cNvSpPr>
-          <p:nvPr>
-            <p:ph type="sldNum" sz="quarter" idx="12"/>
-          </p:nvPr>
-        </p:nvSpPr>
-        <p:spPr/>
-        <p:txBody>
-          <a:bodyPr/>
-          <a:lstStyle/>
-          <a:p>
-            <a:fld id="{D57F1E4F-1CFF-5643-939E-217C01CDF565}" type="slidenum">
-              <a:rPr lang="en-US" smtClean="0"/>
-              <a:pPr/>
-              <a:t>13</a:t>
-            </a:fld>
-            <a:endParaRPr lang="en-US" dirty="0"/>
-          </a:p>
-        </p:txBody>
-      </p:sp>
-    </p:spTree>
-    <p:extLst>
-      <p:ext uri="{BB962C8B-B14F-4D97-AF65-F5344CB8AC3E}">
-        <p14:creationId xmlns:p14="http://schemas.microsoft.com/office/powerpoint/2010/main" val="1594208205"/>
-      </p:ext>
-    </p:extLst>
-  </p:cSld>
-  <p:clrMapOvr>
-    <a:masterClrMapping/>
-  </p:clrMapOvr>
-</p:sld>
-</file>
-
-<file path=ppt/slides/slide14.xml><?xml version="1.0" encoding="utf-8"?>
-<p:sld xmlns:a="http://schemas.openxmlformats.org/drawingml/2006/main" xmlns:r="http://schemas.openxmlformats.org/officeDocument/2006/relationships" xmlns:p="http://schemas.openxmlformats.org/presentationml/2006/main">
-  <p:cSld>
-    <p:spTree>
-      <p:nvGrpSpPr>
-        <p:cNvPr id="1" name=""/>
-        <p:cNvGrpSpPr/>
-        <p:nvPr/>
-      </p:nvGrpSpPr>
-      <p:grpSpPr>
-        <a:xfrm>
-          <a:off x="0" y="0"/>
-          <a:ext cx="0" cy="0"/>
-          <a:chOff x="0" y="0"/>
-          <a:chExt cx="0" cy="0"/>
-        </a:xfrm>
-      </p:grpSpPr>
-      <p:sp>
-        <p:nvSpPr>
-          <p:cNvPr id="2" name="Title 1"/>
-          <p:cNvSpPr>
-            <a:spLocks noGrp="1"/>
-          </p:cNvSpPr>
-          <p:nvPr>
-            <p:ph type="title"/>
-          </p:nvPr>
-        </p:nvSpPr>
-        <p:spPr>
-          <a:xfrm>
             <a:off x="1475804" y="271668"/>
             <a:ext cx="6717323" cy="1354014"/>
           </a:xfrm>
@@ -8322,7 +8095,7 @@
             <a:fld id="{D57F1E4F-1CFF-5643-939E-217C01CDF565}" type="slidenum">
               <a:rPr lang="en-US" smtClean="0"/>
               <a:pPr/>
-              <a:t>14</a:t>
+              <a:t>13</a:t>
             </a:fld>
             <a:endParaRPr lang="en-US" dirty="0"/>
           </a:p>
@@ -8371,6 +8144,243 @@
 </p:sld>
 </file>
 
+<file path=ppt/slides/slide14.xml><?xml version="1.0" encoding="utf-8"?>
+<p:sld xmlns:a="http://schemas.openxmlformats.org/drawingml/2006/main" xmlns:r="http://schemas.openxmlformats.org/officeDocument/2006/relationships" xmlns:p="http://schemas.openxmlformats.org/presentationml/2006/main">
+  <p:cSld>
+    <p:spTree>
+      <p:nvGrpSpPr>
+        <p:cNvPr id="1" name=""/>
+        <p:cNvGrpSpPr/>
+        <p:nvPr/>
+      </p:nvGrpSpPr>
+      <p:grpSpPr>
+        <a:xfrm>
+          <a:off x="0" y="0"/>
+          <a:ext cx="0" cy="0"/>
+          <a:chOff x="0" y="0"/>
+          <a:chExt cx="0" cy="0"/>
+        </a:xfrm>
+      </p:grpSpPr>
+      <p:sp>
+        <p:nvSpPr>
+          <p:cNvPr id="2" name="Title 1"/>
+          <p:cNvSpPr>
+            <a:spLocks noGrp="1"/>
+          </p:cNvSpPr>
+          <p:nvPr>
+            <p:ph type="title"/>
+          </p:nvPr>
+        </p:nvSpPr>
+        <p:spPr>
+          <a:xfrm>
+            <a:off x="1475804" y="271668"/>
+            <a:ext cx="6717323" cy="1354014"/>
+          </a:xfrm>
+        </p:spPr>
+        <p:txBody>
+          <a:bodyPr/>
+          <a:lstStyle/>
+          <a:p>
+            <a:r>
+              <a:rPr lang="en-US" dirty="0"/>
+              <a:t>Literature Review</a:t>
+            </a:r>
+          </a:p>
+        </p:txBody>
+      </p:sp>
+      <p:sp>
+        <p:nvSpPr>
+          <p:cNvPr id="3" name="Content Placeholder 2"/>
+          <p:cNvSpPr>
+            <a:spLocks noGrp="1"/>
+          </p:cNvSpPr>
+          <p:nvPr>
+            <p:ph idx="1"/>
+          </p:nvPr>
+        </p:nvSpPr>
+        <p:spPr>
+          <a:xfrm>
+            <a:off x="982133" y="2100466"/>
+            <a:ext cx="7704667" cy="4757534"/>
+          </a:xfrm>
+        </p:spPr>
+        <p:txBody>
+          <a:bodyPr>
+            <a:normAutofit fontScale="47500" lnSpcReduction="20000"/>
+          </a:bodyPr>
+          <a:lstStyle/>
+          <a:p>
+            <a:pPr marL="0" indent="0">
+              <a:buNone/>
+            </a:pPr>
+            <a:endParaRPr lang="en-US" dirty="0"/>
+          </a:p>
+          <a:p>
+            <a:pPr marL="0" indent="0">
+              <a:buNone/>
+            </a:pPr>
+            <a:endParaRPr lang="en-US" dirty="0"/>
+          </a:p>
+          <a:p>
+            <a:pPr marL="0" indent="0">
+              <a:buNone/>
+            </a:pPr>
+            <a:endParaRPr lang="en-US" sz="3600" dirty="0"/>
+          </a:p>
+          <a:p>
+            <a:endParaRPr lang="en-US" sz="3600" b="1" dirty="0"/>
+          </a:p>
+          <a:p>
+            <a:pPr marL="0" indent="0">
+              <a:buNone/>
+            </a:pPr>
+            <a:endParaRPr lang="en-US" sz="3600" dirty="0"/>
+          </a:p>
+          <a:p>
+            <a:pPr marL="0" indent="0">
+              <a:buNone/>
+            </a:pPr>
+            <a:endParaRPr lang="en-US" sz="3600" dirty="0"/>
+          </a:p>
+          <a:p>
+            <a:pPr marL="0" indent="0">
+              <a:buNone/>
+            </a:pPr>
+            <a:endParaRPr lang="en-US" sz="3600" dirty="0"/>
+          </a:p>
+          <a:p>
+            <a:r>
+              <a:rPr lang="en-US" sz="5400" b="1" dirty="0"/>
+              <a:t>Existing deep learning methods</a:t>
+            </a:r>
+          </a:p>
+          <a:p>
+            <a:pPr>
+              <a:buFont typeface="Wingdings" panose="05000000000000000000" pitchFamily="2" charset="2"/>
+              <a:buChar char="Ø"/>
+            </a:pPr>
+            <a:r>
+              <a:rPr lang="en-US" sz="3600" dirty="0"/>
+              <a:t>More recently, the </a:t>
+            </a:r>
+            <a:r>
+              <a:rPr lang="en-US" sz="3600" dirty="0" err="1"/>
+              <a:t>AlexNet</a:t>
+            </a:r>
+            <a:r>
+              <a:rPr lang="en-US" sz="3600" dirty="0"/>
+              <a:t> (Markus </a:t>
+            </a:r>
+            <a:r>
+              <a:rPr lang="en-US" sz="3600" dirty="0" err="1"/>
+              <a:t>Oberweger</a:t>
+            </a:r>
+            <a:r>
+              <a:rPr lang="en-US" sz="3600" dirty="0"/>
+              <a:t>, 2020) showed much better results, and deep learning is more and more involved as it produces accurate results and is simpler to implement</a:t>
+            </a:r>
+          </a:p>
+          <a:p>
+            <a:pPr>
+              <a:buFont typeface="Wingdings" panose="05000000000000000000" pitchFamily="2" charset="2"/>
+              <a:buChar char="Ø"/>
+            </a:pPr>
+            <a:r>
+              <a:rPr lang="en-US" sz="3600" dirty="0"/>
+              <a:t>for real time consideration it does not work due to its huge latency and demanding compute capability.</a:t>
+            </a:r>
+          </a:p>
+          <a:p>
+            <a:r>
+              <a:rPr lang="en-US" sz="5400" dirty="0" err="1"/>
+              <a:t>Alexnet</a:t>
+            </a:r>
+            <a:r>
+              <a:rPr lang="en-US" sz="5400" dirty="0"/>
+              <a:t> parameters : 61 Million</a:t>
+            </a:r>
+          </a:p>
+          <a:p>
+            <a:pPr marL="0" indent="0">
+              <a:buNone/>
+            </a:pPr>
+            <a:endParaRPr lang="en-US" sz="3600" dirty="0"/>
+          </a:p>
+          <a:p>
+            <a:endParaRPr lang="en-US" sz="3600" dirty="0"/>
+          </a:p>
+          <a:p>
+            <a:endParaRPr lang="en-US" sz="3600" dirty="0"/>
+          </a:p>
+          <a:p>
+            <a:endParaRPr lang="en-US" sz="3600" dirty="0"/>
+          </a:p>
+          <a:p>
+            <a:pPr marL="0" indent="0">
+              <a:buNone/>
+            </a:pPr>
+            <a:endParaRPr lang="en-US" sz="3600" dirty="0"/>
+          </a:p>
+          <a:p>
+            <a:pPr marL="0" indent="0">
+              <a:buNone/>
+            </a:pPr>
+            <a:endParaRPr lang="en-US" dirty="0"/>
+          </a:p>
+          <a:p>
+            <a:endParaRPr lang="en-US" dirty="0"/>
+          </a:p>
+          <a:p>
+            <a:endParaRPr lang="en-US" dirty="0"/>
+          </a:p>
+          <a:p>
+            <a:endParaRPr lang="en-US" dirty="0"/>
+          </a:p>
+          <a:p>
+            <a:pPr marL="0" indent="0">
+              <a:buNone/>
+            </a:pPr>
+            <a:endParaRPr lang="en-US" dirty="0"/>
+          </a:p>
+        </p:txBody>
+      </p:sp>
+      <p:sp>
+        <p:nvSpPr>
+          <p:cNvPr id="4" name="Slide Number Placeholder 3"/>
+          <p:cNvSpPr>
+            <a:spLocks noGrp="1"/>
+          </p:cNvSpPr>
+          <p:nvPr>
+            <p:ph type="sldNum" sz="quarter" idx="12"/>
+          </p:nvPr>
+        </p:nvSpPr>
+        <p:spPr/>
+        <p:txBody>
+          <a:bodyPr/>
+          <a:lstStyle/>
+          <a:p>
+            <a:fld id="{D57F1E4F-1CFF-5643-939E-217C01CDF565}" type="slidenum">
+              <a:rPr lang="en-US" smtClean="0"/>
+              <a:pPr/>
+              <a:t>14</a:t>
+            </a:fld>
+            <a:endParaRPr lang="en-US" dirty="0"/>
+          </a:p>
+        </p:txBody>
+      </p:sp>
+    </p:spTree>
+    <p:extLst>
+      <p:ext uri="{BB962C8B-B14F-4D97-AF65-F5344CB8AC3E}">
+        <p14:creationId xmlns:p14="http://schemas.microsoft.com/office/powerpoint/2010/main" val="1778064623"/>
+      </p:ext>
+    </p:extLst>
+  </p:cSld>
+  <p:clrMapOvr>
+    <a:masterClrMapping/>
+  </p:clrMapOvr>
+</p:sld>
+</file>
+
 <file path=ppt/slides/slide15.xml><?xml version="1.0" encoding="utf-8"?>
 <p:sld xmlns:a="http://schemas.openxmlformats.org/drawingml/2006/main" xmlns:r="http://schemas.openxmlformats.org/officeDocument/2006/relationships" xmlns:p="http://schemas.openxmlformats.org/presentationml/2006/main">
   <p:cSld>
@@ -8390,190 +8400,87 @@
       </p:grpSpPr>
       <p:sp>
         <p:nvSpPr>
-          <p:cNvPr id="2" name="Title 1"/>
-          <p:cNvSpPr>
-            <a:spLocks noGrp="1"/>
-          </p:cNvSpPr>
-          <p:nvPr>
-            <p:ph type="title"/>
+          <p:cNvPr id="2" name="Title 1">
+            <a:extLst>
+              <a:ext uri="{FF2B5EF4-FFF2-40B4-BE49-F238E27FC236}">
+                <a16:creationId xmlns:a16="http://schemas.microsoft.com/office/drawing/2014/main" id="{AAD7B575-2C98-47F5-9AFD-62D59BDF362A}"/>
+              </a:ext>
+            </a:extLst>
+          </p:cNvPr>
+          <p:cNvSpPr>
+            <a:spLocks noGrp="1"/>
+          </p:cNvSpPr>
+          <p:nvPr>
+            <p:ph type="ctrTitle"/>
           </p:nvPr>
         </p:nvSpPr>
         <p:spPr>
           <a:xfrm>
-            <a:off x="1475804" y="271668"/>
-            <a:ext cx="6717323" cy="1354014"/>
+            <a:off x="1882548" y="1175509"/>
+            <a:ext cx="6947127" cy="4506982"/>
           </a:xfrm>
         </p:spPr>
         <p:txBody>
-          <a:bodyPr/>
-          <a:lstStyle/>
-          <a:p>
-            <a:r>
-              <a:rPr lang="en-US" dirty="0"/>
-              <a:t>Literature Review</a:t>
-            </a:r>
-          </a:p>
-        </p:txBody>
-      </p:sp>
-      <p:sp>
-        <p:nvSpPr>
-          <p:cNvPr id="3" name="Content Placeholder 2"/>
-          <p:cNvSpPr>
-            <a:spLocks noGrp="1"/>
-          </p:cNvSpPr>
-          <p:nvPr>
-            <p:ph idx="1"/>
-          </p:nvPr>
-        </p:nvSpPr>
-        <p:spPr>
-          <a:xfrm>
-            <a:off x="982133" y="2100466"/>
-            <a:ext cx="7704667" cy="4757534"/>
-          </a:xfrm>
-        </p:spPr>
-        <p:txBody>
           <a:bodyPr>
-            <a:normAutofit fontScale="47500" lnSpcReduction="20000"/>
+            <a:normAutofit/>
           </a:bodyPr>
           <a:lstStyle/>
           <a:p>
-            <a:pPr marL="0" indent="0">
-              <a:buNone/>
+            <a:pPr marL="457200" indent="-457200" algn="l">
+              <a:buFont typeface="Arial" panose="020B0604020202020204" pitchFamily="34" charset="0"/>
+              <a:buChar char="•"/>
             </a:pPr>
-            <a:endParaRPr lang="en-US" dirty="0"/>
-          </a:p>
-          <a:p>
-            <a:pPr marL="0" indent="0">
-              <a:buNone/>
-            </a:pPr>
-            <a:endParaRPr lang="en-US" dirty="0"/>
-          </a:p>
-          <a:p>
-            <a:pPr marL="0" indent="0">
-              <a:buNone/>
-            </a:pPr>
-            <a:endParaRPr lang="en-US" sz="3600" dirty="0"/>
-          </a:p>
-          <a:p>
-            <a:endParaRPr lang="en-US" sz="3600" b="1" dirty="0"/>
-          </a:p>
-          <a:p>
-            <a:pPr marL="0" indent="0">
-              <a:buNone/>
-            </a:pPr>
-            <a:endParaRPr lang="en-US" sz="3600" dirty="0"/>
-          </a:p>
-          <a:p>
-            <a:pPr marL="0" indent="0">
-              <a:buNone/>
-            </a:pPr>
-            <a:endParaRPr lang="en-US" sz="3600" dirty="0"/>
-          </a:p>
-          <a:p>
-            <a:pPr marL="0" indent="0">
-              <a:buNone/>
-            </a:pPr>
-            <a:endParaRPr lang="en-US" sz="3600" dirty="0"/>
-          </a:p>
-          <a:p>
-            <a:r>
-              <a:rPr lang="en-US" sz="5400" b="1" dirty="0"/>
-              <a:t>Existing deep learning methods</a:t>
-            </a:r>
-          </a:p>
-          <a:p>
-            <a:pPr>
-              <a:buFont typeface="Wingdings" panose="05000000000000000000" pitchFamily="2" charset="2"/>
-              <a:buChar char="Ø"/>
-            </a:pPr>
-            <a:r>
-              <a:rPr lang="en-US" sz="3600" dirty="0"/>
-              <a:t>More recently, the </a:t>
-            </a:r>
-            <a:r>
-              <a:rPr lang="en-US" sz="3600" dirty="0" err="1"/>
-              <a:t>AlexNet</a:t>
-            </a:r>
-            <a:r>
-              <a:rPr lang="en-US" sz="3600" dirty="0"/>
-              <a:t> (Markus </a:t>
-            </a:r>
-            <a:r>
-              <a:rPr lang="en-US" sz="3600" dirty="0" err="1"/>
-              <a:t>Oberweger</a:t>
-            </a:r>
-            <a:r>
-              <a:rPr lang="en-US" sz="3600" dirty="0"/>
-              <a:t>, 2020) showed much better results, and deep learning is more and more involved as it produces accurate results and is simpler to implement</a:t>
-            </a:r>
-          </a:p>
-          <a:p>
-            <a:pPr>
-              <a:buFont typeface="Wingdings" panose="05000000000000000000" pitchFamily="2" charset="2"/>
-              <a:buChar char="Ø"/>
-            </a:pPr>
-            <a:r>
-              <a:rPr lang="en-US" sz="3600" dirty="0"/>
-              <a:t>for real time consideration it does not work due to its huge latency and demanding compute capability.</a:t>
-            </a:r>
-          </a:p>
-          <a:p>
-            <a:r>
-              <a:rPr lang="en-US" sz="5400" dirty="0" err="1"/>
-              <a:t>Alexnet</a:t>
-            </a:r>
-            <a:r>
-              <a:rPr lang="en-US" sz="5400" dirty="0"/>
-              <a:t> parameters : 61 Million</a:t>
-            </a:r>
-          </a:p>
-          <a:p>
-            <a:pPr marL="0" indent="0">
-              <a:buNone/>
-            </a:pPr>
-            <a:endParaRPr lang="en-US" sz="3600" dirty="0"/>
-          </a:p>
-          <a:p>
-            <a:endParaRPr lang="en-US" sz="3600" dirty="0"/>
-          </a:p>
-          <a:p>
-            <a:endParaRPr lang="en-US" sz="3600" dirty="0"/>
-          </a:p>
-          <a:p>
-            <a:endParaRPr lang="en-US" sz="3600" dirty="0"/>
-          </a:p>
-          <a:p>
-            <a:pPr marL="0" indent="0">
-              <a:buNone/>
-            </a:pPr>
-            <a:endParaRPr lang="en-US" sz="3600" dirty="0"/>
-          </a:p>
-          <a:p>
-            <a:pPr marL="0" indent="0">
-              <a:buNone/>
-            </a:pPr>
-            <a:endParaRPr lang="en-US" dirty="0"/>
-          </a:p>
-          <a:p>
-            <a:endParaRPr lang="en-US" dirty="0"/>
-          </a:p>
-          <a:p>
-            <a:endParaRPr lang="en-US" dirty="0"/>
-          </a:p>
-          <a:p>
-            <a:endParaRPr lang="en-US" dirty="0"/>
-          </a:p>
-          <a:p>
-            <a:pPr marL="0" indent="0">
-              <a:buNone/>
-            </a:pPr>
-            <a:endParaRPr lang="en-US" dirty="0"/>
-          </a:p>
-        </p:txBody>
-      </p:sp>
-      <p:sp>
-        <p:nvSpPr>
-          <p:cNvPr id="4" name="Slide Number Placeholder 3"/>
+            <a:r>
+              <a:rPr lang="en-US" sz="2800" b="1" dirty="0"/>
+              <a:t>Existing 3D CNN methods</a:t>
+            </a:r>
+            <a:br>
+              <a:rPr lang="en-US" sz="2800" b="1" dirty="0"/>
+            </a:br>
+            <a:r>
+              <a:rPr lang="en-US" sz="2800" dirty="0"/>
+              <a:t>For real time applications 3D convolutional neural networks look more promising </a:t>
+            </a:r>
+            <a:br>
+              <a:rPr lang="en-US" sz="2800" dirty="0"/>
+            </a:br>
+            <a:r>
+              <a:rPr lang="en-US" sz="2800" dirty="0"/>
+              <a:t>(Ge L, 2019). </a:t>
+            </a:r>
+            <a:br>
+              <a:rPr lang="en-US" sz="2800" dirty="0"/>
+            </a:br>
+            <a:r>
+              <a:rPr lang="en-US" sz="2800" dirty="0"/>
+              <a:t> 3D CNNs better represent 3D features, the network can be much simpler and smaller, thus resulting in reduced latency.</a:t>
+            </a:r>
+            <a:r>
+              <a:rPr lang="en-US" sz="2800" b="1" dirty="0"/>
+              <a:t> </a:t>
+            </a:r>
+            <a:br>
+              <a:rPr lang="en-US" sz="2800" b="1" dirty="0"/>
+            </a:br>
+            <a:br>
+              <a:rPr lang="en-US" sz="2800" dirty="0"/>
+            </a:br>
+            <a:r>
+              <a:rPr lang="en-US" sz="2800" dirty="0"/>
+              <a:t> </a:t>
+            </a:r>
+          </a:p>
+        </p:txBody>
+      </p:sp>
+      <p:sp>
+        <p:nvSpPr>
+          <p:cNvPr id="4" name="Slide Number Placeholder 3">
+            <a:extLst>
+              <a:ext uri="{FF2B5EF4-FFF2-40B4-BE49-F238E27FC236}">
+                <a16:creationId xmlns:a16="http://schemas.microsoft.com/office/drawing/2014/main" id="{10B0AE9B-2A63-4878-BA07-5041F4412734}"/>
+              </a:ext>
+            </a:extLst>
+          </p:cNvPr>
           <p:cNvSpPr>
             <a:spLocks noGrp="1"/>
           </p:cNvSpPr>
@@ -8595,10 +8502,44 @@
           </a:p>
         </p:txBody>
       </p:sp>
+      <p:sp>
+        <p:nvSpPr>
+          <p:cNvPr id="3" name="Rectangle 2">
+            <a:extLst>
+              <a:ext uri="{FF2B5EF4-FFF2-40B4-BE49-F238E27FC236}">
+                <a16:creationId xmlns:a16="http://schemas.microsoft.com/office/drawing/2014/main" id="{D278CCC9-C828-4723-8B53-392BA69261EE}"/>
+              </a:ext>
+            </a:extLst>
+          </p:cNvPr>
+          <p:cNvSpPr/>
+          <p:nvPr/>
+        </p:nvSpPr>
+        <p:spPr>
+          <a:xfrm>
+            <a:off x="3636904" y="375539"/>
+            <a:ext cx="3172279" cy="584775"/>
+          </a:xfrm>
+          <a:prstGeom prst="rect">
+            <a:avLst/>
+          </a:prstGeom>
+        </p:spPr>
+        <p:txBody>
+          <a:bodyPr wrap="none">
+            <a:spAutoFit/>
+          </a:bodyPr>
+          <a:lstStyle/>
+          <a:p>
+            <a:r>
+              <a:rPr lang="en-US" sz="3200" dirty="0"/>
+              <a:t>Literature Review</a:t>
+            </a:r>
+          </a:p>
+        </p:txBody>
+      </p:sp>
     </p:spTree>
     <p:extLst>
       <p:ext uri="{BB962C8B-B14F-4D97-AF65-F5344CB8AC3E}">
-        <p14:creationId xmlns:p14="http://schemas.microsoft.com/office/powerpoint/2010/main" val="1778064623"/>
+        <p14:creationId xmlns:p14="http://schemas.microsoft.com/office/powerpoint/2010/main" val="932266551"/>
       </p:ext>
     </p:extLst>
   </p:cSld>
@@ -8630,7 +8571,7 @@
           <p:cNvPr id="2" name="Title 1">
             <a:extLst>
               <a:ext uri="{FF2B5EF4-FFF2-40B4-BE49-F238E27FC236}">
-                <a16:creationId xmlns:a16="http://schemas.microsoft.com/office/drawing/2014/main" id="{AAD7B575-2C98-47F5-9AFD-62D59BDF362A}"/>
+                <a16:creationId xmlns:a16="http://schemas.microsoft.com/office/drawing/2014/main" id="{9D461EBB-C0E8-45DD-9B74-180742F2A48A}"/>
               </a:ext>
             </a:extLst>
           </p:cNvPr>
@@ -8643,8 +8584,8 @@
         </p:nvSpPr>
         <p:spPr>
           <a:xfrm>
-            <a:off x="1882548" y="1175509"/>
-            <a:ext cx="6947127" cy="4506982"/>
+            <a:off x="1739673" y="914400"/>
+            <a:ext cx="6947127" cy="5086349"/>
           </a:xfrm>
         </p:spPr>
         <p:txBody>
@@ -8653,49 +8594,56 @@
           </a:bodyPr>
           <a:lstStyle/>
           <a:p>
-            <a:pPr marL="457200" indent="-457200" algn="l">
-              <a:buFont typeface="Arial" panose="020B0604020202020204" pitchFamily="34" charset="0"/>
-              <a:buChar char="•"/>
-            </a:pPr>
-            <a:r>
-              <a:rPr lang="en-US" sz="2800" b="1" dirty="0"/>
-              <a:t>Existing 3D CNN methods</a:t>
+            <a:pPr algn="l"/>
+            <a:r>
+              <a:rPr lang="en-US" sz="2700" b="1" dirty="0"/>
+              <a:t>Ge L, L. H. (2019). Real-Time 3D Hand Pose Estimation with 3D Convolutional Neural Networks. </a:t>
+            </a:r>
+            <a:r>
+              <a:rPr lang="en-US" sz="2700" b="1" i="1" dirty="0"/>
+              <a:t>IEEE Trans Pattern Anal Mach </a:t>
+            </a:r>
+            <a:r>
+              <a:rPr lang="en-US" sz="2700" b="1" i="1" dirty="0" err="1"/>
+              <a:t>Intell</a:t>
+            </a:r>
+            <a:r>
+              <a:rPr lang="en-US" sz="2700" b="1" dirty="0"/>
+              <a:t>, 956-970. </a:t>
             </a:r>
             <a:br>
-              <a:rPr lang="en-US" sz="2800" b="1" dirty="0"/>
+              <a:rPr lang="en-US" sz="2700" dirty="0"/>
             </a:br>
             <a:r>
-              <a:rPr lang="en-US" sz="2800" dirty="0"/>
-              <a:t>For real time applications 3D convolutional neural networks look more promising </a:t>
+              <a:rPr lang="en-US" sz="2700" dirty="0"/>
+              <a:t>1. Converts Depth Data into volumetric  Representation</a:t>
             </a:r>
             <a:br>
-              <a:rPr lang="en-US" sz="2800" dirty="0"/>
+              <a:rPr lang="en-US" sz="2700" dirty="0"/>
             </a:br>
             <a:r>
-              <a:rPr lang="en-US" sz="2800" dirty="0"/>
-              <a:t>(Ge L, 2019). </a:t>
+              <a:rPr lang="en-US" sz="2700" dirty="0"/>
+              <a:t>2. Use Supervised and unsupervised methods</a:t>
             </a:r>
             <a:br>
-              <a:rPr lang="en-US" sz="2800" dirty="0"/>
+              <a:rPr lang="en-US" sz="2700" dirty="0"/>
             </a:br>
             <a:r>
-              <a:rPr lang="en-US" sz="2800" dirty="0"/>
-              <a:t> 3D CNNs better represent 3D features, the network can be much simpler and smaller, thus resulting in reduced latency.</a:t>
-            </a:r>
-            <a:r>
-              <a:rPr lang="en-US" sz="2800" b="1" dirty="0"/>
-              <a:t> </a:t>
+              <a:rPr lang="en-US" sz="2700" dirty="0"/>
+              <a:t>3. 3D CNN to capture more features along the 3</a:t>
+            </a:r>
+            <a:r>
+              <a:rPr lang="en-US" sz="2700" baseline="30000" dirty="0"/>
+              <a:t>rd</a:t>
+            </a:r>
+            <a:r>
+              <a:rPr lang="en-US" sz="2700" dirty="0"/>
+              <a:t> dimension(depth)</a:t>
             </a:r>
             <a:br>
-              <a:rPr lang="en-US" sz="2800" b="1" dirty="0"/>
+              <a:rPr lang="en-US" sz="5400" dirty="0"/>
             </a:br>
-            <a:br>
-              <a:rPr lang="en-US" sz="2800" dirty="0"/>
-            </a:br>
-            <a:r>
-              <a:rPr lang="en-US" sz="2800" dirty="0"/>
-              <a:t> </a:t>
-            </a:r>
+            <a:endParaRPr lang="en-US" dirty="0"/>
           </a:p>
         </p:txBody>
       </p:sp>
@@ -8704,7 +8652,7 @@
           <p:cNvPr id="4" name="Slide Number Placeholder 3">
             <a:extLst>
               <a:ext uri="{FF2B5EF4-FFF2-40B4-BE49-F238E27FC236}">
-                <a16:creationId xmlns:a16="http://schemas.microsoft.com/office/drawing/2014/main" id="{10B0AE9B-2A63-4878-BA07-5041F4412734}"/>
+                <a16:creationId xmlns:a16="http://schemas.microsoft.com/office/drawing/2014/main" id="{98BB12BE-3853-46FE-BED7-17C3DD66C67A}"/>
               </a:ext>
             </a:extLst>
           </p:cNvPr>
@@ -8734,7 +8682,7 @@
           <p:cNvPr id="3" name="Rectangle 2">
             <a:extLst>
               <a:ext uri="{FF2B5EF4-FFF2-40B4-BE49-F238E27FC236}">
-                <a16:creationId xmlns:a16="http://schemas.microsoft.com/office/drawing/2014/main" id="{D278CCC9-C828-4723-8B53-392BA69261EE}"/>
+                <a16:creationId xmlns:a16="http://schemas.microsoft.com/office/drawing/2014/main" id="{3214C3A0-EB04-473E-BA6A-8D874EA795D9}"/>
               </a:ext>
             </a:extLst>
           </p:cNvPr>
@@ -8743,7 +8691,7 @@
         </p:nvSpPr>
         <p:spPr>
           <a:xfrm>
-            <a:off x="3636904" y="375539"/>
+            <a:off x="3636904" y="545068"/>
             <a:ext cx="3172279" cy="584775"/>
           </a:xfrm>
           <a:prstGeom prst="rect">
@@ -8766,7 +8714,7 @@
     </p:spTree>
     <p:extLst>
       <p:ext uri="{BB962C8B-B14F-4D97-AF65-F5344CB8AC3E}">
-        <p14:creationId xmlns:p14="http://schemas.microsoft.com/office/powerpoint/2010/main" val="932266551"/>
+        <p14:creationId xmlns:p14="http://schemas.microsoft.com/office/powerpoint/2010/main" val="673989856"/>
       </p:ext>
     </p:extLst>
   </p:cSld>
@@ -8798,7 +8746,7 @@
           <p:cNvPr id="2" name="Title 1">
             <a:extLst>
               <a:ext uri="{FF2B5EF4-FFF2-40B4-BE49-F238E27FC236}">
-                <a16:creationId xmlns:a16="http://schemas.microsoft.com/office/drawing/2014/main" id="{9D461EBB-C0E8-45DD-9B74-180742F2A48A}"/>
+                <a16:creationId xmlns:a16="http://schemas.microsoft.com/office/drawing/2014/main" id="{AF7FEA34-D1FB-4F9F-8DD2-2E08A29ACA62}"/>
               </a:ext>
             </a:extLst>
           </p:cNvPr>
@@ -8806,80 +8754,86 @@
             <a:spLocks noGrp="1"/>
           </p:cNvSpPr>
           <p:nvPr>
-            <p:ph type="ctrTitle"/>
+            <p:ph type="title"/>
           </p:nvPr>
         </p:nvSpPr>
         <p:spPr>
           <a:xfrm>
-            <a:off x="1739673" y="914400"/>
-            <a:ext cx="6947127" cy="5086349"/>
+            <a:off x="982133" y="457201"/>
+            <a:ext cx="7704667" cy="6023994"/>
           </a:xfrm>
         </p:spPr>
         <p:txBody>
           <a:bodyPr>
-            <a:normAutofit/>
+            <a:normAutofit fontScale="90000"/>
           </a:bodyPr>
           <a:lstStyle/>
           <a:p>
             <a:pPr algn="l"/>
             <a:r>
-              <a:rPr lang="en-US" sz="2700" b="1" dirty="0"/>
-              <a:t>Ge L, L. H. (2019). Real-Time 3D Hand Pose Estimation with 3D Convolutional Neural Networks. </a:t>
-            </a:r>
-            <a:r>
-              <a:rPr lang="en-US" sz="2700" b="1" i="1" dirty="0"/>
-              <a:t>IEEE Trans Pattern Anal Mach </a:t>
-            </a:r>
-            <a:r>
-              <a:rPr lang="en-US" sz="2700" b="1" i="1" dirty="0" err="1"/>
-              <a:t>Intell</a:t>
-            </a:r>
-            <a:r>
-              <a:rPr lang="en-US" sz="2700" b="1" dirty="0"/>
-              <a:t>, 956-970. </a:t>
+              <a:rPr lang="en-US" sz="2400" b="1" dirty="0"/>
+              <a:t>Jonathan </a:t>
+            </a:r>
+            <a:r>
+              <a:rPr lang="en-US" sz="2400" b="1" dirty="0" err="1"/>
+              <a:t>Tompson</a:t>
+            </a:r>
+            <a:r>
+              <a:rPr lang="en-US" sz="2400" b="1" dirty="0"/>
+              <a:t>, M. S. (2014). Real-Time Continuous Pose Recovery of Human Hands Using Convolutional Networks. </a:t>
+            </a:r>
+            <a:r>
+              <a:rPr lang="en-US" sz="2400" b="1" i="1" dirty="0"/>
+              <a:t>ACM Trans. Graph. 33, 5, Article 169 (August 2014)</a:t>
+            </a:r>
+            <a:r>
+              <a:rPr lang="en-US" sz="2400" b="1" dirty="0"/>
+              <a:t>, 10 pages. </a:t>
+            </a:r>
+            <a:br>
+              <a:rPr lang="en-US" sz="2400" dirty="0"/>
+            </a:br>
+            <a:r>
+              <a:rPr lang="en-US" sz="2400" dirty="0"/>
+              <a:t>1.Per pixel RDF ( Random Decision Forest) for segmentation from background.</a:t>
+            </a:r>
+            <a:br>
+              <a:rPr lang="en-US" sz="2400" dirty="0"/>
+            </a:br>
+            <a:r>
+              <a:rPr lang="en-US" sz="2400" dirty="0"/>
+              <a:t>2.Poor segmentation as compared to deep Learning Encoder-Decoder available now days.</a:t>
+            </a:r>
+            <a:br>
+              <a:rPr lang="en-US" sz="2400" dirty="0"/>
+            </a:br>
+            <a:r>
+              <a:rPr lang="en-US" sz="2400" dirty="0"/>
+              <a:t>3.Heat maps at output of neural network instead of 3d-joint locations</a:t>
+            </a:r>
+            <a:br>
+              <a:rPr lang="en-US" sz="2400" dirty="0"/>
+            </a:br>
+            <a:r>
+              <a:rPr lang="en-US" sz="2400" dirty="0"/>
+              <a:t>4. Input Image with 1 dimension only . After cropping and up sampling region of interest loss of information around corners can be easily observed.</a:t>
             </a:r>
             <a:br>
               <a:rPr lang="en-US" sz="2700" dirty="0"/>
             </a:br>
-            <a:r>
-              <a:rPr lang="en-US" sz="2700" dirty="0"/>
-              <a:t>1. Converts Depth Data into volumetric  Representation</a:t>
-            </a:r>
             <a:br>
-              <a:rPr lang="en-US" sz="2700" dirty="0"/>
+              <a:rPr lang="en-US" sz="4000" dirty="0"/>
             </a:br>
-            <a:r>
-              <a:rPr lang="en-US" sz="2700" dirty="0"/>
-              <a:t>2. Use Supervised and unsupervised methods</a:t>
-            </a:r>
-            <a:br>
-              <a:rPr lang="en-US" sz="2700" dirty="0"/>
-            </a:br>
-            <a:r>
-              <a:rPr lang="en-US" sz="2700" dirty="0"/>
-              <a:t>3. 3D CNN to capture more features along the 3</a:t>
-            </a:r>
-            <a:r>
-              <a:rPr lang="en-US" sz="2700" baseline="30000" dirty="0"/>
-              <a:t>rd</a:t>
-            </a:r>
-            <a:r>
-              <a:rPr lang="en-US" sz="2700" dirty="0"/>
-              <a:t> dimension(depth)</a:t>
-            </a:r>
-            <a:br>
-              <a:rPr lang="en-US" sz="5400" dirty="0"/>
-            </a:br>
-            <a:endParaRPr lang="en-US" dirty="0"/>
-          </a:p>
-        </p:txBody>
-      </p:sp>
-      <p:sp>
-        <p:nvSpPr>
-          <p:cNvPr id="4" name="Slide Number Placeholder 3">
+            <a:endParaRPr lang="en-US" dirty="0"/>
+          </a:p>
+        </p:txBody>
+      </p:sp>
+      <p:sp>
+        <p:nvSpPr>
+          <p:cNvPr id="3" name="Slide Number Placeholder 2">
             <a:extLst>
               <a:ext uri="{FF2B5EF4-FFF2-40B4-BE49-F238E27FC236}">
-                <a16:creationId xmlns:a16="http://schemas.microsoft.com/office/drawing/2014/main" id="{98BB12BE-3853-46FE-BED7-17C3DD66C67A}"/>
+                <a16:creationId xmlns:a16="http://schemas.microsoft.com/office/drawing/2014/main" id="{EC022412-E3AC-443F-B11B-357F06C34887}"/>
               </a:ext>
             </a:extLst>
           </p:cNvPr>
@@ -8904,44 +8858,10 @@
           </a:p>
         </p:txBody>
       </p:sp>
-      <p:sp>
-        <p:nvSpPr>
-          <p:cNvPr id="3" name="Rectangle 2">
-            <a:extLst>
-              <a:ext uri="{FF2B5EF4-FFF2-40B4-BE49-F238E27FC236}">
-                <a16:creationId xmlns:a16="http://schemas.microsoft.com/office/drawing/2014/main" id="{3214C3A0-EB04-473E-BA6A-8D874EA795D9}"/>
-              </a:ext>
-            </a:extLst>
-          </p:cNvPr>
-          <p:cNvSpPr/>
-          <p:nvPr/>
-        </p:nvSpPr>
-        <p:spPr>
-          <a:xfrm>
-            <a:off x="3636904" y="545068"/>
-            <a:ext cx="3172279" cy="584775"/>
-          </a:xfrm>
-          <a:prstGeom prst="rect">
-            <a:avLst/>
-          </a:prstGeom>
-        </p:spPr>
-        <p:txBody>
-          <a:bodyPr wrap="none">
-            <a:spAutoFit/>
-          </a:bodyPr>
-          <a:lstStyle/>
-          <a:p>
-            <a:r>
-              <a:rPr lang="en-US" sz="3200" dirty="0"/>
-              <a:t>Literature Review</a:t>
-            </a:r>
-          </a:p>
-        </p:txBody>
-      </p:sp>
     </p:spTree>
     <p:extLst>
       <p:ext uri="{BB962C8B-B14F-4D97-AF65-F5344CB8AC3E}">
-        <p14:creationId xmlns:p14="http://schemas.microsoft.com/office/powerpoint/2010/main" val="673989856"/>
+        <p14:creationId xmlns:p14="http://schemas.microsoft.com/office/powerpoint/2010/main" val="2686120575"/>
       </p:ext>
     </p:extLst>
   </p:cSld>
@@ -8970,153 +8890,6 @@
       </p:grpSpPr>
       <p:sp>
         <p:nvSpPr>
-          <p:cNvPr id="2" name="Title 1">
-            <a:extLst>
-              <a:ext uri="{FF2B5EF4-FFF2-40B4-BE49-F238E27FC236}">
-                <a16:creationId xmlns:a16="http://schemas.microsoft.com/office/drawing/2014/main" id="{AF7FEA34-D1FB-4F9F-8DD2-2E08A29ACA62}"/>
-              </a:ext>
-            </a:extLst>
-          </p:cNvPr>
-          <p:cNvSpPr>
-            <a:spLocks noGrp="1"/>
-          </p:cNvSpPr>
-          <p:nvPr>
-            <p:ph type="title"/>
-          </p:nvPr>
-        </p:nvSpPr>
-        <p:spPr>
-          <a:xfrm>
-            <a:off x="982133" y="457201"/>
-            <a:ext cx="7704667" cy="6023994"/>
-          </a:xfrm>
-        </p:spPr>
-        <p:txBody>
-          <a:bodyPr>
-            <a:normAutofit fontScale="90000"/>
-          </a:bodyPr>
-          <a:lstStyle/>
-          <a:p>
-            <a:pPr algn="l"/>
-            <a:r>
-              <a:rPr lang="en-US" sz="2400" b="1" dirty="0"/>
-              <a:t>Jonathan </a:t>
-            </a:r>
-            <a:r>
-              <a:rPr lang="en-US" sz="2400" b="1" dirty="0" err="1"/>
-              <a:t>Tompson</a:t>
-            </a:r>
-            <a:r>
-              <a:rPr lang="en-US" sz="2400" b="1" dirty="0"/>
-              <a:t>, M. S. (2014). Real-Time Continuous Pose Recovery of Human Hands Using Convolutional Networks. </a:t>
-            </a:r>
-            <a:r>
-              <a:rPr lang="en-US" sz="2400" b="1" i="1" dirty="0"/>
-              <a:t>ACM Trans. Graph. 33, 5, Article 169 (August 2014)</a:t>
-            </a:r>
-            <a:r>
-              <a:rPr lang="en-US" sz="2400" b="1" dirty="0"/>
-              <a:t>, 10 pages. </a:t>
-            </a:r>
-            <a:br>
-              <a:rPr lang="en-US" sz="2400" dirty="0"/>
-            </a:br>
-            <a:r>
-              <a:rPr lang="en-US" sz="2400" dirty="0"/>
-              <a:t>1.Per pixel RDF ( Random Decision Forest) for segmentation from background.</a:t>
-            </a:r>
-            <a:br>
-              <a:rPr lang="en-US" sz="2400" dirty="0"/>
-            </a:br>
-            <a:r>
-              <a:rPr lang="en-US" sz="2400" dirty="0"/>
-              <a:t>2.Poor segmentation as compared to deep Learning Encoder-Decoder available now days.</a:t>
-            </a:r>
-            <a:br>
-              <a:rPr lang="en-US" sz="2400" dirty="0"/>
-            </a:br>
-            <a:r>
-              <a:rPr lang="en-US" sz="2400" dirty="0"/>
-              <a:t>3.Heat maps at output of neural network instead of 3d-joint locations</a:t>
-            </a:r>
-            <a:br>
-              <a:rPr lang="en-US" sz="2400" dirty="0"/>
-            </a:br>
-            <a:r>
-              <a:rPr lang="en-US" sz="2400" dirty="0"/>
-              <a:t>4. Input Image with 1 dimension only . After cropping and up sampling region of interest loss of information around corners can be easily observed.</a:t>
-            </a:r>
-            <a:br>
-              <a:rPr lang="en-US" sz="2700" dirty="0"/>
-            </a:br>
-            <a:br>
-              <a:rPr lang="en-US" sz="4000" dirty="0"/>
-            </a:br>
-            <a:endParaRPr lang="en-US" dirty="0"/>
-          </a:p>
-        </p:txBody>
-      </p:sp>
-      <p:sp>
-        <p:nvSpPr>
-          <p:cNvPr id="3" name="Slide Number Placeholder 2">
-            <a:extLst>
-              <a:ext uri="{FF2B5EF4-FFF2-40B4-BE49-F238E27FC236}">
-                <a16:creationId xmlns:a16="http://schemas.microsoft.com/office/drawing/2014/main" id="{EC022412-E3AC-443F-B11B-357F06C34887}"/>
-              </a:ext>
-            </a:extLst>
-          </p:cNvPr>
-          <p:cNvSpPr>
-            <a:spLocks noGrp="1"/>
-          </p:cNvSpPr>
-          <p:nvPr>
-            <p:ph type="sldNum" sz="quarter" idx="12"/>
-          </p:nvPr>
-        </p:nvSpPr>
-        <p:spPr/>
-        <p:txBody>
-          <a:bodyPr/>
-          <a:lstStyle/>
-          <a:p>
-            <a:fld id="{D57F1E4F-1CFF-5643-939E-217C01CDF565}" type="slidenum">
-              <a:rPr lang="en-US" smtClean="0"/>
-              <a:pPr/>
-              <a:t>18</a:t>
-            </a:fld>
-            <a:endParaRPr lang="en-US" dirty="0"/>
-          </a:p>
-        </p:txBody>
-      </p:sp>
-    </p:spTree>
-    <p:extLst>
-      <p:ext uri="{BB962C8B-B14F-4D97-AF65-F5344CB8AC3E}">
-        <p14:creationId xmlns:p14="http://schemas.microsoft.com/office/powerpoint/2010/main" val="2686120575"/>
-      </p:ext>
-    </p:extLst>
-  </p:cSld>
-  <p:clrMapOvr>
-    <a:masterClrMapping/>
-  </p:clrMapOvr>
-</p:sld>
-</file>
-
-<file path=ppt/slides/slide19.xml><?xml version="1.0" encoding="utf-8"?>
-<p:sld xmlns:a="http://schemas.openxmlformats.org/drawingml/2006/main" xmlns:r="http://schemas.openxmlformats.org/officeDocument/2006/relationships" xmlns:p="http://schemas.openxmlformats.org/presentationml/2006/main">
-  <p:cSld>
-    <p:spTree>
-      <p:nvGrpSpPr>
-        <p:cNvPr id="1" name=""/>
-        <p:cNvGrpSpPr/>
-        <p:nvPr/>
-      </p:nvGrpSpPr>
-      <p:grpSpPr>
-        <a:xfrm>
-          <a:off x="0" y="0"/>
-          <a:ext cx="0" cy="0"/>
-          <a:chOff x="0" y="0"/>
-          <a:chExt cx="0" cy="0"/>
-        </a:xfrm>
-      </p:grpSpPr>
-      <p:sp>
-        <p:nvSpPr>
           <p:cNvPr id="4" name="Slide Number Placeholder 3">
             <a:extLst>
               <a:ext uri="{FF2B5EF4-FFF2-40B4-BE49-F238E27FC236}">
@@ -9139,7 +8912,7 @@
             <a:fld id="{D57F1E4F-1CFF-5643-939E-217C01CDF565}" type="slidenum">
               <a:rPr lang="en-US" smtClean="0"/>
               <a:pPr/>
-              <a:t>19</a:t>
+              <a:t>18</a:t>
             </a:fld>
             <a:endParaRPr lang="en-US" dirty="0"/>
           </a:p>
@@ -9179,6 +8952,136 @@
     <p:extLst>
       <p:ext uri="{BB962C8B-B14F-4D97-AF65-F5344CB8AC3E}">
         <p14:creationId xmlns:p14="http://schemas.microsoft.com/office/powerpoint/2010/main" val="3928740471"/>
+      </p:ext>
+    </p:extLst>
+  </p:cSld>
+  <p:clrMapOvr>
+    <a:masterClrMapping/>
+  </p:clrMapOvr>
+</p:sld>
+</file>
+
+<file path=ppt/slides/slide19.xml><?xml version="1.0" encoding="utf-8"?>
+<p:sld xmlns:a="http://schemas.openxmlformats.org/drawingml/2006/main" xmlns:r="http://schemas.openxmlformats.org/officeDocument/2006/relationships" xmlns:p="http://schemas.openxmlformats.org/presentationml/2006/main">
+  <p:cSld>
+    <p:spTree>
+      <p:nvGrpSpPr>
+        <p:cNvPr id="1" name=""/>
+        <p:cNvGrpSpPr/>
+        <p:nvPr/>
+      </p:nvGrpSpPr>
+      <p:grpSpPr>
+        <a:xfrm>
+          <a:off x="0" y="0"/>
+          <a:ext cx="0" cy="0"/>
+          <a:chOff x="0" y="0"/>
+          <a:chExt cx="0" cy="0"/>
+        </a:xfrm>
+      </p:grpSpPr>
+      <p:sp>
+        <p:nvSpPr>
+          <p:cNvPr id="2" name="Title 1">
+            <a:extLst>
+              <a:ext uri="{FF2B5EF4-FFF2-40B4-BE49-F238E27FC236}">
+                <a16:creationId xmlns:a16="http://schemas.microsoft.com/office/drawing/2014/main" id="{26988EC8-24CC-46F1-B4C3-5EFC01472694}"/>
+              </a:ext>
+            </a:extLst>
+          </p:cNvPr>
+          <p:cNvSpPr>
+            <a:spLocks noGrp="1"/>
+          </p:cNvSpPr>
+          <p:nvPr>
+            <p:ph type="title"/>
+          </p:nvPr>
+        </p:nvSpPr>
+        <p:spPr>
+          <a:xfrm>
+            <a:off x="982133" y="457201"/>
+            <a:ext cx="7704667" cy="5186362"/>
+          </a:xfrm>
+        </p:spPr>
+        <p:txBody>
+          <a:bodyPr>
+            <a:normAutofit/>
+          </a:bodyPr>
+          <a:lstStyle/>
+          <a:p>
+            <a:pPr algn="l"/>
+            <a:r>
+              <a:rPr lang="en-US" sz="2800" b="1" dirty="0"/>
+              <a:t>Existing deep learning methods</a:t>
+            </a:r>
+            <a:br>
+              <a:rPr lang="en-US" sz="2800" dirty="0"/>
+            </a:br>
+            <a:r>
+              <a:rPr lang="en-US" sz="2800" dirty="0"/>
+              <a:t>More recently, the </a:t>
+            </a:r>
+            <a:r>
+              <a:rPr lang="en-US" sz="2800" dirty="0" err="1"/>
+              <a:t>AlexNet</a:t>
+            </a:r>
+            <a:r>
+              <a:rPr lang="en-US" sz="2800" dirty="0"/>
+              <a:t> (Markus </a:t>
+            </a:r>
+            <a:r>
+              <a:rPr lang="en-US" sz="2800" dirty="0" err="1"/>
+              <a:t>Oberweger</a:t>
+            </a:r>
+            <a:r>
+              <a:rPr lang="en-US" sz="2800" dirty="0"/>
+              <a:t>, 2020) showed much better results, and deep learning is more and more involved as it produces accurate results and is simpler to implement. But for real time consideration it does not work due to its huge latency and demanding compute capability.</a:t>
+            </a:r>
+            <a:br>
+              <a:rPr lang="en-US" sz="2800" dirty="0"/>
+            </a:br>
+            <a:r>
+              <a:rPr lang="en-US" sz="2800" dirty="0" err="1"/>
+              <a:t>Alexnet</a:t>
+            </a:r>
+            <a:r>
+              <a:rPr lang="en-US" sz="2800" dirty="0"/>
+              <a:t> parameters : 61 Million</a:t>
+            </a:r>
+          </a:p>
+        </p:txBody>
+      </p:sp>
+      <p:sp>
+        <p:nvSpPr>
+          <p:cNvPr id="3" name="Slide Number Placeholder 2">
+            <a:extLst>
+              <a:ext uri="{FF2B5EF4-FFF2-40B4-BE49-F238E27FC236}">
+                <a16:creationId xmlns:a16="http://schemas.microsoft.com/office/drawing/2014/main" id="{A98095F4-FE6A-4ED4-8B5C-74CF46171371}"/>
+              </a:ext>
+            </a:extLst>
+          </p:cNvPr>
+          <p:cNvSpPr>
+            <a:spLocks noGrp="1"/>
+          </p:cNvSpPr>
+          <p:nvPr>
+            <p:ph type="sldNum" sz="quarter" idx="12"/>
+          </p:nvPr>
+        </p:nvSpPr>
+        <p:spPr/>
+        <p:txBody>
+          <a:bodyPr/>
+          <a:lstStyle/>
+          <a:p>
+            <a:fld id="{D57F1E4F-1CFF-5643-939E-217C01CDF565}" type="slidenum">
+              <a:rPr lang="en-US" smtClean="0"/>
+              <a:pPr/>
+              <a:t>19</a:t>
+            </a:fld>
+            <a:endParaRPr lang="en-US" dirty="0"/>
+          </a:p>
+        </p:txBody>
+      </p:sp>
+    </p:spTree>
+    <p:extLst>
+      <p:ext uri="{BB962C8B-B14F-4D97-AF65-F5344CB8AC3E}">
+        <p14:creationId xmlns:p14="http://schemas.microsoft.com/office/powerpoint/2010/main" val="3756454197"/>
       </p:ext>
     </p:extLst>
   </p:cSld>
@@ -9434,276 +9337,6 @@
           <p:cNvPr id="2" name="Title 1">
             <a:extLst>
               <a:ext uri="{FF2B5EF4-FFF2-40B4-BE49-F238E27FC236}">
-                <a16:creationId xmlns:a16="http://schemas.microsoft.com/office/drawing/2014/main" id="{31DB6CEA-9F7F-445E-B589-7C15C0505F00}"/>
-              </a:ext>
-            </a:extLst>
-          </p:cNvPr>
-          <p:cNvSpPr>
-            <a:spLocks noGrp="1"/>
-          </p:cNvSpPr>
-          <p:nvPr>
-            <p:ph type="title"/>
-          </p:nvPr>
-        </p:nvSpPr>
-        <p:spPr>
-          <a:xfrm>
-            <a:off x="982133" y="457201"/>
-            <a:ext cx="7704667" cy="4943474"/>
-          </a:xfrm>
-        </p:spPr>
-        <p:txBody>
-          <a:bodyPr/>
-          <a:lstStyle/>
-          <a:p>
-            <a:pPr algn="l"/>
-            <a:r>
-              <a:rPr lang="en-US" dirty="0"/>
-              <a:t>Neural Network</a:t>
-            </a:r>
-            <a:br>
-              <a:rPr lang="en-US" dirty="0"/>
-            </a:br>
-            <a:br>
-              <a:rPr lang="en-US" dirty="0"/>
-            </a:br>
-            <a:br>
-              <a:rPr lang="en-US" dirty="0"/>
-            </a:br>
-            <a:br>
-              <a:rPr lang="en-US" dirty="0"/>
-            </a:br>
-            <a:br>
-              <a:rPr lang="en-US" dirty="0"/>
-            </a:br>
-            <a:endParaRPr lang="en-US" dirty="0"/>
-          </a:p>
-        </p:txBody>
-      </p:sp>
-      <p:sp>
-        <p:nvSpPr>
-          <p:cNvPr id="3" name="Slide Number Placeholder 2">
-            <a:extLst>
-              <a:ext uri="{FF2B5EF4-FFF2-40B4-BE49-F238E27FC236}">
-                <a16:creationId xmlns:a16="http://schemas.microsoft.com/office/drawing/2014/main" id="{B9C194E4-3F0D-446C-BA33-EE52715A098F}"/>
-              </a:ext>
-            </a:extLst>
-          </p:cNvPr>
-          <p:cNvSpPr>
-            <a:spLocks noGrp="1"/>
-          </p:cNvSpPr>
-          <p:nvPr>
-            <p:ph type="sldNum" sz="quarter" idx="12"/>
-          </p:nvPr>
-        </p:nvSpPr>
-        <p:spPr/>
-        <p:txBody>
-          <a:bodyPr/>
-          <a:lstStyle/>
-          <a:p>
-            <a:fld id="{D57F1E4F-1CFF-5643-939E-217C01CDF565}" type="slidenum">
-              <a:rPr lang="en-US" smtClean="0"/>
-              <a:pPr/>
-              <a:t>20</a:t>
-            </a:fld>
-            <a:endParaRPr lang="en-US" dirty="0"/>
-          </a:p>
-        </p:txBody>
-      </p:sp>
-      <p:pic>
-        <p:nvPicPr>
-          <p:cNvPr id="5" name="Picture 4" descr="Diagram&#10;&#10;Description automatically generated">
-            <a:extLst>
-              <a:ext uri="{FF2B5EF4-FFF2-40B4-BE49-F238E27FC236}">
-                <a16:creationId xmlns:a16="http://schemas.microsoft.com/office/drawing/2014/main" id="{0EFA8685-A028-4723-8669-B75AA6D4A80E}"/>
-              </a:ext>
-            </a:extLst>
-          </p:cNvPr>
-          <p:cNvPicPr>
-            <a:picLocks noChangeAspect="1"/>
-          </p:cNvPicPr>
-          <p:nvPr/>
-        </p:nvPicPr>
-        <p:blipFill>
-          <a:blip r:embed="rId2"/>
-          <a:stretch>
-            <a:fillRect/>
-          </a:stretch>
-        </p:blipFill>
-        <p:spPr>
-          <a:xfrm>
-            <a:off x="914400" y="1800225"/>
-            <a:ext cx="7315200" cy="3600449"/>
-          </a:xfrm>
-          <a:prstGeom prst="rect">
-            <a:avLst/>
-          </a:prstGeom>
-        </p:spPr>
-      </p:pic>
-    </p:spTree>
-    <p:extLst>
-      <p:ext uri="{BB962C8B-B14F-4D97-AF65-F5344CB8AC3E}">
-        <p14:creationId xmlns:p14="http://schemas.microsoft.com/office/powerpoint/2010/main" val="262696961"/>
-      </p:ext>
-    </p:extLst>
-  </p:cSld>
-  <p:clrMapOvr>
-    <a:masterClrMapping/>
-  </p:clrMapOvr>
-</p:sld>
-</file>
-
-<file path=ppt/slides/slide21.xml><?xml version="1.0" encoding="utf-8"?>
-<p:sld xmlns:a="http://schemas.openxmlformats.org/drawingml/2006/main" xmlns:r="http://schemas.openxmlformats.org/officeDocument/2006/relationships" xmlns:p="http://schemas.openxmlformats.org/presentationml/2006/main">
-  <p:cSld>
-    <p:spTree>
-      <p:nvGrpSpPr>
-        <p:cNvPr id="1" name=""/>
-        <p:cNvGrpSpPr/>
-        <p:nvPr/>
-      </p:nvGrpSpPr>
-      <p:grpSpPr>
-        <a:xfrm>
-          <a:off x="0" y="0"/>
-          <a:ext cx="0" cy="0"/>
-          <a:chOff x="0" y="0"/>
-          <a:chExt cx="0" cy="0"/>
-        </a:xfrm>
-      </p:grpSpPr>
-      <p:sp>
-        <p:nvSpPr>
-          <p:cNvPr id="2" name="Title 1">
-            <a:extLst>
-              <a:ext uri="{FF2B5EF4-FFF2-40B4-BE49-F238E27FC236}">
-                <a16:creationId xmlns:a16="http://schemas.microsoft.com/office/drawing/2014/main" id="{26988EC8-24CC-46F1-B4C3-5EFC01472694}"/>
-              </a:ext>
-            </a:extLst>
-          </p:cNvPr>
-          <p:cNvSpPr>
-            <a:spLocks noGrp="1"/>
-          </p:cNvSpPr>
-          <p:nvPr>
-            <p:ph type="title"/>
-          </p:nvPr>
-        </p:nvSpPr>
-        <p:spPr>
-          <a:xfrm>
-            <a:off x="982133" y="457201"/>
-            <a:ext cx="7704667" cy="5186362"/>
-          </a:xfrm>
-        </p:spPr>
-        <p:txBody>
-          <a:bodyPr>
-            <a:normAutofit/>
-          </a:bodyPr>
-          <a:lstStyle/>
-          <a:p>
-            <a:pPr algn="l"/>
-            <a:r>
-              <a:rPr lang="en-US" sz="2800" b="1" dirty="0"/>
-              <a:t>Existing deep learning methods</a:t>
-            </a:r>
-            <a:br>
-              <a:rPr lang="en-US" sz="2800" dirty="0"/>
-            </a:br>
-            <a:r>
-              <a:rPr lang="en-US" sz="2800" dirty="0"/>
-              <a:t>More recently, the </a:t>
-            </a:r>
-            <a:r>
-              <a:rPr lang="en-US" sz="2800" dirty="0" err="1"/>
-              <a:t>AlexNet</a:t>
-            </a:r>
-            <a:r>
-              <a:rPr lang="en-US" sz="2800" dirty="0"/>
-              <a:t> (Markus </a:t>
-            </a:r>
-            <a:r>
-              <a:rPr lang="en-US" sz="2800" dirty="0" err="1"/>
-              <a:t>Oberweger</a:t>
-            </a:r>
-            <a:r>
-              <a:rPr lang="en-US" sz="2800" dirty="0"/>
-              <a:t>, 2020) showed much better results, and deep learning is more and more involved as it produces accurate results and is simpler to implement. But for real time consideration it does not work due to its huge latency and demanding compute capability.</a:t>
-            </a:r>
-            <a:br>
-              <a:rPr lang="en-US" sz="2800" dirty="0"/>
-            </a:br>
-            <a:r>
-              <a:rPr lang="en-US" sz="2800" dirty="0" err="1"/>
-              <a:t>Alexnet</a:t>
-            </a:r>
-            <a:r>
-              <a:rPr lang="en-US" sz="2800" dirty="0"/>
-              <a:t> parameters : 61 Million</a:t>
-            </a:r>
-          </a:p>
-        </p:txBody>
-      </p:sp>
-      <p:sp>
-        <p:nvSpPr>
-          <p:cNvPr id="3" name="Slide Number Placeholder 2">
-            <a:extLst>
-              <a:ext uri="{FF2B5EF4-FFF2-40B4-BE49-F238E27FC236}">
-                <a16:creationId xmlns:a16="http://schemas.microsoft.com/office/drawing/2014/main" id="{A98095F4-FE6A-4ED4-8B5C-74CF46171371}"/>
-              </a:ext>
-            </a:extLst>
-          </p:cNvPr>
-          <p:cNvSpPr>
-            <a:spLocks noGrp="1"/>
-          </p:cNvSpPr>
-          <p:nvPr>
-            <p:ph type="sldNum" sz="quarter" idx="12"/>
-          </p:nvPr>
-        </p:nvSpPr>
-        <p:spPr/>
-        <p:txBody>
-          <a:bodyPr/>
-          <a:lstStyle/>
-          <a:p>
-            <a:fld id="{D57F1E4F-1CFF-5643-939E-217C01CDF565}" type="slidenum">
-              <a:rPr lang="en-US" smtClean="0"/>
-              <a:pPr/>
-              <a:t>21</a:t>
-            </a:fld>
-            <a:endParaRPr lang="en-US" dirty="0"/>
-          </a:p>
-        </p:txBody>
-      </p:sp>
-    </p:spTree>
-    <p:extLst>
-      <p:ext uri="{BB962C8B-B14F-4D97-AF65-F5344CB8AC3E}">
-        <p14:creationId xmlns:p14="http://schemas.microsoft.com/office/powerpoint/2010/main" val="3756454197"/>
-      </p:ext>
-    </p:extLst>
-  </p:cSld>
-  <p:clrMapOvr>
-    <a:masterClrMapping/>
-  </p:clrMapOvr>
-</p:sld>
-</file>
-
-<file path=ppt/slides/slide22.xml><?xml version="1.0" encoding="utf-8"?>
-<p:sld xmlns:a="http://schemas.openxmlformats.org/drawingml/2006/main" xmlns:r="http://schemas.openxmlformats.org/officeDocument/2006/relationships" xmlns:p="http://schemas.openxmlformats.org/presentationml/2006/main">
-  <p:cSld>
-    <p:spTree>
-      <p:nvGrpSpPr>
-        <p:cNvPr id="1" name=""/>
-        <p:cNvGrpSpPr/>
-        <p:nvPr/>
-      </p:nvGrpSpPr>
-      <p:grpSpPr>
-        <a:xfrm>
-          <a:off x="0" y="0"/>
-          <a:ext cx="0" cy="0"/>
-          <a:chOff x="0" y="0"/>
-          <a:chExt cx="0" cy="0"/>
-        </a:xfrm>
-      </p:grpSpPr>
-      <p:sp>
-        <p:nvSpPr>
-          <p:cNvPr id="2" name="Title 1">
-            <a:extLst>
-              <a:ext uri="{FF2B5EF4-FFF2-40B4-BE49-F238E27FC236}">
                 <a16:creationId xmlns:a16="http://schemas.microsoft.com/office/drawing/2014/main" id="{AADEDC83-FD7C-4BA6-B3E6-6A4C24838ABF}"/>
               </a:ext>
             </a:extLst>
@@ -9769,7 +9402,7 @@
             <a:fld id="{D57F1E4F-1CFF-5643-939E-217C01CDF565}" type="slidenum">
               <a:rPr lang="en-US" smtClean="0"/>
               <a:pPr/>
-              <a:t>22</a:t>
+              <a:t>20</a:t>
             </a:fld>
             <a:endParaRPr lang="en-US" dirty="0"/>
           </a:p>
@@ -9818,6 +9451,257 @@
 </p:sld>
 </file>
 
+<file path=ppt/slides/slide21.xml><?xml version="1.0" encoding="utf-8"?>
+<p:sld xmlns:a="http://schemas.openxmlformats.org/drawingml/2006/main" xmlns:r="http://schemas.openxmlformats.org/officeDocument/2006/relationships" xmlns:p="http://schemas.openxmlformats.org/presentationml/2006/main">
+  <p:cSld>
+    <p:spTree>
+      <p:nvGrpSpPr>
+        <p:cNvPr id="1" name=""/>
+        <p:cNvGrpSpPr/>
+        <p:nvPr/>
+      </p:nvGrpSpPr>
+      <p:grpSpPr>
+        <a:xfrm>
+          <a:off x="0" y="0"/>
+          <a:ext cx="0" cy="0"/>
+          <a:chOff x="0" y="0"/>
+          <a:chExt cx="0" cy="0"/>
+        </a:xfrm>
+      </p:grpSpPr>
+      <p:sp>
+        <p:nvSpPr>
+          <p:cNvPr id="2" name="Title 1">
+            <a:extLst>
+              <a:ext uri="{FF2B5EF4-FFF2-40B4-BE49-F238E27FC236}">
+                <a16:creationId xmlns:a16="http://schemas.microsoft.com/office/drawing/2014/main" id="{AAD7B575-2C98-47F5-9AFD-62D59BDF362A}"/>
+              </a:ext>
+            </a:extLst>
+          </p:cNvPr>
+          <p:cNvSpPr>
+            <a:spLocks noGrp="1"/>
+          </p:cNvSpPr>
+          <p:nvPr>
+            <p:ph type="ctrTitle"/>
+          </p:nvPr>
+        </p:nvSpPr>
+        <p:spPr>
+          <a:xfrm>
+            <a:off x="1882548" y="375539"/>
+            <a:ext cx="6947127" cy="4396486"/>
+          </a:xfrm>
+        </p:spPr>
+        <p:txBody>
+          <a:bodyPr>
+            <a:normAutofit/>
+          </a:bodyPr>
+          <a:lstStyle/>
+          <a:p>
+            <a:pPr algn="l"/>
+            <a:r>
+              <a:rPr lang="en-US" sz="2800" b="1" dirty="0"/>
+              <a:t>Existing 3D CNN methods:</a:t>
+            </a:r>
+            <a:br>
+              <a:rPr lang="en-US" sz="2800" dirty="0"/>
+            </a:br>
+            <a:r>
+              <a:rPr lang="en-US" sz="2800" dirty="0"/>
+              <a:t> For real time applications 3D convolutional neural networks look more promising </a:t>
+            </a:r>
+            <a:br>
+              <a:rPr lang="en-US" sz="2800" dirty="0"/>
+            </a:br>
+            <a:r>
+              <a:rPr lang="en-US" sz="2800" dirty="0"/>
+              <a:t>(Ge L, 2019). Due to the nature of 3D CNNs to better represent 3D features, the network can be much simpler and smaller, thus resulting in reduced latency.</a:t>
+            </a:r>
+          </a:p>
+        </p:txBody>
+      </p:sp>
+      <p:sp>
+        <p:nvSpPr>
+          <p:cNvPr id="4" name="Slide Number Placeholder 3">
+            <a:extLst>
+              <a:ext uri="{FF2B5EF4-FFF2-40B4-BE49-F238E27FC236}">
+                <a16:creationId xmlns:a16="http://schemas.microsoft.com/office/drawing/2014/main" id="{10B0AE9B-2A63-4878-BA07-5041F4412734}"/>
+              </a:ext>
+            </a:extLst>
+          </p:cNvPr>
+          <p:cNvSpPr>
+            <a:spLocks noGrp="1"/>
+          </p:cNvSpPr>
+          <p:nvPr>
+            <p:ph type="sldNum" sz="quarter" idx="12"/>
+          </p:nvPr>
+        </p:nvSpPr>
+        <p:spPr/>
+        <p:txBody>
+          <a:bodyPr/>
+          <a:lstStyle/>
+          <a:p>
+            <a:fld id="{D57F1E4F-1CFF-5643-939E-217C01CDF565}" type="slidenum">
+              <a:rPr lang="en-US" smtClean="0"/>
+              <a:pPr/>
+              <a:t>21</a:t>
+            </a:fld>
+            <a:endParaRPr lang="en-US" dirty="0"/>
+          </a:p>
+        </p:txBody>
+      </p:sp>
+    </p:spTree>
+    <p:extLst>
+      <p:ext uri="{BB962C8B-B14F-4D97-AF65-F5344CB8AC3E}">
+        <p14:creationId xmlns:p14="http://schemas.microsoft.com/office/powerpoint/2010/main" val="2152207200"/>
+      </p:ext>
+    </p:extLst>
+  </p:cSld>
+  <p:clrMapOvr>
+    <a:masterClrMapping/>
+  </p:clrMapOvr>
+</p:sld>
+</file>
+
+<file path=ppt/slides/slide22.xml><?xml version="1.0" encoding="utf-8"?>
+<p:sld xmlns:a="http://schemas.openxmlformats.org/drawingml/2006/main" xmlns:r="http://schemas.openxmlformats.org/officeDocument/2006/relationships" xmlns:p="http://schemas.openxmlformats.org/presentationml/2006/main">
+  <p:cSld>
+    <p:spTree>
+      <p:nvGrpSpPr>
+        <p:cNvPr id="1" name=""/>
+        <p:cNvGrpSpPr/>
+        <p:nvPr/>
+      </p:nvGrpSpPr>
+      <p:grpSpPr>
+        <a:xfrm>
+          <a:off x="0" y="0"/>
+          <a:ext cx="0" cy="0"/>
+          <a:chOff x="0" y="0"/>
+          <a:chExt cx="0" cy="0"/>
+        </a:xfrm>
+      </p:grpSpPr>
+      <p:sp>
+        <p:nvSpPr>
+          <p:cNvPr id="2" name="Title 1">
+            <a:extLst>
+              <a:ext uri="{FF2B5EF4-FFF2-40B4-BE49-F238E27FC236}">
+                <a16:creationId xmlns:a16="http://schemas.microsoft.com/office/drawing/2014/main" id="{9D461EBB-C0E8-45DD-9B74-180742F2A48A}"/>
+              </a:ext>
+            </a:extLst>
+          </p:cNvPr>
+          <p:cNvSpPr>
+            <a:spLocks noGrp="1"/>
+          </p:cNvSpPr>
+          <p:nvPr>
+            <p:ph type="ctrTitle"/>
+          </p:nvPr>
+        </p:nvSpPr>
+        <p:spPr>
+          <a:xfrm>
+            <a:off x="1739673" y="914400"/>
+            <a:ext cx="6947127" cy="5086349"/>
+          </a:xfrm>
+        </p:spPr>
+        <p:txBody>
+          <a:bodyPr>
+            <a:normAutofit/>
+          </a:bodyPr>
+          <a:lstStyle/>
+          <a:p>
+            <a:pPr algn="l"/>
+            <a:r>
+              <a:rPr lang="en-US" sz="2700" b="1" dirty="0"/>
+              <a:t>Ge L, L. H. (2019). Real-Time 3D Hand Pose Estimation with 3D Convolutional Neural Networks. </a:t>
+            </a:r>
+            <a:r>
+              <a:rPr lang="en-US" sz="2700" b="1" i="1" dirty="0"/>
+              <a:t>IEEE Trans Pattern Anal Mach </a:t>
+            </a:r>
+            <a:r>
+              <a:rPr lang="en-US" sz="2700" b="1" i="1" dirty="0" err="1"/>
+              <a:t>Intell</a:t>
+            </a:r>
+            <a:r>
+              <a:rPr lang="en-US" sz="2700" b="1" dirty="0"/>
+              <a:t>, 956-970. </a:t>
+            </a:r>
+            <a:br>
+              <a:rPr lang="en-US" sz="2700" dirty="0"/>
+            </a:br>
+            <a:r>
+              <a:rPr lang="en-US" sz="2700" dirty="0"/>
+              <a:t>1. Converts Depth Data into volumetric  Representation</a:t>
+            </a:r>
+            <a:br>
+              <a:rPr lang="en-US" sz="2700" dirty="0"/>
+            </a:br>
+            <a:r>
+              <a:rPr lang="en-US" sz="2700" dirty="0"/>
+              <a:t>2. Use Supervised and unsupervised methods</a:t>
+            </a:r>
+            <a:br>
+              <a:rPr lang="en-US" sz="2700" dirty="0"/>
+            </a:br>
+            <a:r>
+              <a:rPr lang="en-US" sz="2700" dirty="0"/>
+              <a:t>3. 3D CNN to capture more features along the 3</a:t>
+            </a:r>
+            <a:r>
+              <a:rPr lang="en-US" sz="2700" baseline="30000" dirty="0"/>
+              <a:t>rd</a:t>
+            </a:r>
+            <a:r>
+              <a:rPr lang="en-US" sz="2700" dirty="0"/>
+              <a:t> dimension(depth)</a:t>
+            </a:r>
+            <a:br>
+              <a:rPr lang="en-US" sz="5400" dirty="0"/>
+            </a:br>
+            <a:endParaRPr lang="en-US" dirty="0"/>
+          </a:p>
+        </p:txBody>
+      </p:sp>
+      <p:sp>
+        <p:nvSpPr>
+          <p:cNvPr id="4" name="Slide Number Placeholder 3">
+            <a:extLst>
+              <a:ext uri="{FF2B5EF4-FFF2-40B4-BE49-F238E27FC236}">
+                <a16:creationId xmlns:a16="http://schemas.microsoft.com/office/drawing/2014/main" id="{98BB12BE-3853-46FE-BED7-17C3DD66C67A}"/>
+              </a:ext>
+            </a:extLst>
+          </p:cNvPr>
+          <p:cNvSpPr>
+            <a:spLocks noGrp="1"/>
+          </p:cNvSpPr>
+          <p:nvPr>
+            <p:ph type="sldNum" sz="quarter" idx="12"/>
+          </p:nvPr>
+        </p:nvSpPr>
+        <p:spPr/>
+        <p:txBody>
+          <a:bodyPr/>
+          <a:lstStyle/>
+          <a:p>
+            <a:fld id="{D57F1E4F-1CFF-5643-939E-217C01CDF565}" type="slidenum">
+              <a:rPr lang="en-US" smtClean="0"/>
+              <a:pPr/>
+              <a:t>22</a:t>
+            </a:fld>
+            <a:endParaRPr lang="en-US" dirty="0"/>
+          </a:p>
+        </p:txBody>
+      </p:sp>
+    </p:spTree>
+    <p:extLst>
+      <p:ext uri="{BB962C8B-B14F-4D97-AF65-F5344CB8AC3E}">
+        <p14:creationId xmlns:p14="http://schemas.microsoft.com/office/powerpoint/2010/main" val="2009961051"/>
+      </p:ext>
+    </p:extLst>
+  </p:cSld>
+  <p:clrMapOvr>
+    <a:masterClrMapping/>
+  </p:clrMapOvr>
+</p:sld>
+</file>
+
 <file path=ppt/slides/slide23.xml><?xml version="1.0" encoding="utf-8"?>
 <p:sld xmlns:a="http://schemas.openxmlformats.org/drawingml/2006/main" xmlns:r="http://schemas.openxmlformats.org/officeDocument/2006/relationships" xmlns:p="http://schemas.openxmlformats.org/presentationml/2006/main">
   <p:cSld>
@@ -9840,7 +9724,7 @@
           <p:cNvPr id="2" name="Title 1">
             <a:extLst>
               <a:ext uri="{FF2B5EF4-FFF2-40B4-BE49-F238E27FC236}">
-                <a16:creationId xmlns:a16="http://schemas.microsoft.com/office/drawing/2014/main" id="{AAD7B575-2C98-47F5-9AFD-62D59BDF362A}"/>
+                <a16:creationId xmlns:a16="http://schemas.microsoft.com/office/drawing/2014/main" id="{3C6CE437-68F7-4711-B001-5B91FDC22E1F}"/>
               </a:ext>
             </a:extLst>
           </p:cNvPr>
@@ -9853,35 +9737,96 @@
         </p:nvSpPr>
         <p:spPr>
           <a:xfrm>
-            <a:off x="1882548" y="375539"/>
-            <a:ext cx="6947127" cy="4396486"/>
+            <a:off x="1739673" y="1200149"/>
+            <a:ext cx="6947127" cy="3971926"/>
           </a:xfrm>
         </p:spPr>
         <p:txBody>
           <a:bodyPr>
-            <a:normAutofit/>
+            <a:normAutofit fontScale="90000"/>
           </a:bodyPr>
           <a:lstStyle/>
           <a:p>
             <a:pPr algn="l"/>
             <a:r>
-              <a:rPr lang="en-US" sz="2800" b="1" dirty="0"/>
-              <a:t>Existing 3D CNN methods:</a:t>
+              <a:rPr lang="en-US" sz="3600" dirty="0"/>
+              <a:t>3D convolution vs 2D convolution</a:t>
             </a:r>
             <a:br>
+              <a:rPr lang="en-US" sz="3600" dirty="0"/>
+            </a:br>
+            <a:r>
               <a:rPr lang="en-US" sz="2800" dirty="0"/>
+              <a:t>1.</a:t>
+            </a:r>
+            <a:r>
+              <a:rPr lang="en-US" sz="2800" b="0" i="0" dirty="0">
+                <a:solidFill>
+                  <a:srgbClr val="242729"/>
+                </a:solidFill>
+                <a:effectLst/>
+                <a:latin typeface="Arial" panose="020B0604020202020204" pitchFamily="34" charset="0"/>
+              </a:rPr>
+              <a:t> 3D CNN's are used when you want to extract features in 3rd Dimensions(DEPTH)</a:t>
+            </a:r>
+            <a:br>
+              <a:rPr lang="en-US" sz="2800" b="0" i="0" dirty="0">
+                <a:solidFill>
+                  <a:srgbClr val="242729"/>
+                </a:solidFill>
+                <a:effectLst/>
+                <a:latin typeface="Arial" panose="020B0604020202020204" pitchFamily="34" charset="0"/>
+              </a:rPr>
             </a:br>
             <a:r>
-              <a:rPr lang="en-US" sz="2800" dirty="0"/>
-              <a:t> For real time applications 3D convolutional neural networks look more promising </a:t>
+              <a:rPr lang="en-US" sz="2800" b="0" i="0" dirty="0">
+                <a:solidFill>
+                  <a:srgbClr val="242729"/>
+                </a:solidFill>
+                <a:effectLst/>
+                <a:latin typeface="Arial" panose="020B0604020202020204" pitchFamily="34" charset="0"/>
+              </a:rPr>
+              <a:t>2. </a:t>
+            </a:r>
+            <a:r>
+              <a:rPr lang="en-US" sz="2800" i="0" dirty="0">
+                <a:solidFill>
+                  <a:srgbClr val="242729"/>
+                </a:solidFill>
+                <a:effectLst/>
+                <a:latin typeface="Arial" panose="020B0604020202020204" pitchFamily="34" charset="0"/>
+              </a:rPr>
+              <a:t>kernel movement is now 3-Dimensional causing a better capture of dependencies within the 3 dimensions</a:t>
             </a:r>
             <a:br>
-              <a:rPr lang="en-US" sz="2800" dirty="0"/>
+              <a:rPr lang="en-US" sz="2800" i="0" dirty="0">
+                <a:solidFill>
+                  <a:srgbClr val="242729"/>
+                </a:solidFill>
+                <a:effectLst/>
+                <a:latin typeface="Arial" panose="020B0604020202020204" pitchFamily="34" charset="0"/>
+              </a:rPr>
             </a:br>
             <a:r>
-              <a:rPr lang="en-US" sz="2800" dirty="0"/>
-              <a:t>(Ge L, 2019). Due to the nature of 3D CNNs to better represent 3D features, the network can be much simpler and smaller, thus resulting in reduced latency.</a:t>
-            </a:r>
+              <a:rPr lang="en-US" sz="2800" i="0" dirty="0">
+                <a:solidFill>
+                  <a:srgbClr val="242729"/>
+                </a:solidFill>
+                <a:effectLst/>
+                <a:latin typeface="Arial" panose="020B0604020202020204" pitchFamily="34" charset="0"/>
+              </a:rPr>
+              <a:t>3. 3D convolution computationally more expensive but performs better on 3 dimensional data.</a:t>
+            </a:r>
+            <a:br>
+              <a:rPr lang="en-US" sz="2000" i="0" dirty="0">
+                <a:solidFill>
+                  <a:srgbClr val="242729"/>
+                </a:solidFill>
+                <a:effectLst/>
+                <a:latin typeface="Arial" panose="020B0604020202020204" pitchFamily="34" charset="0"/>
+              </a:rPr>
+            </a:br>
+            <a:endParaRPr lang="en-US" sz="2000" dirty="0"/>
           </a:p>
         </p:txBody>
       </p:sp>
@@ -9890,7 +9835,7 @@
           <p:cNvPr id="4" name="Slide Number Placeholder 3">
             <a:extLst>
               <a:ext uri="{FF2B5EF4-FFF2-40B4-BE49-F238E27FC236}">
-                <a16:creationId xmlns:a16="http://schemas.microsoft.com/office/drawing/2014/main" id="{10B0AE9B-2A63-4878-BA07-5041F4412734}"/>
+                <a16:creationId xmlns:a16="http://schemas.microsoft.com/office/drawing/2014/main" id="{00F15746-B8F8-4BC9-B317-F3C96ACBAE23}"/>
               </a:ext>
             </a:extLst>
           </p:cNvPr>
@@ -9918,7 +9863,7 @@
     </p:spTree>
     <p:extLst>
       <p:ext uri="{BB962C8B-B14F-4D97-AF65-F5344CB8AC3E}">
-        <p14:creationId xmlns:p14="http://schemas.microsoft.com/office/powerpoint/2010/main" val="2152207200"/>
+        <p14:creationId xmlns:p14="http://schemas.microsoft.com/office/powerpoint/2010/main" val="1658895588"/>
       </p:ext>
     </p:extLst>
   </p:cSld>
@@ -9950,318 +9895,6 @@
           <p:cNvPr id="2" name="Title 1">
             <a:extLst>
               <a:ext uri="{FF2B5EF4-FFF2-40B4-BE49-F238E27FC236}">
-                <a16:creationId xmlns:a16="http://schemas.microsoft.com/office/drawing/2014/main" id="{9D461EBB-C0E8-45DD-9B74-180742F2A48A}"/>
-              </a:ext>
-            </a:extLst>
-          </p:cNvPr>
-          <p:cNvSpPr>
-            <a:spLocks noGrp="1"/>
-          </p:cNvSpPr>
-          <p:nvPr>
-            <p:ph type="ctrTitle"/>
-          </p:nvPr>
-        </p:nvSpPr>
-        <p:spPr>
-          <a:xfrm>
-            <a:off x="1739673" y="914400"/>
-            <a:ext cx="6947127" cy="5086349"/>
-          </a:xfrm>
-        </p:spPr>
-        <p:txBody>
-          <a:bodyPr>
-            <a:normAutofit/>
-          </a:bodyPr>
-          <a:lstStyle/>
-          <a:p>
-            <a:pPr algn="l"/>
-            <a:r>
-              <a:rPr lang="en-US" sz="2700" b="1" dirty="0"/>
-              <a:t>Ge L, L. H. (2019). Real-Time 3D Hand Pose Estimation with 3D Convolutional Neural Networks. </a:t>
-            </a:r>
-            <a:r>
-              <a:rPr lang="en-US" sz="2700" b="1" i="1" dirty="0"/>
-              <a:t>IEEE Trans Pattern Anal Mach </a:t>
-            </a:r>
-            <a:r>
-              <a:rPr lang="en-US" sz="2700" b="1" i="1" dirty="0" err="1"/>
-              <a:t>Intell</a:t>
-            </a:r>
-            <a:r>
-              <a:rPr lang="en-US" sz="2700" b="1" dirty="0"/>
-              <a:t>, 956-970. </a:t>
-            </a:r>
-            <a:br>
-              <a:rPr lang="en-US" sz="2700" dirty="0"/>
-            </a:br>
-            <a:r>
-              <a:rPr lang="en-US" sz="2700" dirty="0"/>
-              <a:t>1. Converts Depth Data into volumetric  Representation</a:t>
-            </a:r>
-            <a:br>
-              <a:rPr lang="en-US" sz="2700" dirty="0"/>
-            </a:br>
-            <a:r>
-              <a:rPr lang="en-US" sz="2700" dirty="0"/>
-              <a:t>2. Use Supervised and unsupervised methods</a:t>
-            </a:r>
-            <a:br>
-              <a:rPr lang="en-US" sz="2700" dirty="0"/>
-            </a:br>
-            <a:r>
-              <a:rPr lang="en-US" sz="2700" dirty="0"/>
-              <a:t>3. 3D CNN to capture more features along the 3</a:t>
-            </a:r>
-            <a:r>
-              <a:rPr lang="en-US" sz="2700" baseline="30000" dirty="0"/>
-              <a:t>rd</a:t>
-            </a:r>
-            <a:r>
-              <a:rPr lang="en-US" sz="2700" dirty="0"/>
-              <a:t> dimension(depth)</a:t>
-            </a:r>
-            <a:br>
-              <a:rPr lang="en-US" sz="5400" dirty="0"/>
-            </a:br>
-            <a:endParaRPr lang="en-US" dirty="0"/>
-          </a:p>
-        </p:txBody>
-      </p:sp>
-      <p:sp>
-        <p:nvSpPr>
-          <p:cNvPr id="4" name="Slide Number Placeholder 3">
-            <a:extLst>
-              <a:ext uri="{FF2B5EF4-FFF2-40B4-BE49-F238E27FC236}">
-                <a16:creationId xmlns:a16="http://schemas.microsoft.com/office/drawing/2014/main" id="{98BB12BE-3853-46FE-BED7-17C3DD66C67A}"/>
-              </a:ext>
-            </a:extLst>
-          </p:cNvPr>
-          <p:cNvSpPr>
-            <a:spLocks noGrp="1"/>
-          </p:cNvSpPr>
-          <p:nvPr>
-            <p:ph type="sldNum" sz="quarter" idx="12"/>
-          </p:nvPr>
-        </p:nvSpPr>
-        <p:spPr/>
-        <p:txBody>
-          <a:bodyPr/>
-          <a:lstStyle/>
-          <a:p>
-            <a:fld id="{D57F1E4F-1CFF-5643-939E-217C01CDF565}" type="slidenum">
-              <a:rPr lang="en-US" smtClean="0"/>
-              <a:pPr/>
-              <a:t>24</a:t>
-            </a:fld>
-            <a:endParaRPr lang="en-US" dirty="0"/>
-          </a:p>
-        </p:txBody>
-      </p:sp>
-    </p:spTree>
-    <p:extLst>
-      <p:ext uri="{BB962C8B-B14F-4D97-AF65-F5344CB8AC3E}">
-        <p14:creationId xmlns:p14="http://schemas.microsoft.com/office/powerpoint/2010/main" val="2009961051"/>
-      </p:ext>
-    </p:extLst>
-  </p:cSld>
-  <p:clrMapOvr>
-    <a:masterClrMapping/>
-  </p:clrMapOvr>
-</p:sld>
-</file>
-
-<file path=ppt/slides/slide25.xml><?xml version="1.0" encoding="utf-8"?>
-<p:sld xmlns:a="http://schemas.openxmlformats.org/drawingml/2006/main" xmlns:r="http://schemas.openxmlformats.org/officeDocument/2006/relationships" xmlns:p="http://schemas.openxmlformats.org/presentationml/2006/main">
-  <p:cSld>
-    <p:spTree>
-      <p:nvGrpSpPr>
-        <p:cNvPr id="1" name=""/>
-        <p:cNvGrpSpPr/>
-        <p:nvPr/>
-      </p:nvGrpSpPr>
-      <p:grpSpPr>
-        <a:xfrm>
-          <a:off x="0" y="0"/>
-          <a:ext cx="0" cy="0"/>
-          <a:chOff x="0" y="0"/>
-          <a:chExt cx="0" cy="0"/>
-        </a:xfrm>
-      </p:grpSpPr>
-      <p:sp>
-        <p:nvSpPr>
-          <p:cNvPr id="2" name="Title 1">
-            <a:extLst>
-              <a:ext uri="{FF2B5EF4-FFF2-40B4-BE49-F238E27FC236}">
-                <a16:creationId xmlns:a16="http://schemas.microsoft.com/office/drawing/2014/main" id="{3C6CE437-68F7-4711-B001-5B91FDC22E1F}"/>
-              </a:ext>
-            </a:extLst>
-          </p:cNvPr>
-          <p:cNvSpPr>
-            <a:spLocks noGrp="1"/>
-          </p:cNvSpPr>
-          <p:nvPr>
-            <p:ph type="ctrTitle"/>
-          </p:nvPr>
-        </p:nvSpPr>
-        <p:spPr>
-          <a:xfrm>
-            <a:off x="1739673" y="1200149"/>
-            <a:ext cx="6947127" cy="3971926"/>
-          </a:xfrm>
-        </p:spPr>
-        <p:txBody>
-          <a:bodyPr>
-            <a:normAutofit fontScale="90000"/>
-          </a:bodyPr>
-          <a:lstStyle/>
-          <a:p>
-            <a:pPr algn="l"/>
-            <a:r>
-              <a:rPr lang="en-US" sz="3600" dirty="0"/>
-              <a:t>3D convolution vs 2D convolution</a:t>
-            </a:r>
-            <a:br>
-              <a:rPr lang="en-US" sz="3600" dirty="0"/>
-            </a:br>
-            <a:r>
-              <a:rPr lang="en-US" sz="2800" dirty="0"/>
-              <a:t>1.</a:t>
-            </a:r>
-            <a:r>
-              <a:rPr lang="en-US" sz="2800" b="0" i="0" dirty="0">
-                <a:solidFill>
-                  <a:srgbClr val="242729"/>
-                </a:solidFill>
-                <a:effectLst/>
-                <a:latin typeface="Arial" panose="020B0604020202020204" pitchFamily="34" charset="0"/>
-              </a:rPr>
-              <a:t> 3D CNN's are used when you want to extract features in 3rd Dimensions(DEPTH)</a:t>
-            </a:r>
-            <a:br>
-              <a:rPr lang="en-US" sz="2800" b="0" i="0" dirty="0">
-                <a:solidFill>
-                  <a:srgbClr val="242729"/>
-                </a:solidFill>
-                <a:effectLst/>
-                <a:latin typeface="Arial" panose="020B0604020202020204" pitchFamily="34" charset="0"/>
-              </a:rPr>
-            </a:br>
-            <a:r>
-              <a:rPr lang="en-US" sz="2800" b="0" i="0" dirty="0">
-                <a:solidFill>
-                  <a:srgbClr val="242729"/>
-                </a:solidFill>
-                <a:effectLst/>
-                <a:latin typeface="Arial" panose="020B0604020202020204" pitchFamily="34" charset="0"/>
-              </a:rPr>
-              <a:t>2. </a:t>
-            </a:r>
-            <a:r>
-              <a:rPr lang="en-US" sz="2800" i="0" dirty="0">
-                <a:solidFill>
-                  <a:srgbClr val="242729"/>
-                </a:solidFill>
-                <a:effectLst/>
-                <a:latin typeface="Arial" panose="020B0604020202020204" pitchFamily="34" charset="0"/>
-              </a:rPr>
-              <a:t>kernel movement is now 3-Dimensional causing a better capture of dependencies within the 3 dimensions</a:t>
-            </a:r>
-            <a:br>
-              <a:rPr lang="en-US" sz="2800" i="0" dirty="0">
-                <a:solidFill>
-                  <a:srgbClr val="242729"/>
-                </a:solidFill>
-                <a:effectLst/>
-                <a:latin typeface="Arial" panose="020B0604020202020204" pitchFamily="34" charset="0"/>
-              </a:rPr>
-            </a:br>
-            <a:r>
-              <a:rPr lang="en-US" sz="2800" i="0" dirty="0">
-                <a:solidFill>
-                  <a:srgbClr val="242729"/>
-                </a:solidFill>
-                <a:effectLst/>
-                <a:latin typeface="Arial" panose="020B0604020202020204" pitchFamily="34" charset="0"/>
-              </a:rPr>
-              <a:t>3. 3D convolution computationally more expensive but performs better on 3 dimensional data.</a:t>
-            </a:r>
-            <a:br>
-              <a:rPr lang="en-US" sz="2000" i="0" dirty="0">
-                <a:solidFill>
-                  <a:srgbClr val="242729"/>
-                </a:solidFill>
-                <a:effectLst/>
-                <a:latin typeface="Arial" panose="020B0604020202020204" pitchFamily="34" charset="0"/>
-              </a:rPr>
-            </a:br>
-            <a:endParaRPr lang="en-US" sz="2000" dirty="0"/>
-          </a:p>
-        </p:txBody>
-      </p:sp>
-      <p:sp>
-        <p:nvSpPr>
-          <p:cNvPr id="4" name="Slide Number Placeholder 3">
-            <a:extLst>
-              <a:ext uri="{FF2B5EF4-FFF2-40B4-BE49-F238E27FC236}">
-                <a16:creationId xmlns:a16="http://schemas.microsoft.com/office/drawing/2014/main" id="{00F15746-B8F8-4BC9-B317-F3C96ACBAE23}"/>
-              </a:ext>
-            </a:extLst>
-          </p:cNvPr>
-          <p:cNvSpPr>
-            <a:spLocks noGrp="1"/>
-          </p:cNvSpPr>
-          <p:nvPr>
-            <p:ph type="sldNum" sz="quarter" idx="12"/>
-          </p:nvPr>
-        </p:nvSpPr>
-        <p:spPr/>
-        <p:txBody>
-          <a:bodyPr/>
-          <a:lstStyle/>
-          <a:p>
-            <a:fld id="{D57F1E4F-1CFF-5643-939E-217C01CDF565}" type="slidenum">
-              <a:rPr lang="en-US" smtClean="0"/>
-              <a:pPr/>
-              <a:t>25</a:t>
-            </a:fld>
-            <a:endParaRPr lang="en-US" dirty="0"/>
-          </a:p>
-        </p:txBody>
-      </p:sp>
-    </p:spTree>
-    <p:extLst>
-      <p:ext uri="{BB962C8B-B14F-4D97-AF65-F5344CB8AC3E}">
-        <p14:creationId xmlns:p14="http://schemas.microsoft.com/office/powerpoint/2010/main" val="1658895588"/>
-      </p:ext>
-    </p:extLst>
-  </p:cSld>
-  <p:clrMapOvr>
-    <a:masterClrMapping/>
-  </p:clrMapOvr>
-</p:sld>
-</file>
-
-<file path=ppt/slides/slide26.xml><?xml version="1.0" encoding="utf-8"?>
-<p:sld xmlns:a="http://schemas.openxmlformats.org/drawingml/2006/main" xmlns:r="http://schemas.openxmlformats.org/officeDocument/2006/relationships" xmlns:p="http://schemas.openxmlformats.org/presentationml/2006/main">
-  <p:cSld>
-    <p:spTree>
-      <p:nvGrpSpPr>
-        <p:cNvPr id="1" name=""/>
-        <p:cNvGrpSpPr/>
-        <p:nvPr/>
-      </p:nvGrpSpPr>
-      <p:grpSpPr>
-        <a:xfrm>
-          <a:off x="0" y="0"/>
-          <a:ext cx="0" cy="0"/>
-          <a:chOff x="0" y="0"/>
-          <a:chExt cx="0" cy="0"/>
-        </a:xfrm>
-      </p:grpSpPr>
-      <p:sp>
-        <p:nvSpPr>
-          <p:cNvPr id="2" name="Title 1">
-            <a:extLst>
-              <a:ext uri="{FF2B5EF4-FFF2-40B4-BE49-F238E27FC236}">
                 <a16:creationId xmlns:a16="http://schemas.microsoft.com/office/drawing/2014/main" id="{1BDA282F-B0F7-4B6C-BDB1-EDD8A5BCDF3D}"/>
               </a:ext>
             </a:extLst>
@@ -10314,7 +9947,7 @@
             <a:fld id="{D57F1E4F-1CFF-5643-939E-217C01CDF565}" type="slidenum">
               <a:rPr lang="en-US" smtClean="0"/>
               <a:pPr/>
-              <a:t>26</a:t>
+              <a:t>24</a:t>
             </a:fld>
             <a:endParaRPr lang="en-US" dirty="0"/>
           </a:p>
@@ -10363,7 +9996,7 @@
 </p:sld>
 </file>
 
-<file path=ppt/slides/slide27.xml><?xml version="1.0" encoding="utf-8"?>
+<file path=ppt/slides/slide25.xml><?xml version="1.0" encoding="utf-8"?>
 <p:sld xmlns:a="http://schemas.openxmlformats.org/drawingml/2006/main" xmlns:r="http://schemas.openxmlformats.org/officeDocument/2006/relationships" xmlns:p="http://schemas.openxmlformats.org/presentationml/2006/main">
   <p:cSld>
     <p:spTree>
@@ -10437,7 +10070,7 @@
             <a:fld id="{D57F1E4F-1CFF-5643-939E-217C01CDF565}" type="slidenum">
               <a:rPr lang="en-US" smtClean="0"/>
               <a:pPr/>
-              <a:t>27</a:t>
+              <a:t>25</a:t>
             </a:fld>
             <a:endParaRPr lang="en-US" dirty="0"/>
           </a:p>
@@ -10486,6 +10119,292 @@
 </p:sld>
 </file>
 
+<file path=ppt/slides/slide26.xml><?xml version="1.0" encoding="utf-8"?>
+<p:sld xmlns:a="http://schemas.openxmlformats.org/drawingml/2006/main" xmlns:r="http://schemas.openxmlformats.org/officeDocument/2006/relationships" xmlns:p="http://schemas.openxmlformats.org/presentationml/2006/main">
+  <p:cSld>
+    <p:spTree>
+      <p:nvGrpSpPr>
+        <p:cNvPr id="1" name=""/>
+        <p:cNvGrpSpPr/>
+        <p:nvPr/>
+      </p:nvGrpSpPr>
+      <p:grpSpPr>
+        <a:xfrm>
+          <a:off x="0" y="0"/>
+          <a:ext cx="0" cy="0"/>
+          <a:chOff x="0" y="0"/>
+          <a:chExt cx="0" cy="0"/>
+        </a:xfrm>
+      </p:grpSpPr>
+      <p:sp>
+        <p:nvSpPr>
+          <p:cNvPr id="2" name="Title 1">
+            <a:extLst>
+              <a:ext uri="{FF2B5EF4-FFF2-40B4-BE49-F238E27FC236}">
+                <a16:creationId xmlns:a16="http://schemas.microsoft.com/office/drawing/2014/main" id="{F5442B2C-5F8D-4A30-B7E9-5B80FA3F8DCA}"/>
+              </a:ext>
+            </a:extLst>
+          </p:cNvPr>
+          <p:cNvSpPr>
+            <a:spLocks noGrp="1"/>
+          </p:cNvSpPr>
+          <p:nvPr>
+            <p:ph type="ctrTitle"/>
+          </p:nvPr>
+        </p:nvSpPr>
+        <p:spPr>
+          <a:xfrm>
+            <a:off x="1739673" y="914399"/>
+            <a:ext cx="6947127" cy="4843463"/>
+          </a:xfrm>
+        </p:spPr>
+        <p:txBody>
+          <a:bodyPr>
+            <a:normAutofit fontScale="90000"/>
+          </a:bodyPr>
+          <a:lstStyle/>
+          <a:p>
+            <a:pPr marL="457200" indent="-457200" algn="l">
+              <a:buFont typeface="Arial" panose="020B0604020202020204" pitchFamily="34" charset="0"/>
+              <a:buChar char="•"/>
+            </a:pPr>
+            <a:r>
+              <a:rPr lang="en-US" sz="3100" dirty="0"/>
+              <a:t>3 D convolution is more computationally expensive then 2D convolution</a:t>
+            </a:r>
+            <a:br>
+              <a:rPr lang="en-US" sz="3100" dirty="0"/>
+            </a:br>
+            <a:r>
+              <a:rPr lang="en-US" sz="3100" dirty="0"/>
+              <a:t>but it capture more depth features with less filters as compared to 2D CNN</a:t>
+            </a:r>
+            <a:br>
+              <a:rPr lang="en-US" sz="3100" dirty="0"/>
+            </a:br>
+            <a:br>
+              <a:rPr lang="en-US" dirty="0"/>
+            </a:br>
+            <a:br>
+              <a:rPr lang="en-US" dirty="0"/>
+            </a:br>
+            <a:endParaRPr lang="en-US" dirty="0"/>
+          </a:p>
+        </p:txBody>
+      </p:sp>
+      <p:sp>
+        <p:nvSpPr>
+          <p:cNvPr id="4" name="Slide Number Placeholder 3">
+            <a:extLst>
+              <a:ext uri="{FF2B5EF4-FFF2-40B4-BE49-F238E27FC236}">
+                <a16:creationId xmlns:a16="http://schemas.microsoft.com/office/drawing/2014/main" id="{240A9A5F-794D-4017-991E-33736715DBF6}"/>
+              </a:ext>
+            </a:extLst>
+          </p:cNvPr>
+          <p:cNvSpPr>
+            <a:spLocks noGrp="1"/>
+          </p:cNvSpPr>
+          <p:nvPr>
+            <p:ph type="sldNum" sz="quarter" idx="12"/>
+          </p:nvPr>
+        </p:nvSpPr>
+        <p:spPr/>
+        <p:txBody>
+          <a:bodyPr/>
+          <a:lstStyle/>
+          <a:p>
+            <a:fld id="{D57F1E4F-1CFF-5643-939E-217C01CDF565}" type="slidenum">
+              <a:rPr lang="en-US" smtClean="0"/>
+              <a:pPr/>
+              <a:t>26</a:t>
+            </a:fld>
+            <a:endParaRPr lang="en-US" dirty="0"/>
+          </a:p>
+        </p:txBody>
+      </p:sp>
+      <p:sp>
+        <p:nvSpPr>
+          <p:cNvPr id="3" name="Rectangle 2">
+            <a:extLst>
+              <a:ext uri="{FF2B5EF4-FFF2-40B4-BE49-F238E27FC236}">
+                <a16:creationId xmlns:a16="http://schemas.microsoft.com/office/drawing/2014/main" id="{1FC6D3E0-4B6A-421F-ADF8-FCE8C76F4161}"/>
+              </a:ext>
+            </a:extLst>
+          </p:cNvPr>
+          <p:cNvSpPr/>
+          <p:nvPr/>
+        </p:nvSpPr>
+        <p:spPr>
+          <a:xfrm>
+            <a:off x="3636904" y="370259"/>
+            <a:ext cx="3172279" cy="584775"/>
+          </a:xfrm>
+          <a:prstGeom prst="rect">
+            <a:avLst/>
+          </a:prstGeom>
+        </p:spPr>
+        <p:txBody>
+          <a:bodyPr wrap="none">
+            <a:spAutoFit/>
+          </a:bodyPr>
+          <a:lstStyle/>
+          <a:p>
+            <a:r>
+              <a:rPr lang="en-US" sz="3200" dirty="0"/>
+              <a:t>Literature Review</a:t>
+            </a:r>
+          </a:p>
+        </p:txBody>
+      </p:sp>
+    </p:spTree>
+    <p:extLst>
+      <p:ext uri="{BB962C8B-B14F-4D97-AF65-F5344CB8AC3E}">
+        <p14:creationId xmlns:p14="http://schemas.microsoft.com/office/powerpoint/2010/main" val="3372526263"/>
+      </p:ext>
+    </p:extLst>
+  </p:cSld>
+  <p:clrMapOvr>
+    <a:masterClrMapping/>
+  </p:clrMapOvr>
+</p:sld>
+</file>
+
+<file path=ppt/slides/slide27.xml><?xml version="1.0" encoding="utf-8"?>
+<p:sld xmlns:a="http://schemas.openxmlformats.org/drawingml/2006/main" xmlns:r="http://schemas.openxmlformats.org/officeDocument/2006/relationships" xmlns:p="http://schemas.openxmlformats.org/presentationml/2006/main">
+  <p:cSld>
+    <p:spTree>
+      <p:nvGrpSpPr>
+        <p:cNvPr id="1" name=""/>
+        <p:cNvGrpSpPr/>
+        <p:nvPr/>
+      </p:nvGrpSpPr>
+      <p:grpSpPr>
+        <a:xfrm>
+          <a:off x="0" y="0"/>
+          <a:ext cx="0" cy="0"/>
+          <a:chOff x="0" y="0"/>
+          <a:chExt cx="0" cy="0"/>
+        </a:xfrm>
+      </p:grpSpPr>
+      <p:sp>
+        <p:nvSpPr>
+          <p:cNvPr id="2" name="Title 1">
+            <a:extLst>
+              <a:ext uri="{FF2B5EF4-FFF2-40B4-BE49-F238E27FC236}">
+                <a16:creationId xmlns:a16="http://schemas.microsoft.com/office/drawing/2014/main" id="{FC4359AC-7562-4BB7-BCD3-A2E1B24B7678}"/>
+              </a:ext>
+            </a:extLst>
+          </p:cNvPr>
+          <p:cNvSpPr>
+            <a:spLocks noGrp="1"/>
+          </p:cNvSpPr>
+          <p:nvPr>
+            <p:ph type="ctrTitle"/>
+          </p:nvPr>
+        </p:nvSpPr>
+        <p:spPr>
+          <a:xfrm>
+            <a:off x="1739673" y="700088"/>
+            <a:ext cx="6947127" cy="5915025"/>
+          </a:xfrm>
+        </p:spPr>
+        <p:txBody>
+          <a:bodyPr>
+            <a:normAutofit fontScale="90000"/>
+          </a:bodyPr>
+          <a:lstStyle/>
+          <a:p>
+            <a:pPr marL="685800" indent="-685800" algn="l">
+              <a:buFont typeface="Arial" panose="020B0604020202020204" pitchFamily="34" charset="0"/>
+              <a:buChar char="•"/>
+            </a:pPr>
+            <a:r>
+              <a:rPr lang="en-US" sz="4400" dirty="0"/>
+              <a:t>Problem Statement</a:t>
+            </a:r>
+            <a:br>
+              <a:rPr lang="en-US" sz="4400" dirty="0"/>
+            </a:br>
+            <a:r>
+              <a:rPr lang="en-US" sz="2800" dirty="0"/>
+              <a:t>1.Increased accuracy is achieved at cost of more computation complexity.</a:t>
+            </a:r>
+            <a:br>
+              <a:rPr lang="en-US" sz="2800" dirty="0"/>
+            </a:br>
+            <a:br>
+              <a:rPr lang="en-US" sz="2800" dirty="0"/>
+            </a:br>
+            <a:r>
+              <a:rPr lang="en-US" sz="2800" dirty="0"/>
+              <a:t>2.Increase computation complexity may stop system from running at real runtime.</a:t>
+            </a:r>
+            <a:br>
+              <a:rPr lang="en-US" sz="2800" dirty="0"/>
+            </a:br>
+            <a:br>
+              <a:rPr lang="en-US" sz="2800" dirty="0"/>
+            </a:br>
+            <a:r>
+              <a:rPr lang="en-US" sz="2800" dirty="0"/>
+              <a:t>3. RGB images and 2D CNN are unable to exploit 3D spatial  information</a:t>
+            </a:r>
+            <a:br>
+              <a:rPr lang="en-US" sz="2800" dirty="0"/>
+            </a:br>
+            <a:br>
+              <a:rPr lang="en-US" sz="2800" dirty="0"/>
+            </a:br>
+            <a:br>
+              <a:rPr lang="en-US" sz="2800" dirty="0"/>
+            </a:br>
+            <a:endParaRPr lang="en-US" sz="4400" dirty="0"/>
+          </a:p>
+        </p:txBody>
+      </p:sp>
+      <p:sp>
+        <p:nvSpPr>
+          <p:cNvPr id="4" name="Slide Number Placeholder 3">
+            <a:extLst>
+              <a:ext uri="{FF2B5EF4-FFF2-40B4-BE49-F238E27FC236}">
+                <a16:creationId xmlns:a16="http://schemas.microsoft.com/office/drawing/2014/main" id="{D6CB15AA-E186-48A8-9C01-A19F1D5A268D}"/>
+              </a:ext>
+            </a:extLst>
+          </p:cNvPr>
+          <p:cNvSpPr>
+            <a:spLocks noGrp="1"/>
+          </p:cNvSpPr>
+          <p:nvPr>
+            <p:ph type="sldNum" sz="quarter" idx="12"/>
+          </p:nvPr>
+        </p:nvSpPr>
+        <p:spPr/>
+        <p:txBody>
+          <a:bodyPr/>
+          <a:lstStyle/>
+          <a:p>
+            <a:fld id="{D57F1E4F-1CFF-5643-939E-217C01CDF565}" type="slidenum">
+              <a:rPr lang="en-US" smtClean="0"/>
+              <a:pPr/>
+              <a:t>27</a:t>
+            </a:fld>
+            <a:endParaRPr lang="en-US" dirty="0"/>
+          </a:p>
+        </p:txBody>
+      </p:sp>
+    </p:spTree>
+    <p:extLst>
+      <p:ext uri="{BB962C8B-B14F-4D97-AF65-F5344CB8AC3E}">
+        <p14:creationId xmlns:p14="http://schemas.microsoft.com/office/powerpoint/2010/main" val="1628790940"/>
+      </p:ext>
+    </p:extLst>
+  </p:cSld>
+  <p:clrMapOvr>
+    <a:masterClrMapping/>
+  </p:clrMapOvr>
+</p:sld>
+</file>
+
 <file path=ppt/slides/slide28.xml><?xml version="1.0" encoding="utf-8"?>
 <p:sld xmlns:a="http://schemas.openxmlformats.org/drawingml/2006/main" xmlns:r="http://schemas.openxmlformats.org/officeDocument/2006/relationships" xmlns:p="http://schemas.openxmlformats.org/presentationml/2006/main">
   <p:cSld>
@@ -10508,7 +10427,7 @@
           <p:cNvPr id="2" name="Title 1">
             <a:extLst>
               <a:ext uri="{FF2B5EF4-FFF2-40B4-BE49-F238E27FC236}">
-                <a16:creationId xmlns:a16="http://schemas.microsoft.com/office/drawing/2014/main" id="{F5442B2C-5F8D-4A30-B7E9-5B80FA3F8DCA}"/>
+                <a16:creationId xmlns:a16="http://schemas.microsoft.com/office/drawing/2014/main" id="{6D79897D-A6CB-43D4-B985-4AB7F3C2FB93}"/>
               </a:ext>
             </a:extLst>
           </p:cNvPr>
@@ -10516,46 +10435,100 @@
             <a:spLocks noGrp="1"/>
           </p:cNvSpPr>
           <p:nvPr>
-            <p:ph type="ctrTitle"/>
+            <p:ph type="title"/>
+          </p:nvPr>
+        </p:nvSpPr>
+        <p:spPr/>
+        <p:txBody>
+          <a:bodyPr/>
+          <a:lstStyle/>
+          <a:p>
+            <a:r>
+              <a:rPr lang="en-US" dirty="0"/>
+              <a:t>Previous research </a:t>
+            </a:r>
+          </a:p>
+        </p:txBody>
+      </p:sp>
+      <p:sp>
+        <p:nvSpPr>
+          <p:cNvPr id="3" name="Content Placeholder 2">
+            <a:extLst>
+              <a:ext uri="{FF2B5EF4-FFF2-40B4-BE49-F238E27FC236}">
+                <a16:creationId xmlns:a16="http://schemas.microsoft.com/office/drawing/2014/main" id="{F29B7CD3-3FA5-4728-84DB-FC5DDC1EC681}"/>
+              </a:ext>
+            </a:extLst>
+          </p:cNvPr>
+          <p:cNvSpPr>
+            <a:spLocks noGrp="1"/>
+          </p:cNvSpPr>
+          <p:nvPr>
+            <p:ph idx="1"/>
           </p:nvPr>
         </p:nvSpPr>
         <p:spPr>
           <a:xfrm>
-            <a:off x="1739673" y="914399"/>
-            <a:ext cx="6947127" cy="4843463"/>
+            <a:off x="889583" y="2111696"/>
+            <a:ext cx="7704667" cy="3749294"/>
           </a:xfrm>
         </p:spPr>
         <p:txBody>
           <a:bodyPr>
-            <a:normAutofit fontScale="90000"/>
+            <a:normAutofit fontScale="85000" lnSpcReduction="10000"/>
           </a:bodyPr>
           <a:lstStyle/>
           <a:p>
-            <a:pPr marL="457200" indent="-457200" algn="l">
-              <a:buFont typeface="Arial" panose="020B0604020202020204" pitchFamily="34" charset="0"/>
-              <a:buChar char="•"/>
+            <a:r>
+              <a:rPr lang="en-US" dirty="0">
+                <a:ea typeface="+mn-lt"/>
+                <a:cs typeface="+mn-lt"/>
+              </a:rPr>
+              <a:t>Ge L, L. H. (2019). Real-Time 3D Hand Pose Estimation with 3D Convolutional Neural Networks. </a:t>
+            </a:r>
+            <a:r>
+              <a:rPr lang="en-US" i="1" dirty="0">
+                <a:ea typeface="+mn-lt"/>
+                <a:cs typeface="+mn-lt"/>
+              </a:rPr>
+              <a:t>IEEE Trans Pattern Anal Mach Intell</a:t>
+            </a:r>
+            <a:r>
+              <a:rPr lang="en-US" dirty="0">
+                <a:ea typeface="+mn-lt"/>
+                <a:cs typeface="+mn-lt"/>
+              </a:rPr>
+              <a:t>, 956-970. </a:t>
+            </a:r>
+          </a:p>
+          <a:p>
+            <a:pPr>
+              <a:buClr>
+                <a:srgbClr val="1287C3"/>
+              </a:buClr>
             </a:pPr>
             <a:r>
-              <a:rPr lang="en-US" sz="3100" dirty="0"/>
-              <a:t>3 D convolution is more computationally expensive then 2D convolution</a:t>
-            </a:r>
-            <a:br>
-              <a:rPr lang="en-US" sz="3100" dirty="0"/>
-            </a:br>
-            <a:r>
-              <a:rPr lang="en-US" sz="3100" dirty="0"/>
-              <a:t>but it capture more depth features with less filters as compared to 2D CNN</a:t>
-            </a:r>
-            <a:br>
-              <a:rPr lang="en-US" sz="3100" dirty="0"/>
-            </a:br>
-            <a:br>
+              <a:rPr lang="en-US" dirty="0">
+                <a:ea typeface="+mn-lt"/>
+                <a:cs typeface="+mn-lt"/>
+              </a:rPr>
+              <a:t>The 3D CNN based hand pose estimation approach is much effective because 3D CNN fully utilizes the three-dimensional nature of depth images. The work in (Ge L, 2019) used 3D CNNs which capture the 3D spatial structure from the segmented data extracted from the depth images, from which a 3D point cloud of the hand is encoded as 3D volumes storing the Accurate Truncated Signed Distance Function (TSDF). The output is in 3D volumetric representation by applying the dimensionality reduction techniques (PCA)</a:t>
+            </a:r>
+            <a:r>
               <a:rPr lang="en-US" dirty="0"/>
-            </a:br>
-            <a:br>
+              <a:t> </a:t>
+            </a:r>
+          </a:p>
+          <a:p>
+            <a:pPr>
+              <a:buClr>
+                <a:srgbClr val="1287C3"/>
+              </a:buClr>
+            </a:pPr>
+            <a:r>
               <a:rPr lang="en-US" dirty="0"/>
-            </a:br>
-            <a:endParaRPr lang="en-US" dirty="0"/>
+              <a:t>Model shown in next slide </a:t>
+            </a:r>
+            <a:endParaRPr lang="en-US"/>
           </a:p>
         </p:txBody>
       </p:sp>
@@ -10564,7 +10537,7 @@
           <p:cNvPr id="4" name="Slide Number Placeholder 3">
             <a:extLst>
               <a:ext uri="{FF2B5EF4-FFF2-40B4-BE49-F238E27FC236}">
-                <a16:creationId xmlns:a16="http://schemas.microsoft.com/office/drawing/2014/main" id="{240A9A5F-794D-4017-991E-33736715DBF6}"/>
+                <a16:creationId xmlns:a16="http://schemas.microsoft.com/office/drawing/2014/main" id="{8DB1209B-C3B7-4153-BA83-59719794ECB3}"/>
               </a:ext>
             </a:extLst>
           </p:cNvPr>
@@ -10589,44 +10562,10 @@
           </a:p>
         </p:txBody>
       </p:sp>
-      <p:sp>
-        <p:nvSpPr>
-          <p:cNvPr id="3" name="Rectangle 2">
-            <a:extLst>
-              <a:ext uri="{FF2B5EF4-FFF2-40B4-BE49-F238E27FC236}">
-                <a16:creationId xmlns:a16="http://schemas.microsoft.com/office/drawing/2014/main" id="{1FC6D3E0-4B6A-421F-ADF8-FCE8C76F4161}"/>
-              </a:ext>
-            </a:extLst>
-          </p:cNvPr>
-          <p:cNvSpPr/>
-          <p:nvPr/>
-        </p:nvSpPr>
-        <p:spPr>
-          <a:xfrm>
-            <a:off x="3636904" y="370259"/>
-            <a:ext cx="3172279" cy="584775"/>
-          </a:xfrm>
-          <a:prstGeom prst="rect">
-            <a:avLst/>
-          </a:prstGeom>
-        </p:spPr>
-        <p:txBody>
-          <a:bodyPr wrap="none">
-            <a:spAutoFit/>
-          </a:bodyPr>
-          <a:lstStyle/>
-          <a:p>
-            <a:r>
-              <a:rPr lang="en-US" sz="3200" dirty="0"/>
-              <a:t>Literature Review</a:t>
-            </a:r>
-          </a:p>
-        </p:txBody>
-      </p:sp>
     </p:spTree>
     <p:extLst>
       <p:ext uri="{BB962C8B-B14F-4D97-AF65-F5344CB8AC3E}">
-        <p14:creationId xmlns:p14="http://schemas.microsoft.com/office/powerpoint/2010/main" val="3372526263"/>
+        <p14:creationId xmlns:p14="http://schemas.microsoft.com/office/powerpoint/2010/main" val="4042503170"/>
       </p:ext>
     </p:extLst>
   </p:cSld>
@@ -10658,7 +10597,7 @@
           <p:cNvPr id="2" name="Title 1">
             <a:extLst>
               <a:ext uri="{FF2B5EF4-FFF2-40B4-BE49-F238E27FC236}">
-                <a16:creationId xmlns:a16="http://schemas.microsoft.com/office/drawing/2014/main" id="{FC4359AC-7562-4BB7-BCD3-A2E1B24B7678}"/>
+                <a16:creationId xmlns:a16="http://schemas.microsoft.com/office/drawing/2014/main" id="{DECF5953-5FE8-48FC-BC01-CFF2DC2D8CDA}"/>
               </a:ext>
             </a:extLst>
           </p:cNvPr>
@@ -10666,66 +10605,51 @@
             <a:spLocks noGrp="1"/>
           </p:cNvSpPr>
           <p:nvPr>
-            <p:ph type="ctrTitle"/>
-          </p:nvPr>
-        </p:nvSpPr>
-        <p:spPr>
-          <a:xfrm>
-            <a:off x="1739673" y="700088"/>
-            <a:ext cx="6947127" cy="5915025"/>
-          </a:xfrm>
-        </p:spPr>
-        <p:txBody>
-          <a:bodyPr>
-            <a:normAutofit fontScale="90000"/>
-          </a:bodyPr>
-          <a:lstStyle/>
-          <a:p>
-            <a:pPr marL="685800" indent="-685800" algn="l">
-              <a:buFont typeface="Arial" panose="020B0604020202020204" pitchFamily="34" charset="0"/>
-              <a:buChar char="•"/>
-            </a:pPr>
-            <a:r>
-              <a:rPr lang="en-US" sz="4400" dirty="0"/>
-              <a:t>Problem Statement</a:t>
-            </a:r>
-            <a:br>
-              <a:rPr lang="en-US" sz="4400" dirty="0"/>
-            </a:br>
-            <a:r>
-              <a:rPr lang="en-US" sz="2800" dirty="0"/>
-              <a:t>1.Increased accuracy is achieved at cost of more computation complexity.</a:t>
-            </a:r>
-            <a:br>
-              <a:rPr lang="en-US" sz="2800" dirty="0"/>
-            </a:br>
-            <a:br>
-              <a:rPr lang="en-US" sz="2800" dirty="0"/>
-            </a:br>
-            <a:r>
-              <a:rPr lang="en-US" sz="2800" dirty="0"/>
-              <a:t>2.Increase computation complexity may stop system from running at real runtime.</a:t>
-            </a:r>
-            <a:br>
-              <a:rPr lang="en-US" sz="2800" dirty="0"/>
-            </a:br>
-            <a:br>
-              <a:rPr lang="en-US" sz="2800" dirty="0"/>
-            </a:br>
-            <a:r>
-              <a:rPr lang="en-US" sz="2800" dirty="0"/>
-              <a:t>3. RGB images and 2D CNN are unable to exploit 3D spatial  information</a:t>
-            </a:r>
-            <a:br>
-              <a:rPr lang="en-US" sz="2800" dirty="0"/>
-            </a:br>
-            <a:br>
-              <a:rPr lang="en-US" sz="2800" dirty="0"/>
-            </a:br>
-            <a:br>
-              <a:rPr lang="en-US" sz="2800" dirty="0"/>
-            </a:br>
-            <a:endParaRPr lang="en-US" sz="4400" dirty="0"/>
+            <p:ph type="title"/>
+          </p:nvPr>
+        </p:nvSpPr>
+        <p:spPr/>
+        <p:txBody>
+          <a:bodyPr/>
+          <a:lstStyle/>
+          <a:p>
+            <a:r>
+              <a:rPr lang="en-US" dirty="0"/>
+              <a:t>Overview of research </a:t>
+            </a:r>
+            <a:r>
+              <a:rPr lang="en-US" dirty="0" err="1"/>
+              <a:t>Ge.L</a:t>
+            </a:r>
+            <a:r>
+              <a:rPr lang="en-US" dirty="0"/>
+              <a:t> 2019</a:t>
+            </a:r>
+          </a:p>
+        </p:txBody>
+      </p:sp>
+      <p:sp>
+        <p:nvSpPr>
+          <p:cNvPr id="3" name="Content Placeholder 2">
+            <a:extLst>
+              <a:ext uri="{FF2B5EF4-FFF2-40B4-BE49-F238E27FC236}">
+                <a16:creationId xmlns:a16="http://schemas.microsoft.com/office/drawing/2014/main" id="{4A2D1616-78D2-4346-949C-E1BC5870E6D7}"/>
+              </a:ext>
+            </a:extLst>
+          </p:cNvPr>
+          <p:cNvSpPr>
+            <a:spLocks noGrp="1"/>
+          </p:cNvSpPr>
+          <p:nvPr>
+            <p:ph idx="1"/>
+          </p:nvPr>
+        </p:nvSpPr>
+        <p:spPr/>
+        <p:txBody>
+          <a:bodyPr/>
+          <a:lstStyle/>
+          <a:p>
+            <a:endParaRPr lang="en-US"/>
           </a:p>
         </p:txBody>
       </p:sp>
@@ -10734,7 +10658,7 @@
           <p:cNvPr id="4" name="Slide Number Placeholder 3">
             <a:extLst>
               <a:ext uri="{FF2B5EF4-FFF2-40B4-BE49-F238E27FC236}">
-                <a16:creationId xmlns:a16="http://schemas.microsoft.com/office/drawing/2014/main" id="{D6CB15AA-E186-48A8-9C01-A19F1D5A268D}"/>
+                <a16:creationId xmlns:a16="http://schemas.microsoft.com/office/drawing/2014/main" id="{D052C320-83A9-4A47-94BF-9405A64DF3FC}"/>
               </a:ext>
             </a:extLst>
           </p:cNvPr>
@@ -10759,10 +10683,443 @@
           </a:p>
         </p:txBody>
       </p:sp>
+      <p:sp>
+        <p:nvSpPr>
+          <p:cNvPr id="5" name="Rectangle: Beveled 4">
+            <a:extLst>
+              <a:ext uri="{FF2B5EF4-FFF2-40B4-BE49-F238E27FC236}">
+                <a16:creationId xmlns:a16="http://schemas.microsoft.com/office/drawing/2014/main" id="{380AB90C-EBE1-441E-8510-31EC40519137}"/>
+              </a:ext>
+            </a:extLst>
+          </p:cNvPr>
+          <p:cNvSpPr/>
+          <p:nvPr/>
+        </p:nvSpPr>
+        <p:spPr>
+          <a:xfrm>
+            <a:off x="1240357" y="2719533"/>
+            <a:ext cx="1048870" cy="1048870"/>
+          </a:xfrm>
+          <a:prstGeom prst="bevel">
+            <a:avLst/>
+          </a:prstGeom>
+        </p:spPr>
+        <p:style>
+          <a:lnRef idx="2">
+            <a:schemeClr val="accent1">
+              <a:shade val="50000"/>
+            </a:schemeClr>
+          </a:lnRef>
+          <a:fillRef idx="1">
+            <a:schemeClr val="accent1"/>
+          </a:fillRef>
+          <a:effectRef idx="0">
+            <a:schemeClr val="accent1"/>
+          </a:effectRef>
+          <a:fontRef idx="minor">
+            <a:schemeClr val="lt1"/>
+          </a:fontRef>
+        </p:style>
+        <p:txBody>
+          <a:bodyPr rtlCol="0" anchor="ctr"/>
+          <a:lstStyle/>
+          <a:p>
+            <a:pPr algn="ctr"/>
+            <a:r>
+              <a:rPr lang="en-US" dirty="0"/>
+              <a:t>Input TSDF</a:t>
+            </a:r>
+          </a:p>
+        </p:txBody>
+      </p:sp>
+      <p:sp>
+        <p:nvSpPr>
+          <p:cNvPr id="6" name="Rectangle: Beveled 5">
+            <a:extLst>
+              <a:ext uri="{FF2B5EF4-FFF2-40B4-BE49-F238E27FC236}">
+                <a16:creationId xmlns:a16="http://schemas.microsoft.com/office/drawing/2014/main" id="{B11DB3F0-DA4F-4B90-8B22-84E820ABFB03}"/>
+              </a:ext>
+            </a:extLst>
+          </p:cNvPr>
+          <p:cNvSpPr/>
+          <p:nvPr/>
+        </p:nvSpPr>
+        <p:spPr>
+          <a:xfrm>
+            <a:off x="1141185" y="4234008"/>
+            <a:ext cx="1398492" cy="1048870"/>
+          </a:xfrm>
+          <a:prstGeom prst="bevel">
+            <a:avLst/>
+          </a:prstGeom>
+        </p:spPr>
+        <p:style>
+          <a:lnRef idx="2">
+            <a:schemeClr val="accent1">
+              <a:shade val="50000"/>
+            </a:schemeClr>
+          </a:lnRef>
+          <a:fillRef idx="1">
+            <a:schemeClr val="accent1"/>
+          </a:fillRef>
+          <a:effectRef idx="0">
+            <a:schemeClr val="accent1"/>
+          </a:effectRef>
+          <a:fontRef idx="minor">
+            <a:schemeClr val="lt1"/>
+          </a:fontRef>
+        </p:style>
+        <p:txBody>
+          <a:bodyPr rtlCol="0" anchor="ctr"/>
+          <a:lstStyle/>
+          <a:p>
+            <a:pPr algn="ctr"/>
+            <a:r>
+              <a:rPr lang="en-US" dirty="0"/>
+              <a:t>Neural Network 1</a:t>
+            </a:r>
+          </a:p>
+        </p:txBody>
+      </p:sp>
+      <p:sp>
+        <p:nvSpPr>
+          <p:cNvPr id="8" name="Arrow: Up 7">
+            <a:extLst>
+              <a:ext uri="{FF2B5EF4-FFF2-40B4-BE49-F238E27FC236}">
+                <a16:creationId xmlns:a16="http://schemas.microsoft.com/office/drawing/2014/main" id="{39C3E55B-99F8-4431-A9F9-A29AB8F049D5}"/>
+              </a:ext>
+            </a:extLst>
+          </p:cNvPr>
+          <p:cNvSpPr/>
+          <p:nvPr/>
+        </p:nvSpPr>
+        <p:spPr>
+          <a:xfrm rot="10800000">
+            <a:off x="1598250" y="3798725"/>
+            <a:ext cx="484094" cy="457200"/>
+          </a:xfrm>
+          <a:prstGeom prst="upArrow">
+            <a:avLst/>
+          </a:prstGeom>
+        </p:spPr>
+        <p:style>
+          <a:lnRef idx="2">
+            <a:schemeClr val="accent1">
+              <a:shade val="50000"/>
+            </a:schemeClr>
+          </a:lnRef>
+          <a:fillRef idx="1">
+            <a:schemeClr val="accent1"/>
+          </a:fillRef>
+          <a:effectRef idx="0">
+            <a:schemeClr val="accent1"/>
+          </a:effectRef>
+          <a:fontRef idx="minor">
+            <a:schemeClr val="lt1"/>
+          </a:fontRef>
+        </p:style>
+        <p:txBody>
+          <a:bodyPr rtlCol="0" anchor="ctr"/>
+          <a:lstStyle/>
+          <a:p>
+            <a:pPr algn="ctr"/>
+            <a:endParaRPr lang="en-US"/>
+          </a:p>
+        </p:txBody>
+      </p:sp>
+      <p:sp>
+        <p:nvSpPr>
+          <p:cNvPr id="9" name="Rectangle: Beveled 8">
+            <a:extLst>
+              <a:ext uri="{FF2B5EF4-FFF2-40B4-BE49-F238E27FC236}">
+                <a16:creationId xmlns:a16="http://schemas.microsoft.com/office/drawing/2014/main" id="{08E49513-6449-43DC-BFBC-B818974E8BEF}"/>
+              </a:ext>
+            </a:extLst>
+          </p:cNvPr>
+          <p:cNvSpPr/>
+          <p:nvPr/>
+        </p:nvSpPr>
+        <p:spPr>
+          <a:xfrm>
+            <a:off x="3600315" y="4232327"/>
+            <a:ext cx="1586751" cy="1048870"/>
+          </a:xfrm>
+          <a:prstGeom prst="bevel">
+            <a:avLst/>
+          </a:prstGeom>
+        </p:spPr>
+        <p:style>
+          <a:lnRef idx="2">
+            <a:schemeClr val="accent1">
+              <a:shade val="50000"/>
+            </a:schemeClr>
+          </a:lnRef>
+          <a:fillRef idx="1">
+            <a:schemeClr val="accent1"/>
+          </a:fillRef>
+          <a:effectRef idx="0">
+            <a:schemeClr val="accent1"/>
+          </a:effectRef>
+          <a:fontRef idx="minor">
+            <a:schemeClr val="lt1"/>
+          </a:fontRef>
+        </p:style>
+        <p:txBody>
+          <a:bodyPr rtlCol="0" anchor="ctr"/>
+          <a:lstStyle/>
+          <a:p>
+            <a:pPr algn="ctr"/>
+            <a:r>
+              <a:rPr lang="en-US" dirty="0"/>
+              <a:t>Lower 3D embedding</a:t>
+            </a:r>
+          </a:p>
+        </p:txBody>
+      </p:sp>
+      <p:sp>
+        <p:nvSpPr>
+          <p:cNvPr id="10" name="Arrow: Right 9">
+            <a:extLst>
+              <a:ext uri="{FF2B5EF4-FFF2-40B4-BE49-F238E27FC236}">
+                <a16:creationId xmlns:a16="http://schemas.microsoft.com/office/drawing/2014/main" id="{3E1BDD9B-2B71-4E9B-9483-33437CF67583}"/>
+              </a:ext>
+            </a:extLst>
+          </p:cNvPr>
+          <p:cNvSpPr/>
+          <p:nvPr/>
+        </p:nvSpPr>
+        <p:spPr>
+          <a:xfrm>
+            <a:off x="2578405" y="4519624"/>
+            <a:ext cx="981635" cy="484094"/>
+          </a:xfrm>
+          <a:prstGeom prst="rightArrow">
+            <a:avLst/>
+          </a:prstGeom>
+        </p:spPr>
+        <p:style>
+          <a:lnRef idx="2">
+            <a:schemeClr val="accent1">
+              <a:shade val="50000"/>
+            </a:schemeClr>
+          </a:lnRef>
+          <a:fillRef idx="1">
+            <a:schemeClr val="accent1"/>
+          </a:fillRef>
+          <a:effectRef idx="0">
+            <a:schemeClr val="accent1"/>
+          </a:effectRef>
+          <a:fontRef idx="minor">
+            <a:schemeClr val="lt1"/>
+          </a:fontRef>
+        </p:style>
+        <p:txBody>
+          <a:bodyPr rtlCol="0" anchor="ctr"/>
+          <a:lstStyle/>
+          <a:p>
+            <a:pPr algn="ctr"/>
+            <a:endParaRPr lang="en-US"/>
+          </a:p>
+        </p:txBody>
+      </p:sp>
+      <p:sp>
+        <p:nvSpPr>
+          <p:cNvPr id="11" name="Rectangle: Beveled 10">
+            <a:extLst>
+              <a:ext uri="{FF2B5EF4-FFF2-40B4-BE49-F238E27FC236}">
+                <a16:creationId xmlns:a16="http://schemas.microsoft.com/office/drawing/2014/main" id="{3550C6A4-2265-44D6-B94D-4221F2C624C8}"/>
+              </a:ext>
+            </a:extLst>
+          </p:cNvPr>
+          <p:cNvSpPr/>
+          <p:nvPr/>
+        </p:nvSpPr>
+        <p:spPr>
+          <a:xfrm>
+            <a:off x="6252748" y="4235689"/>
+            <a:ext cx="1667434" cy="1048870"/>
+          </a:xfrm>
+          <a:prstGeom prst="bevel">
+            <a:avLst/>
+          </a:prstGeom>
+        </p:spPr>
+        <p:style>
+          <a:lnRef idx="2">
+            <a:schemeClr val="accent1">
+              <a:shade val="50000"/>
+            </a:schemeClr>
+          </a:lnRef>
+          <a:fillRef idx="1">
+            <a:schemeClr val="accent1"/>
+          </a:fillRef>
+          <a:effectRef idx="0">
+            <a:schemeClr val="accent1"/>
+          </a:effectRef>
+          <a:fontRef idx="minor">
+            <a:schemeClr val="lt1"/>
+          </a:fontRef>
+        </p:style>
+        <p:txBody>
+          <a:bodyPr rtlCol="0" anchor="ctr"/>
+          <a:lstStyle/>
+          <a:p>
+            <a:pPr algn="ctr"/>
+            <a:r>
+              <a:rPr lang="en-US" dirty="0"/>
+              <a:t>Neural Network 2</a:t>
+            </a:r>
+          </a:p>
+        </p:txBody>
+      </p:sp>
+      <p:sp>
+        <p:nvSpPr>
+          <p:cNvPr id="12" name="Arrow: Right 11">
+            <a:extLst>
+              <a:ext uri="{FF2B5EF4-FFF2-40B4-BE49-F238E27FC236}">
+                <a16:creationId xmlns:a16="http://schemas.microsoft.com/office/drawing/2014/main" id="{1041811C-7238-4D33-8339-C1760800A552}"/>
+              </a:ext>
+            </a:extLst>
+          </p:cNvPr>
+          <p:cNvSpPr/>
+          <p:nvPr/>
+        </p:nvSpPr>
+        <p:spPr>
+          <a:xfrm>
+            <a:off x="5271180" y="4509538"/>
+            <a:ext cx="981635" cy="484094"/>
+          </a:xfrm>
+          <a:prstGeom prst="rightArrow">
+            <a:avLst/>
+          </a:prstGeom>
+        </p:spPr>
+        <p:style>
+          <a:lnRef idx="2">
+            <a:schemeClr val="accent1">
+              <a:shade val="50000"/>
+            </a:schemeClr>
+          </a:lnRef>
+          <a:fillRef idx="1">
+            <a:schemeClr val="accent1"/>
+          </a:fillRef>
+          <a:effectRef idx="0">
+            <a:schemeClr val="accent1"/>
+          </a:effectRef>
+          <a:fontRef idx="minor">
+            <a:schemeClr val="lt1"/>
+          </a:fontRef>
+        </p:style>
+        <p:txBody>
+          <a:bodyPr rtlCol="0" anchor="ctr"/>
+          <a:lstStyle/>
+          <a:p>
+            <a:pPr algn="ctr"/>
+            <a:endParaRPr lang="en-US"/>
+          </a:p>
+        </p:txBody>
+      </p:sp>
+      <p:sp>
+        <p:nvSpPr>
+          <p:cNvPr id="13" name="Rectangle: Beveled 12">
+            <a:extLst>
+              <a:ext uri="{FF2B5EF4-FFF2-40B4-BE49-F238E27FC236}">
+                <a16:creationId xmlns:a16="http://schemas.microsoft.com/office/drawing/2014/main" id="{61D32570-8552-4AA1-86F9-857B71E07198}"/>
+              </a:ext>
+            </a:extLst>
+          </p:cNvPr>
+          <p:cNvSpPr/>
+          <p:nvPr/>
+        </p:nvSpPr>
+        <p:spPr>
+          <a:xfrm>
+            <a:off x="6014063" y="2665745"/>
+            <a:ext cx="1694328" cy="1075764"/>
+          </a:xfrm>
+          <a:prstGeom prst="bevel">
+            <a:avLst/>
+          </a:prstGeom>
+        </p:spPr>
+        <p:style>
+          <a:lnRef idx="2">
+            <a:schemeClr val="accent1">
+              <a:shade val="50000"/>
+            </a:schemeClr>
+          </a:lnRef>
+          <a:fillRef idx="1">
+            <a:schemeClr val="accent1"/>
+          </a:fillRef>
+          <a:effectRef idx="0">
+            <a:schemeClr val="accent1"/>
+          </a:effectRef>
+          <a:fontRef idx="minor">
+            <a:schemeClr val="lt1"/>
+          </a:fontRef>
+        </p:style>
+        <p:txBody>
+          <a:bodyPr rtlCol="0" anchor="ctr"/>
+          <a:lstStyle/>
+          <a:p>
+            <a:pPr algn="ctr"/>
+            <a:r>
+              <a:rPr lang="en-US" dirty="0"/>
+              <a:t>3D Locations of 14 hand joints</a:t>
+            </a:r>
+          </a:p>
+        </p:txBody>
+      </p:sp>
+      <p:sp>
+        <p:nvSpPr>
+          <p:cNvPr id="15" name="Arrow: Curved Up 14">
+            <a:extLst>
+              <a:ext uri="{FF2B5EF4-FFF2-40B4-BE49-F238E27FC236}">
+                <a16:creationId xmlns:a16="http://schemas.microsoft.com/office/drawing/2014/main" id="{B57D63B7-D6D7-476D-82A5-4C855BC4FA23}"/>
+              </a:ext>
+            </a:extLst>
+          </p:cNvPr>
+          <p:cNvSpPr/>
+          <p:nvPr/>
+        </p:nvSpPr>
+        <p:spPr>
+          <a:xfrm rot="15060000">
+            <a:off x="7692120" y="3496907"/>
+            <a:ext cx="1210235" cy="726141"/>
+          </a:xfrm>
+          <a:prstGeom prst="curvedUpArrow">
+            <a:avLst/>
+          </a:prstGeom>
+        </p:spPr>
+        <p:style>
+          <a:lnRef idx="2">
+            <a:schemeClr val="accent1">
+              <a:shade val="50000"/>
+            </a:schemeClr>
+          </a:lnRef>
+          <a:fillRef idx="1">
+            <a:schemeClr val="accent1"/>
+          </a:fillRef>
+          <a:effectRef idx="0">
+            <a:schemeClr val="accent1"/>
+          </a:effectRef>
+          <a:fontRef idx="minor">
+            <a:schemeClr val="lt1"/>
+          </a:fontRef>
+        </p:style>
+        <p:txBody>
+          <a:bodyPr rtlCol="0" anchor="ctr"/>
+          <a:lstStyle/>
+          <a:p>
+            <a:pPr algn="ctr"/>
+            <a:endParaRPr lang="en-US">
+              <a:solidFill>
+                <a:schemeClr val="tx1"/>
+              </a:solidFill>
+            </a:endParaRPr>
+          </a:p>
+        </p:txBody>
+      </p:sp>
     </p:spTree>
     <p:extLst>
       <p:ext uri="{BB962C8B-B14F-4D97-AF65-F5344CB8AC3E}">
-        <p14:creationId xmlns:p14="http://schemas.microsoft.com/office/powerpoint/2010/main" val="1628790940"/>
+        <p14:creationId xmlns:p14="http://schemas.microsoft.com/office/powerpoint/2010/main" val="1378920638"/>
       </p:ext>
     </p:extLst>
   </p:cSld>
@@ -11016,730 +11373,6 @@
           <p:cNvPr id="2" name="Title 1">
             <a:extLst>
               <a:ext uri="{FF2B5EF4-FFF2-40B4-BE49-F238E27FC236}">
-                <a16:creationId xmlns:a16="http://schemas.microsoft.com/office/drawing/2014/main" id="{6D79897D-A6CB-43D4-B985-4AB7F3C2FB93}"/>
-              </a:ext>
-            </a:extLst>
-          </p:cNvPr>
-          <p:cNvSpPr>
-            <a:spLocks noGrp="1"/>
-          </p:cNvSpPr>
-          <p:nvPr>
-            <p:ph type="title"/>
-          </p:nvPr>
-        </p:nvSpPr>
-        <p:spPr/>
-        <p:txBody>
-          <a:bodyPr/>
-          <a:lstStyle/>
-          <a:p>
-            <a:r>
-              <a:rPr lang="en-US" dirty="0"/>
-              <a:t>Previous research </a:t>
-            </a:r>
-          </a:p>
-        </p:txBody>
-      </p:sp>
-      <p:sp>
-        <p:nvSpPr>
-          <p:cNvPr id="3" name="Content Placeholder 2">
-            <a:extLst>
-              <a:ext uri="{FF2B5EF4-FFF2-40B4-BE49-F238E27FC236}">
-                <a16:creationId xmlns:a16="http://schemas.microsoft.com/office/drawing/2014/main" id="{F29B7CD3-3FA5-4728-84DB-FC5DDC1EC681}"/>
-              </a:ext>
-            </a:extLst>
-          </p:cNvPr>
-          <p:cNvSpPr>
-            <a:spLocks noGrp="1"/>
-          </p:cNvSpPr>
-          <p:nvPr>
-            <p:ph idx="1"/>
-          </p:nvPr>
-        </p:nvSpPr>
-        <p:spPr>
-          <a:xfrm>
-            <a:off x="889583" y="2111696"/>
-            <a:ext cx="7704667" cy="3749294"/>
-          </a:xfrm>
-        </p:spPr>
-        <p:txBody>
-          <a:bodyPr>
-            <a:normAutofit fontScale="85000" lnSpcReduction="10000"/>
-          </a:bodyPr>
-          <a:lstStyle/>
-          <a:p>
-            <a:r>
-              <a:rPr lang="en-US" dirty="0">
-                <a:ea typeface="+mn-lt"/>
-                <a:cs typeface="+mn-lt"/>
-              </a:rPr>
-              <a:t>Ge L, L. H. (2019). Real-Time 3D Hand Pose Estimation with 3D Convolutional Neural Networks. </a:t>
-            </a:r>
-            <a:r>
-              <a:rPr lang="en-US" i="1" dirty="0">
-                <a:ea typeface="+mn-lt"/>
-                <a:cs typeface="+mn-lt"/>
-              </a:rPr>
-              <a:t>IEEE Trans Pattern Anal Mach Intell</a:t>
-            </a:r>
-            <a:r>
-              <a:rPr lang="en-US" dirty="0">
-                <a:ea typeface="+mn-lt"/>
-                <a:cs typeface="+mn-lt"/>
-              </a:rPr>
-              <a:t>, 956-970. </a:t>
-            </a:r>
-          </a:p>
-          <a:p>
-            <a:pPr>
-              <a:buClr>
-                <a:srgbClr val="1287C3"/>
-              </a:buClr>
-            </a:pPr>
-            <a:r>
-              <a:rPr lang="en-US" dirty="0">
-                <a:ea typeface="+mn-lt"/>
-                <a:cs typeface="+mn-lt"/>
-              </a:rPr>
-              <a:t>The 3D CNN based hand pose estimation approach is much effective because 3D CNN fully utilizes the three-dimensional nature of depth images. The work in (Ge L, 2019) used 3D CNNs which capture the 3D spatial structure from the segmented data extracted from the depth images, from which a 3D point cloud of the hand is encoded as 3D volumes storing the Accurate Truncated Signed Distance Function (TSDF). The output is in 3D volumetric representation by applying the dimensionality reduction techniques (PCA)</a:t>
-            </a:r>
-            <a:r>
-              <a:rPr lang="en-US" dirty="0"/>
-              <a:t> </a:t>
-            </a:r>
-          </a:p>
-          <a:p>
-            <a:pPr>
-              <a:buClr>
-                <a:srgbClr val="1287C3"/>
-              </a:buClr>
-            </a:pPr>
-            <a:r>
-              <a:rPr lang="en-US" dirty="0"/>
-              <a:t>Model shown in next slide </a:t>
-            </a:r>
-            <a:endParaRPr lang="en-US"/>
-          </a:p>
-        </p:txBody>
-      </p:sp>
-      <p:sp>
-        <p:nvSpPr>
-          <p:cNvPr id="4" name="Slide Number Placeholder 3">
-            <a:extLst>
-              <a:ext uri="{FF2B5EF4-FFF2-40B4-BE49-F238E27FC236}">
-                <a16:creationId xmlns:a16="http://schemas.microsoft.com/office/drawing/2014/main" id="{8DB1209B-C3B7-4153-BA83-59719794ECB3}"/>
-              </a:ext>
-            </a:extLst>
-          </p:cNvPr>
-          <p:cNvSpPr>
-            <a:spLocks noGrp="1"/>
-          </p:cNvSpPr>
-          <p:nvPr>
-            <p:ph type="sldNum" sz="quarter" idx="12"/>
-          </p:nvPr>
-        </p:nvSpPr>
-        <p:spPr/>
-        <p:txBody>
-          <a:bodyPr/>
-          <a:lstStyle/>
-          <a:p>
-            <a:fld id="{D57F1E4F-1CFF-5643-939E-217C01CDF565}" type="slidenum">
-              <a:rPr lang="en-US" smtClean="0"/>
-              <a:pPr/>
-              <a:t>30</a:t>
-            </a:fld>
-            <a:endParaRPr lang="en-US" dirty="0"/>
-          </a:p>
-        </p:txBody>
-      </p:sp>
-    </p:spTree>
-    <p:extLst>
-      <p:ext uri="{BB962C8B-B14F-4D97-AF65-F5344CB8AC3E}">
-        <p14:creationId xmlns:p14="http://schemas.microsoft.com/office/powerpoint/2010/main" val="4042503170"/>
-      </p:ext>
-    </p:extLst>
-  </p:cSld>
-  <p:clrMapOvr>
-    <a:masterClrMapping/>
-  </p:clrMapOvr>
-</p:sld>
-</file>
-
-<file path=ppt/slides/slide31.xml><?xml version="1.0" encoding="utf-8"?>
-<p:sld xmlns:a="http://schemas.openxmlformats.org/drawingml/2006/main" xmlns:r="http://schemas.openxmlformats.org/officeDocument/2006/relationships" xmlns:p="http://schemas.openxmlformats.org/presentationml/2006/main">
-  <p:cSld>
-    <p:spTree>
-      <p:nvGrpSpPr>
-        <p:cNvPr id="1" name=""/>
-        <p:cNvGrpSpPr/>
-        <p:nvPr/>
-      </p:nvGrpSpPr>
-      <p:grpSpPr>
-        <a:xfrm>
-          <a:off x="0" y="0"/>
-          <a:ext cx="0" cy="0"/>
-          <a:chOff x="0" y="0"/>
-          <a:chExt cx="0" cy="0"/>
-        </a:xfrm>
-      </p:grpSpPr>
-      <p:sp>
-        <p:nvSpPr>
-          <p:cNvPr id="2" name="Title 1">
-            <a:extLst>
-              <a:ext uri="{FF2B5EF4-FFF2-40B4-BE49-F238E27FC236}">
-                <a16:creationId xmlns:a16="http://schemas.microsoft.com/office/drawing/2014/main" id="{DECF5953-5FE8-48FC-BC01-CFF2DC2D8CDA}"/>
-              </a:ext>
-            </a:extLst>
-          </p:cNvPr>
-          <p:cNvSpPr>
-            <a:spLocks noGrp="1"/>
-          </p:cNvSpPr>
-          <p:nvPr>
-            <p:ph type="title"/>
-          </p:nvPr>
-        </p:nvSpPr>
-        <p:spPr/>
-        <p:txBody>
-          <a:bodyPr/>
-          <a:lstStyle/>
-          <a:p>
-            <a:r>
-              <a:rPr lang="en-US" dirty="0"/>
-              <a:t>Overview of research </a:t>
-            </a:r>
-            <a:r>
-              <a:rPr lang="en-US" dirty="0" err="1"/>
-              <a:t>Ge.L</a:t>
-            </a:r>
-            <a:r>
-              <a:rPr lang="en-US" dirty="0"/>
-              <a:t> 2019</a:t>
-            </a:r>
-          </a:p>
-        </p:txBody>
-      </p:sp>
-      <p:sp>
-        <p:nvSpPr>
-          <p:cNvPr id="3" name="Content Placeholder 2">
-            <a:extLst>
-              <a:ext uri="{FF2B5EF4-FFF2-40B4-BE49-F238E27FC236}">
-                <a16:creationId xmlns:a16="http://schemas.microsoft.com/office/drawing/2014/main" id="{4A2D1616-78D2-4346-949C-E1BC5870E6D7}"/>
-              </a:ext>
-            </a:extLst>
-          </p:cNvPr>
-          <p:cNvSpPr>
-            <a:spLocks noGrp="1"/>
-          </p:cNvSpPr>
-          <p:nvPr>
-            <p:ph idx="1"/>
-          </p:nvPr>
-        </p:nvSpPr>
-        <p:spPr/>
-        <p:txBody>
-          <a:bodyPr/>
-          <a:lstStyle/>
-          <a:p>
-            <a:endParaRPr lang="en-US"/>
-          </a:p>
-        </p:txBody>
-      </p:sp>
-      <p:sp>
-        <p:nvSpPr>
-          <p:cNvPr id="4" name="Slide Number Placeholder 3">
-            <a:extLst>
-              <a:ext uri="{FF2B5EF4-FFF2-40B4-BE49-F238E27FC236}">
-                <a16:creationId xmlns:a16="http://schemas.microsoft.com/office/drawing/2014/main" id="{D052C320-83A9-4A47-94BF-9405A64DF3FC}"/>
-              </a:ext>
-            </a:extLst>
-          </p:cNvPr>
-          <p:cNvSpPr>
-            <a:spLocks noGrp="1"/>
-          </p:cNvSpPr>
-          <p:nvPr>
-            <p:ph type="sldNum" sz="quarter" idx="12"/>
-          </p:nvPr>
-        </p:nvSpPr>
-        <p:spPr/>
-        <p:txBody>
-          <a:bodyPr/>
-          <a:lstStyle/>
-          <a:p>
-            <a:fld id="{D57F1E4F-1CFF-5643-939E-217C01CDF565}" type="slidenum">
-              <a:rPr lang="en-US" smtClean="0"/>
-              <a:pPr/>
-              <a:t>31</a:t>
-            </a:fld>
-            <a:endParaRPr lang="en-US" dirty="0"/>
-          </a:p>
-        </p:txBody>
-      </p:sp>
-      <p:sp>
-        <p:nvSpPr>
-          <p:cNvPr id="5" name="Rectangle: Beveled 4">
-            <a:extLst>
-              <a:ext uri="{FF2B5EF4-FFF2-40B4-BE49-F238E27FC236}">
-                <a16:creationId xmlns:a16="http://schemas.microsoft.com/office/drawing/2014/main" id="{380AB90C-EBE1-441E-8510-31EC40519137}"/>
-              </a:ext>
-            </a:extLst>
-          </p:cNvPr>
-          <p:cNvSpPr/>
-          <p:nvPr/>
-        </p:nvSpPr>
-        <p:spPr>
-          <a:xfrm>
-            <a:off x="1240357" y="2719533"/>
-            <a:ext cx="1048870" cy="1048870"/>
-          </a:xfrm>
-          <a:prstGeom prst="bevel">
-            <a:avLst/>
-          </a:prstGeom>
-        </p:spPr>
-        <p:style>
-          <a:lnRef idx="2">
-            <a:schemeClr val="accent1">
-              <a:shade val="50000"/>
-            </a:schemeClr>
-          </a:lnRef>
-          <a:fillRef idx="1">
-            <a:schemeClr val="accent1"/>
-          </a:fillRef>
-          <a:effectRef idx="0">
-            <a:schemeClr val="accent1"/>
-          </a:effectRef>
-          <a:fontRef idx="minor">
-            <a:schemeClr val="lt1"/>
-          </a:fontRef>
-        </p:style>
-        <p:txBody>
-          <a:bodyPr rtlCol="0" anchor="ctr"/>
-          <a:lstStyle/>
-          <a:p>
-            <a:pPr algn="ctr"/>
-            <a:r>
-              <a:rPr lang="en-US" dirty="0"/>
-              <a:t>Input TSDF</a:t>
-            </a:r>
-          </a:p>
-        </p:txBody>
-      </p:sp>
-      <p:sp>
-        <p:nvSpPr>
-          <p:cNvPr id="6" name="Rectangle: Beveled 5">
-            <a:extLst>
-              <a:ext uri="{FF2B5EF4-FFF2-40B4-BE49-F238E27FC236}">
-                <a16:creationId xmlns:a16="http://schemas.microsoft.com/office/drawing/2014/main" id="{B11DB3F0-DA4F-4B90-8B22-84E820ABFB03}"/>
-              </a:ext>
-            </a:extLst>
-          </p:cNvPr>
-          <p:cNvSpPr/>
-          <p:nvPr/>
-        </p:nvSpPr>
-        <p:spPr>
-          <a:xfrm>
-            <a:off x="1141185" y="4234008"/>
-            <a:ext cx="1398492" cy="1048870"/>
-          </a:xfrm>
-          <a:prstGeom prst="bevel">
-            <a:avLst/>
-          </a:prstGeom>
-        </p:spPr>
-        <p:style>
-          <a:lnRef idx="2">
-            <a:schemeClr val="accent1">
-              <a:shade val="50000"/>
-            </a:schemeClr>
-          </a:lnRef>
-          <a:fillRef idx="1">
-            <a:schemeClr val="accent1"/>
-          </a:fillRef>
-          <a:effectRef idx="0">
-            <a:schemeClr val="accent1"/>
-          </a:effectRef>
-          <a:fontRef idx="minor">
-            <a:schemeClr val="lt1"/>
-          </a:fontRef>
-        </p:style>
-        <p:txBody>
-          <a:bodyPr rtlCol="0" anchor="ctr"/>
-          <a:lstStyle/>
-          <a:p>
-            <a:pPr algn="ctr"/>
-            <a:r>
-              <a:rPr lang="en-US" dirty="0"/>
-              <a:t>Neural Network 1</a:t>
-            </a:r>
-          </a:p>
-        </p:txBody>
-      </p:sp>
-      <p:sp>
-        <p:nvSpPr>
-          <p:cNvPr id="8" name="Arrow: Up 7">
-            <a:extLst>
-              <a:ext uri="{FF2B5EF4-FFF2-40B4-BE49-F238E27FC236}">
-                <a16:creationId xmlns:a16="http://schemas.microsoft.com/office/drawing/2014/main" id="{39C3E55B-99F8-4431-A9F9-A29AB8F049D5}"/>
-              </a:ext>
-            </a:extLst>
-          </p:cNvPr>
-          <p:cNvSpPr/>
-          <p:nvPr/>
-        </p:nvSpPr>
-        <p:spPr>
-          <a:xfrm rot="10800000">
-            <a:off x="1598250" y="3798725"/>
-            <a:ext cx="484094" cy="457200"/>
-          </a:xfrm>
-          <a:prstGeom prst="upArrow">
-            <a:avLst/>
-          </a:prstGeom>
-        </p:spPr>
-        <p:style>
-          <a:lnRef idx="2">
-            <a:schemeClr val="accent1">
-              <a:shade val="50000"/>
-            </a:schemeClr>
-          </a:lnRef>
-          <a:fillRef idx="1">
-            <a:schemeClr val="accent1"/>
-          </a:fillRef>
-          <a:effectRef idx="0">
-            <a:schemeClr val="accent1"/>
-          </a:effectRef>
-          <a:fontRef idx="minor">
-            <a:schemeClr val="lt1"/>
-          </a:fontRef>
-        </p:style>
-        <p:txBody>
-          <a:bodyPr rtlCol="0" anchor="ctr"/>
-          <a:lstStyle/>
-          <a:p>
-            <a:pPr algn="ctr"/>
-            <a:endParaRPr lang="en-US"/>
-          </a:p>
-        </p:txBody>
-      </p:sp>
-      <p:sp>
-        <p:nvSpPr>
-          <p:cNvPr id="9" name="Rectangle: Beveled 8">
-            <a:extLst>
-              <a:ext uri="{FF2B5EF4-FFF2-40B4-BE49-F238E27FC236}">
-                <a16:creationId xmlns:a16="http://schemas.microsoft.com/office/drawing/2014/main" id="{08E49513-6449-43DC-BFBC-B818974E8BEF}"/>
-              </a:ext>
-            </a:extLst>
-          </p:cNvPr>
-          <p:cNvSpPr/>
-          <p:nvPr/>
-        </p:nvSpPr>
-        <p:spPr>
-          <a:xfrm>
-            <a:off x="3600315" y="4232327"/>
-            <a:ext cx="1586751" cy="1048870"/>
-          </a:xfrm>
-          <a:prstGeom prst="bevel">
-            <a:avLst/>
-          </a:prstGeom>
-        </p:spPr>
-        <p:style>
-          <a:lnRef idx="2">
-            <a:schemeClr val="accent1">
-              <a:shade val="50000"/>
-            </a:schemeClr>
-          </a:lnRef>
-          <a:fillRef idx="1">
-            <a:schemeClr val="accent1"/>
-          </a:fillRef>
-          <a:effectRef idx="0">
-            <a:schemeClr val="accent1"/>
-          </a:effectRef>
-          <a:fontRef idx="minor">
-            <a:schemeClr val="lt1"/>
-          </a:fontRef>
-        </p:style>
-        <p:txBody>
-          <a:bodyPr rtlCol="0" anchor="ctr"/>
-          <a:lstStyle/>
-          <a:p>
-            <a:pPr algn="ctr"/>
-            <a:r>
-              <a:rPr lang="en-US" dirty="0"/>
-              <a:t>Lower 3D embedding</a:t>
-            </a:r>
-          </a:p>
-        </p:txBody>
-      </p:sp>
-      <p:sp>
-        <p:nvSpPr>
-          <p:cNvPr id="10" name="Arrow: Right 9">
-            <a:extLst>
-              <a:ext uri="{FF2B5EF4-FFF2-40B4-BE49-F238E27FC236}">
-                <a16:creationId xmlns:a16="http://schemas.microsoft.com/office/drawing/2014/main" id="{3E1BDD9B-2B71-4E9B-9483-33437CF67583}"/>
-              </a:ext>
-            </a:extLst>
-          </p:cNvPr>
-          <p:cNvSpPr/>
-          <p:nvPr/>
-        </p:nvSpPr>
-        <p:spPr>
-          <a:xfrm>
-            <a:off x="2578405" y="4519624"/>
-            <a:ext cx="981635" cy="484094"/>
-          </a:xfrm>
-          <a:prstGeom prst="rightArrow">
-            <a:avLst/>
-          </a:prstGeom>
-        </p:spPr>
-        <p:style>
-          <a:lnRef idx="2">
-            <a:schemeClr val="accent1">
-              <a:shade val="50000"/>
-            </a:schemeClr>
-          </a:lnRef>
-          <a:fillRef idx="1">
-            <a:schemeClr val="accent1"/>
-          </a:fillRef>
-          <a:effectRef idx="0">
-            <a:schemeClr val="accent1"/>
-          </a:effectRef>
-          <a:fontRef idx="minor">
-            <a:schemeClr val="lt1"/>
-          </a:fontRef>
-        </p:style>
-        <p:txBody>
-          <a:bodyPr rtlCol="0" anchor="ctr"/>
-          <a:lstStyle/>
-          <a:p>
-            <a:pPr algn="ctr"/>
-            <a:endParaRPr lang="en-US"/>
-          </a:p>
-        </p:txBody>
-      </p:sp>
-      <p:sp>
-        <p:nvSpPr>
-          <p:cNvPr id="11" name="Rectangle: Beveled 10">
-            <a:extLst>
-              <a:ext uri="{FF2B5EF4-FFF2-40B4-BE49-F238E27FC236}">
-                <a16:creationId xmlns:a16="http://schemas.microsoft.com/office/drawing/2014/main" id="{3550C6A4-2265-44D6-B94D-4221F2C624C8}"/>
-              </a:ext>
-            </a:extLst>
-          </p:cNvPr>
-          <p:cNvSpPr/>
-          <p:nvPr/>
-        </p:nvSpPr>
-        <p:spPr>
-          <a:xfrm>
-            <a:off x="6252748" y="4235689"/>
-            <a:ext cx="1667434" cy="1048870"/>
-          </a:xfrm>
-          <a:prstGeom prst="bevel">
-            <a:avLst/>
-          </a:prstGeom>
-        </p:spPr>
-        <p:style>
-          <a:lnRef idx="2">
-            <a:schemeClr val="accent1">
-              <a:shade val="50000"/>
-            </a:schemeClr>
-          </a:lnRef>
-          <a:fillRef idx="1">
-            <a:schemeClr val="accent1"/>
-          </a:fillRef>
-          <a:effectRef idx="0">
-            <a:schemeClr val="accent1"/>
-          </a:effectRef>
-          <a:fontRef idx="minor">
-            <a:schemeClr val="lt1"/>
-          </a:fontRef>
-        </p:style>
-        <p:txBody>
-          <a:bodyPr rtlCol="0" anchor="ctr"/>
-          <a:lstStyle/>
-          <a:p>
-            <a:pPr algn="ctr"/>
-            <a:r>
-              <a:rPr lang="en-US" dirty="0"/>
-              <a:t>Neural Network 2</a:t>
-            </a:r>
-          </a:p>
-        </p:txBody>
-      </p:sp>
-      <p:sp>
-        <p:nvSpPr>
-          <p:cNvPr id="12" name="Arrow: Right 11">
-            <a:extLst>
-              <a:ext uri="{FF2B5EF4-FFF2-40B4-BE49-F238E27FC236}">
-                <a16:creationId xmlns:a16="http://schemas.microsoft.com/office/drawing/2014/main" id="{1041811C-7238-4D33-8339-C1760800A552}"/>
-              </a:ext>
-            </a:extLst>
-          </p:cNvPr>
-          <p:cNvSpPr/>
-          <p:nvPr/>
-        </p:nvSpPr>
-        <p:spPr>
-          <a:xfrm>
-            <a:off x="5271180" y="4509538"/>
-            <a:ext cx="981635" cy="484094"/>
-          </a:xfrm>
-          <a:prstGeom prst="rightArrow">
-            <a:avLst/>
-          </a:prstGeom>
-        </p:spPr>
-        <p:style>
-          <a:lnRef idx="2">
-            <a:schemeClr val="accent1">
-              <a:shade val="50000"/>
-            </a:schemeClr>
-          </a:lnRef>
-          <a:fillRef idx="1">
-            <a:schemeClr val="accent1"/>
-          </a:fillRef>
-          <a:effectRef idx="0">
-            <a:schemeClr val="accent1"/>
-          </a:effectRef>
-          <a:fontRef idx="minor">
-            <a:schemeClr val="lt1"/>
-          </a:fontRef>
-        </p:style>
-        <p:txBody>
-          <a:bodyPr rtlCol="0" anchor="ctr"/>
-          <a:lstStyle/>
-          <a:p>
-            <a:pPr algn="ctr"/>
-            <a:endParaRPr lang="en-US"/>
-          </a:p>
-        </p:txBody>
-      </p:sp>
-      <p:sp>
-        <p:nvSpPr>
-          <p:cNvPr id="13" name="Rectangle: Beveled 12">
-            <a:extLst>
-              <a:ext uri="{FF2B5EF4-FFF2-40B4-BE49-F238E27FC236}">
-                <a16:creationId xmlns:a16="http://schemas.microsoft.com/office/drawing/2014/main" id="{61D32570-8552-4AA1-86F9-857B71E07198}"/>
-              </a:ext>
-            </a:extLst>
-          </p:cNvPr>
-          <p:cNvSpPr/>
-          <p:nvPr/>
-        </p:nvSpPr>
-        <p:spPr>
-          <a:xfrm>
-            <a:off x="6014063" y="2665745"/>
-            <a:ext cx="1694328" cy="1075764"/>
-          </a:xfrm>
-          <a:prstGeom prst="bevel">
-            <a:avLst/>
-          </a:prstGeom>
-        </p:spPr>
-        <p:style>
-          <a:lnRef idx="2">
-            <a:schemeClr val="accent1">
-              <a:shade val="50000"/>
-            </a:schemeClr>
-          </a:lnRef>
-          <a:fillRef idx="1">
-            <a:schemeClr val="accent1"/>
-          </a:fillRef>
-          <a:effectRef idx="0">
-            <a:schemeClr val="accent1"/>
-          </a:effectRef>
-          <a:fontRef idx="minor">
-            <a:schemeClr val="lt1"/>
-          </a:fontRef>
-        </p:style>
-        <p:txBody>
-          <a:bodyPr rtlCol="0" anchor="ctr"/>
-          <a:lstStyle/>
-          <a:p>
-            <a:pPr algn="ctr"/>
-            <a:r>
-              <a:rPr lang="en-US" dirty="0"/>
-              <a:t>3D Locations of 14 hand joints</a:t>
-            </a:r>
-          </a:p>
-        </p:txBody>
-      </p:sp>
-      <p:sp>
-        <p:nvSpPr>
-          <p:cNvPr id="15" name="Arrow: Curved Up 14">
-            <a:extLst>
-              <a:ext uri="{FF2B5EF4-FFF2-40B4-BE49-F238E27FC236}">
-                <a16:creationId xmlns:a16="http://schemas.microsoft.com/office/drawing/2014/main" id="{B57D63B7-D6D7-476D-82A5-4C855BC4FA23}"/>
-              </a:ext>
-            </a:extLst>
-          </p:cNvPr>
-          <p:cNvSpPr/>
-          <p:nvPr/>
-        </p:nvSpPr>
-        <p:spPr>
-          <a:xfrm rot="15060000">
-            <a:off x="7692120" y="3496907"/>
-            <a:ext cx="1210235" cy="726141"/>
-          </a:xfrm>
-          <a:prstGeom prst="curvedUpArrow">
-            <a:avLst/>
-          </a:prstGeom>
-        </p:spPr>
-        <p:style>
-          <a:lnRef idx="2">
-            <a:schemeClr val="accent1">
-              <a:shade val="50000"/>
-            </a:schemeClr>
-          </a:lnRef>
-          <a:fillRef idx="1">
-            <a:schemeClr val="accent1"/>
-          </a:fillRef>
-          <a:effectRef idx="0">
-            <a:schemeClr val="accent1"/>
-          </a:effectRef>
-          <a:fontRef idx="minor">
-            <a:schemeClr val="lt1"/>
-          </a:fontRef>
-        </p:style>
-        <p:txBody>
-          <a:bodyPr rtlCol="0" anchor="ctr"/>
-          <a:lstStyle/>
-          <a:p>
-            <a:pPr algn="ctr"/>
-            <a:endParaRPr lang="en-US">
-              <a:solidFill>
-                <a:schemeClr val="tx1"/>
-              </a:solidFill>
-            </a:endParaRPr>
-          </a:p>
-        </p:txBody>
-      </p:sp>
-    </p:spTree>
-    <p:extLst>
-      <p:ext uri="{BB962C8B-B14F-4D97-AF65-F5344CB8AC3E}">
-        <p14:creationId xmlns:p14="http://schemas.microsoft.com/office/powerpoint/2010/main" val="1378920638"/>
-      </p:ext>
-    </p:extLst>
-  </p:cSld>
-  <p:clrMapOvr>
-    <a:masterClrMapping/>
-  </p:clrMapOvr>
-</p:sld>
-</file>
-
-<file path=ppt/slides/slide32.xml><?xml version="1.0" encoding="utf-8"?>
-<p:sld xmlns:a="http://schemas.openxmlformats.org/drawingml/2006/main" xmlns:r="http://schemas.openxmlformats.org/officeDocument/2006/relationships" xmlns:p="http://schemas.openxmlformats.org/presentationml/2006/main">
-  <p:cSld>
-    <p:spTree>
-      <p:nvGrpSpPr>
-        <p:cNvPr id="1" name=""/>
-        <p:cNvGrpSpPr/>
-        <p:nvPr/>
-      </p:nvGrpSpPr>
-      <p:grpSpPr>
-        <a:xfrm>
-          <a:off x="0" y="0"/>
-          <a:ext cx="0" cy="0"/>
-          <a:chOff x="0" y="0"/>
-          <a:chExt cx="0" cy="0"/>
-        </a:xfrm>
-      </p:grpSpPr>
-      <p:sp>
-        <p:nvSpPr>
-          <p:cNvPr id="2" name="Title 1">
-            <a:extLst>
-              <a:ext uri="{FF2B5EF4-FFF2-40B4-BE49-F238E27FC236}">
                 <a16:creationId xmlns:a16="http://schemas.microsoft.com/office/drawing/2014/main" id="{3F064CB0-D30C-4CDB-A9C3-72E3F0EEC25E}"/>
               </a:ext>
             </a:extLst>
@@ -11799,7 +11432,7 @@
             <a:fld id="{D57F1E4F-1CFF-5643-939E-217C01CDF565}" type="slidenum">
               <a:rPr lang="en-US" smtClean="0"/>
               <a:pPr/>
-              <a:t>32</a:t>
+              <a:t>30</a:t>
             </a:fld>
             <a:endParaRPr lang="en-US" dirty="0"/>
           </a:p>
@@ -12761,7 +12394,7 @@
 </p:sld>
 </file>
 
-<file path=ppt/slides/slide33.xml><?xml version="1.0" encoding="utf-8"?>
+<file path=ppt/slides/slide31.xml><?xml version="1.0" encoding="utf-8"?>
 <p:sld xmlns:a="http://schemas.openxmlformats.org/drawingml/2006/main" xmlns:r="http://schemas.openxmlformats.org/officeDocument/2006/relationships" xmlns:p="http://schemas.openxmlformats.org/presentationml/2006/main">
   <p:cSld>
     <p:bg>
@@ -13373,7 +13006,7 @@
                   <a:spcPts val="600"/>
                 </a:spcAft>
               </a:pPr>
-              <a:t>33</a:t>
+              <a:t>31</a:t>
             </a:fld>
             <a:endParaRPr lang="en-US"/>
           </a:p>
@@ -13506,6 +13139,273 @@
 </p:sld>
 </file>
 
+<file path=ppt/slides/slide32.xml><?xml version="1.0" encoding="utf-8"?>
+<p:sld xmlns:a="http://schemas.openxmlformats.org/drawingml/2006/main" xmlns:r="http://schemas.openxmlformats.org/officeDocument/2006/relationships" xmlns:p="http://schemas.openxmlformats.org/presentationml/2006/main">
+  <p:cSld>
+    <p:spTree>
+      <p:nvGrpSpPr>
+        <p:cNvPr id="1" name=""/>
+        <p:cNvGrpSpPr/>
+        <p:nvPr/>
+      </p:nvGrpSpPr>
+      <p:grpSpPr>
+        <a:xfrm>
+          <a:off x="0" y="0"/>
+          <a:ext cx="0" cy="0"/>
+          <a:chOff x="0" y="0"/>
+          <a:chExt cx="0" cy="0"/>
+        </a:xfrm>
+      </p:grpSpPr>
+      <p:sp>
+        <p:nvSpPr>
+          <p:cNvPr id="2" name="Title 1">
+            <a:extLst>
+              <a:ext uri="{FF2B5EF4-FFF2-40B4-BE49-F238E27FC236}">
+                <a16:creationId xmlns:a16="http://schemas.microsoft.com/office/drawing/2014/main" id="{CD3167E9-85F7-47A9-9421-33312AFB3D5A}"/>
+              </a:ext>
+            </a:extLst>
+          </p:cNvPr>
+          <p:cNvSpPr>
+            <a:spLocks noGrp="1"/>
+          </p:cNvSpPr>
+          <p:nvPr>
+            <p:ph type="title"/>
+          </p:nvPr>
+        </p:nvSpPr>
+        <p:spPr>
+          <a:xfrm>
+            <a:off x="1264521" y="3482789"/>
+            <a:ext cx="7704667" cy="1214719"/>
+          </a:xfrm>
+        </p:spPr>
+        <p:txBody>
+          <a:bodyPr>
+            <a:normAutofit/>
+          </a:bodyPr>
+          <a:lstStyle/>
+          <a:p>
+            <a:r>
+              <a:rPr lang="en-US" sz="2800" dirty="0"/>
+              <a:t>Benchmarking both models results</a:t>
+            </a:r>
+            <a:br>
+              <a:rPr lang="en-US" sz="2800" dirty="0"/>
+            </a:br>
+            <a:r>
+              <a:rPr lang="en-US" sz="1200" dirty="0">
+                <a:ea typeface="+mj-lt"/>
+                <a:cs typeface="+mj-lt"/>
+              </a:rPr>
+              <a:t>Mean percentage error of each joint on hand. The error of both original shallow network (gray) and our modified network (black) representing the accuracy of 3D CNN approach. (T: Tip, R: Root, M: Middle)</a:t>
+            </a:r>
+            <a:endParaRPr lang="en-US" sz="1200" dirty="0"/>
+          </a:p>
+        </p:txBody>
+      </p:sp>
+      <p:pic>
+        <p:nvPicPr>
+          <p:cNvPr id="6" name="Picture 6" descr="Chart, bar chart&#10;&#10;Description automatically generated">
+            <a:extLst>
+              <a:ext uri="{FF2B5EF4-FFF2-40B4-BE49-F238E27FC236}">
+                <a16:creationId xmlns:a16="http://schemas.microsoft.com/office/drawing/2014/main" id="{92F26484-F742-4E2D-92D7-D78FD8AA46AB}"/>
+              </a:ext>
+            </a:extLst>
+          </p:cNvPr>
+          <p:cNvPicPr>
+            <a:picLocks noGrp="1" noChangeAspect="1"/>
+          </p:cNvPicPr>
+          <p:nvPr>
+            <p:ph idx="1"/>
+          </p:nvPr>
+        </p:nvPicPr>
+        <p:blipFill>
+          <a:blip r:embed="rId2"/>
+          <a:stretch>
+            <a:fillRect/>
+          </a:stretch>
+        </p:blipFill>
+        <p:spPr>
+          <a:xfrm>
+            <a:off x="990289" y="603530"/>
+            <a:ext cx="8037979" cy="2538132"/>
+          </a:xfrm>
+        </p:spPr>
+      </p:pic>
+      <p:sp>
+        <p:nvSpPr>
+          <p:cNvPr id="4" name="Slide Number Placeholder 3">
+            <a:extLst>
+              <a:ext uri="{FF2B5EF4-FFF2-40B4-BE49-F238E27FC236}">
+                <a16:creationId xmlns:a16="http://schemas.microsoft.com/office/drawing/2014/main" id="{5C5C66B8-A6A1-4D7B-B57B-EB0AE3BDAAF7}"/>
+              </a:ext>
+            </a:extLst>
+          </p:cNvPr>
+          <p:cNvSpPr>
+            <a:spLocks noGrp="1"/>
+          </p:cNvSpPr>
+          <p:nvPr>
+            <p:ph type="sldNum" sz="quarter" idx="12"/>
+          </p:nvPr>
+        </p:nvSpPr>
+        <p:spPr/>
+        <p:txBody>
+          <a:bodyPr/>
+          <a:lstStyle/>
+          <a:p>
+            <a:fld id="{D57F1E4F-1CFF-5643-939E-217C01CDF565}" type="slidenum">
+              <a:rPr lang="en-US" dirty="0" smtClean="0"/>
+              <a:pPr/>
+              <a:t>32</a:t>
+            </a:fld>
+            <a:endParaRPr lang="en-US" dirty="0"/>
+          </a:p>
+        </p:txBody>
+      </p:sp>
+    </p:spTree>
+    <p:extLst>
+      <p:ext uri="{BB962C8B-B14F-4D97-AF65-F5344CB8AC3E}">
+        <p14:creationId xmlns:p14="http://schemas.microsoft.com/office/powerpoint/2010/main" val="1476752445"/>
+      </p:ext>
+    </p:extLst>
+  </p:cSld>
+  <p:clrMapOvr>
+    <a:masterClrMapping/>
+  </p:clrMapOvr>
+</p:sld>
+</file>
+
+<file path=ppt/slides/slide33.xml><?xml version="1.0" encoding="utf-8"?>
+<p:sld xmlns:a="http://schemas.openxmlformats.org/drawingml/2006/main" xmlns:r="http://schemas.openxmlformats.org/officeDocument/2006/relationships" xmlns:p="http://schemas.openxmlformats.org/presentationml/2006/main">
+  <p:cSld>
+    <p:spTree>
+      <p:nvGrpSpPr>
+        <p:cNvPr id="1" name=""/>
+        <p:cNvGrpSpPr/>
+        <p:nvPr/>
+      </p:nvGrpSpPr>
+      <p:grpSpPr>
+        <a:xfrm>
+          <a:off x="0" y="0"/>
+          <a:ext cx="0" cy="0"/>
+          <a:chOff x="0" y="0"/>
+          <a:chExt cx="0" cy="0"/>
+        </a:xfrm>
+      </p:grpSpPr>
+      <p:sp>
+        <p:nvSpPr>
+          <p:cNvPr id="2" name="Title 1">
+            <a:extLst>
+              <a:ext uri="{FF2B5EF4-FFF2-40B4-BE49-F238E27FC236}">
+                <a16:creationId xmlns:a16="http://schemas.microsoft.com/office/drawing/2014/main" id="{E46E56B3-0A1B-4E90-9209-0F972AFDAD39}"/>
+              </a:ext>
+            </a:extLst>
+          </p:cNvPr>
+          <p:cNvSpPr>
+            <a:spLocks noGrp="1"/>
+          </p:cNvSpPr>
+          <p:nvPr>
+            <p:ph type="title"/>
+          </p:nvPr>
+        </p:nvSpPr>
+        <p:spPr/>
+        <p:txBody>
+          <a:bodyPr/>
+          <a:lstStyle/>
+          <a:p>
+            <a:r>
+              <a:rPr lang="en-US" dirty="0"/>
+              <a:t>Dataset</a:t>
+            </a:r>
+          </a:p>
+        </p:txBody>
+      </p:sp>
+      <p:sp>
+        <p:nvSpPr>
+          <p:cNvPr id="3" name="Content Placeholder 2">
+            <a:extLst>
+              <a:ext uri="{FF2B5EF4-FFF2-40B4-BE49-F238E27FC236}">
+                <a16:creationId xmlns:a16="http://schemas.microsoft.com/office/drawing/2014/main" id="{D6A4FEEF-01F0-413C-9BC0-4F95F3C793CC}"/>
+              </a:ext>
+            </a:extLst>
+          </p:cNvPr>
+          <p:cNvSpPr>
+            <a:spLocks noGrp="1"/>
+          </p:cNvSpPr>
+          <p:nvPr>
+            <p:ph idx="1"/>
+          </p:nvPr>
+        </p:nvSpPr>
+        <p:spPr/>
+        <p:txBody>
+          <a:bodyPr/>
+          <a:lstStyle/>
+          <a:p>
+            <a:r>
+              <a:rPr lang="en-US" dirty="0"/>
+              <a:t>Usama </a:t>
+            </a:r>
+            <a:r>
+              <a:rPr lang="en-US" dirty="0" err="1"/>
+              <a:t>mustafe</a:t>
+            </a:r>
+            <a:r>
+              <a:rPr lang="en-US" dirty="0"/>
+              <a:t> please add </a:t>
+            </a:r>
+            <a:r>
+              <a:rPr lang="en-US" dirty="0" err="1"/>
+              <a:t>dataste</a:t>
+            </a:r>
+            <a:r>
+              <a:rPr lang="en-US" dirty="0"/>
+              <a:t> details </a:t>
+            </a:r>
+          </a:p>
+        </p:txBody>
+      </p:sp>
+      <p:sp>
+        <p:nvSpPr>
+          <p:cNvPr id="4" name="Slide Number Placeholder 3">
+            <a:extLst>
+              <a:ext uri="{FF2B5EF4-FFF2-40B4-BE49-F238E27FC236}">
+                <a16:creationId xmlns:a16="http://schemas.microsoft.com/office/drawing/2014/main" id="{23D25AD2-FBA1-4A66-B9D8-A81CB51A031F}"/>
+              </a:ext>
+            </a:extLst>
+          </p:cNvPr>
+          <p:cNvSpPr>
+            <a:spLocks noGrp="1"/>
+          </p:cNvSpPr>
+          <p:nvPr>
+            <p:ph type="sldNum" sz="quarter" idx="12"/>
+          </p:nvPr>
+        </p:nvSpPr>
+        <p:spPr/>
+        <p:txBody>
+          <a:bodyPr/>
+          <a:lstStyle/>
+          <a:p>
+            <a:fld id="{D57F1E4F-1CFF-5643-939E-217C01CDF565}" type="slidenum">
+              <a:rPr lang="en-US" smtClean="0"/>
+              <a:pPr/>
+              <a:t>33</a:t>
+            </a:fld>
+            <a:endParaRPr lang="en-US" dirty="0"/>
+          </a:p>
+        </p:txBody>
+      </p:sp>
+    </p:spTree>
+    <p:extLst>
+      <p:ext uri="{BB962C8B-B14F-4D97-AF65-F5344CB8AC3E}">
+        <p14:creationId xmlns:p14="http://schemas.microsoft.com/office/powerpoint/2010/main" val="2930762755"/>
+      </p:ext>
+    </p:extLst>
+  </p:cSld>
+  <p:clrMapOvr>
+    <a:masterClrMapping/>
+  </p:clrMapOvr>
+</p:sld>
+</file>
+
 <file path=ppt/slides/slide34.xml><?xml version="1.0" encoding="utf-8"?>
 <p:sld xmlns:a="http://schemas.openxmlformats.org/drawingml/2006/main" xmlns:r="http://schemas.openxmlformats.org/officeDocument/2006/relationships" xmlns:p="http://schemas.openxmlformats.org/presentationml/2006/main">
   <p:cSld>
@@ -13528,7 +13428,7 @@
           <p:cNvPr id="2" name="Title 1">
             <a:extLst>
               <a:ext uri="{FF2B5EF4-FFF2-40B4-BE49-F238E27FC236}">
-                <a16:creationId xmlns:a16="http://schemas.microsoft.com/office/drawing/2014/main" id="{CD3167E9-85F7-47A9-9421-33312AFB3D5A}"/>
+                <a16:creationId xmlns:a16="http://schemas.microsoft.com/office/drawing/2014/main" id="{5BC7D30D-15B4-4187-BEAE-20C313D9C47F}"/>
               </a:ext>
             </a:extLst>
           </p:cNvPr>
@@ -13539,71 +13439,163 @@
             <p:ph type="title"/>
           </p:nvPr>
         </p:nvSpPr>
-        <p:spPr>
-          <a:xfrm>
-            <a:off x="1264521" y="3482789"/>
-            <a:ext cx="7704667" cy="1214719"/>
-          </a:xfrm>
-        </p:spPr>
-        <p:txBody>
-          <a:bodyPr>
-            <a:normAutofit/>
-          </a:bodyPr>
-          <a:lstStyle/>
-          <a:p>
-            <a:r>
-              <a:rPr lang="en-US" sz="2800" dirty="0"/>
-              <a:t>Benchmarking both models results</a:t>
-            </a:r>
-            <a:br>
-              <a:rPr lang="en-US" sz="2800" dirty="0"/>
-            </a:br>
-            <a:r>
-              <a:rPr lang="en-US" sz="1200" dirty="0">
-                <a:ea typeface="+mj-lt"/>
-                <a:cs typeface="+mj-lt"/>
-              </a:rPr>
-              <a:t>Mean percentage error of each joint on hand. The error of both original shallow network (gray) and our modified network (black) representing the accuracy of 3D CNN approach. (T: Tip, R: Root, M: Middle)</a:t>
-            </a:r>
-            <a:endParaRPr lang="en-US" sz="1200" dirty="0"/>
-          </a:p>
-        </p:txBody>
-      </p:sp>
-      <p:pic>
-        <p:nvPicPr>
-          <p:cNvPr id="6" name="Picture 6" descr="Chart, bar chart&#10;&#10;Description automatically generated">
+        <p:spPr/>
+        <p:txBody>
+          <a:bodyPr/>
+          <a:lstStyle/>
+          <a:p>
+            <a:r>
+              <a:rPr lang="en-US" dirty="0"/>
+              <a:t>What are Hyperparameters ?</a:t>
+            </a:r>
+          </a:p>
+        </p:txBody>
+      </p:sp>
+      <p:sp>
+        <p:nvSpPr>
+          <p:cNvPr id="3" name="Content Placeholder 2">
             <a:extLst>
               <a:ext uri="{FF2B5EF4-FFF2-40B4-BE49-F238E27FC236}">
-                <a16:creationId xmlns:a16="http://schemas.microsoft.com/office/drawing/2014/main" id="{92F26484-F742-4E2D-92D7-D78FD8AA46AB}"/>
+                <a16:creationId xmlns:a16="http://schemas.microsoft.com/office/drawing/2014/main" id="{061102B2-DF12-4C96-94A7-B0708BD89AD4}"/>
               </a:ext>
             </a:extLst>
           </p:cNvPr>
-          <p:cNvPicPr>
-            <a:picLocks noGrp="1" noChangeAspect="1"/>
-          </p:cNvPicPr>
+          <p:cNvSpPr>
+            <a:spLocks noGrp="1"/>
+          </p:cNvSpPr>
           <p:nvPr>
             <p:ph idx="1"/>
           </p:nvPr>
-        </p:nvPicPr>
-        <p:blipFill>
-          <a:blip r:embed="rId2"/>
-          <a:stretch>
-            <a:fillRect/>
-          </a:stretch>
-        </p:blipFill>
-        <p:spPr>
-          <a:xfrm>
-            <a:off x="990289" y="603530"/>
-            <a:ext cx="8037979" cy="2538132"/>
-          </a:xfrm>
-        </p:spPr>
-      </p:pic>
+        </p:nvSpPr>
+        <p:spPr/>
+        <p:txBody>
+          <a:bodyPr/>
+          <a:lstStyle/>
+          <a:p>
+            <a:r>
+              <a:rPr lang="en-US" b="1" dirty="0">
+                <a:ea typeface="+mn-lt"/>
+                <a:cs typeface="+mn-lt"/>
+              </a:rPr>
+              <a:t>Hyperparameters</a:t>
+            </a:r>
+            <a:r>
+              <a:rPr lang="en-US" dirty="0">
+                <a:ea typeface="+mn-lt"/>
+                <a:cs typeface="+mn-lt"/>
+              </a:rPr>
+              <a:t> are the </a:t>
+            </a:r>
+            <a:r>
+              <a:rPr lang="en-US" b="1" dirty="0">
+                <a:ea typeface="+mn-lt"/>
+                <a:cs typeface="+mn-lt"/>
+              </a:rPr>
+              <a:t>variables which determines the network structure</a:t>
+            </a:r>
+            <a:r>
+              <a:rPr lang="en-US" dirty="0">
+                <a:ea typeface="+mn-lt"/>
+                <a:cs typeface="+mn-lt"/>
+              </a:rPr>
+              <a:t>(</a:t>
+            </a:r>
+            <a:r>
+              <a:rPr lang="en-US" dirty="0" err="1">
+                <a:ea typeface="+mn-lt"/>
+                <a:cs typeface="+mn-lt"/>
+              </a:rPr>
+              <a:t>Eg</a:t>
+            </a:r>
+            <a:r>
+              <a:rPr lang="en-US" dirty="0">
+                <a:ea typeface="+mn-lt"/>
+                <a:cs typeface="+mn-lt"/>
+              </a:rPr>
+              <a:t>: Number of Hidden Units) and the </a:t>
+            </a:r>
+            <a:r>
+              <a:rPr lang="en-US" b="1" dirty="0">
+                <a:ea typeface="+mn-lt"/>
+                <a:cs typeface="+mn-lt"/>
+              </a:rPr>
+              <a:t>variables which determine how the network is trained</a:t>
+            </a:r>
+            <a:r>
+              <a:rPr lang="en-US" dirty="0">
+                <a:ea typeface="+mn-lt"/>
+                <a:cs typeface="+mn-lt"/>
+              </a:rPr>
+              <a:t>(</a:t>
+            </a:r>
+            <a:r>
+              <a:rPr lang="en-US" dirty="0" err="1">
+                <a:ea typeface="+mn-lt"/>
+                <a:cs typeface="+mn-lt"/>
+              </a:rPr>
+              <a:t>Eg</a:t>
+            </a:r>
+            <a:r>
+              <a:rPr lang="en-US" dirty="0">
+                <a:ea typeface="+mn-lt"/>
+                <a:cs typeface="+mn-lt"/>
+              </a:rPr>
+              <a:t>: Learning Rate).</a:t>
+            </a:r>
+            <a:endParaRPr lang="en-US" dirty="0"/>
+          </a:p>
+          <a:p>
+            <a:pPr>
+              <a:buClr>
+                <a:srgbClr val="1287C3"/>
+              </a:buClr>
+            </a:pPr>
+            <a:r>
+              <a:rPr lang="en-US" b="1" dirty="0">
+                <a:ea typeface="+mn-lt"/>
+                <a:cs typeface="+mn-lt"/>
+              </a:rPr>
+              <a:t>Hyperparameters</a:t>
+            </a:r>
+            <a:r>
+              <a:rPr lang="en-US" dirty="0">
+                <a:ea typeface="+mn-lt"/>
+                <a:cs typeface="+mn-lt"/>
+              </a:rPr>
+              <a:t> are </a:t>
+            </a:r>
+            <a:r>
+              <a:rPr lang="en-US" b="1" dirty="0">
+                <a:ea typeface="+mn-lt"/>
+                <a:cs typeface="+mn-lt"/>
+              </a:rPr>
+              <a:t>set before training</a:t>
+            </a:r>
+            <a:r>
+              <a:rPr lang="en-US" dirty="0">
+                <a:ea typeface="+mn-lt"/>
+                <a:cs typeface="+mn-lt"/>
+              </a:rPr>
+              <a:t>(before optimizing the weights and bias).</a:t>
+            </a:r>
+            <a:endParaRPr lang="en-US" dirty="0"/>
+          </a:p>
+          <a:p>
+            <a:pPr>
+              <a:buClr>
+                <a:srgbClr val="1287C3"/>
+              </a:buClr>
+            </a:pPr>
+            <a:endParaRPr lang="en-US" dirty="0"/>
+          </a:p>
+        </p:txBody>
+      </p:sp>
       <p:sp>
         <p:nvSpPr>
           <p:cNvPr id="4" name="Slide Number Placeholder 3">
             <a:extLst>
               <a:ext uri="{FF2B5EF4-FFF2-40B4-BE49-F238E27FC236}">
-                <a16:creationId xmlns:a16="http://schemas.microsoft.com/office/drawing/2014/main" id="{5C5C66B8-A6A1-4D7B-B57B-EB0AE3BDAAF7}"/>
+                <a16:creationId xmlns:a16="http://schemas.microsoft.com/office/drawing/2014/main" id="{C3CFB2AB-2D8B-4321-9CF3-236D7AA7151B}"/>
               </a:ext>
             </a:extLst>
           </p:cNvPr>
@@ -13620,7 +13612,7 @@
           <a:lstStyle/>
           <a:p>
             <a:fld id="{D57F1E4F-1CFF-5643-939E-217C01CDF565}" type="slidenum">
-              <a:rPr lang="en-US" dirty="0" smtClean="0"/>
+              <a:rPr lang="en-US" smtClean="0"/>
               <a:pPr/>
               <a:t>34</a:t>
             </a:fld>
@@ -13631,7 +13623,7 @@
     </p:spTree>
     <p:extLst>
       <p:ext uri="{BB962C8B-B14F-4D97-AF65-F5344CB8AC3E}">
-        <p14:creationId xmlns:p14="http://schemas.microsoft.com/office/powerpoint/2010/main" val="1476752445"/>
+        <p14:creationId xmlns:p14="http://schemas.microsoft.com/office/powerpoint/2010/main" val="3538186373"/>
       </p:ext>
     </p:extLst>
   </p:cSld>
@@ -13663,7 +13655,7 @@
           <p:cNvPr id="2" name="Title 1">
             <a:extLst>
               <a:ext uri="{FF2B5EF4-FFF2-40B4-BE49-F238E27FC236}">
-                <a16:creationId xmlns:a16="http://schemas.microsoft.com/office/drawing/2014/main" id="{E46E56B3-0A1B-4E90-9209-0F972AFDAD39}"/>
+                <a16:creationId xmlns:a16="http://schemas.microsoft.com/office/drawing/2014/main" id="{174A393B-E274-4E1C-B397-CFB43982123D}"/>
               </a:ext>
             </a:extLst>
           </p:cNvPr>
@@ -13681,7 +13673,7 @@
           <a:p>
             <a:r>
               <a:rPr lang="en-US" dirty="0"/>
-              <a:t>Dataset</a:t>
+              <a:t>Further Optimization by HPO</a:t>
             </a:r>
           </a:p>
         </p:txBody>
@@ -13691,7 +13683,7 @@
           <p:cNvPr id="3" name="Content Placeholder 2">
             <a:extLst>
               <a:ext uri="{FF2B5EF4-FFF2-40B4-BE49-F238E27FC236}">
-                <a16:creationId xmlns:a16="http://schemas.microsoft.com/office/drawing/2014/main" id="{D6A4FEEF-01F0-413C-9BC0-4F95F3C793CC}"/>
+                <a16:creationId xmlns:a16="http://schemas.microsoft.com/office/drawing/2014/main" id="{94400CB6-D15D-4041-A16D-874F46CA16E5}"/>
               </a:ext>
             </a:extLst>
           </p:cNvPr>
@@ -13702,30 +13694,54 @@
             <p:ph idx="1"/>
           </p:nvPr>
         </p:nvSpPr>
-        <p:spPr/>
-        <p:txBody>
-          <a:bodyPr/>
+        <p:spPr>
+          <a:xfrm>
+            <a:off x="982133" y="2317377"/>
+            <a:ext cx="7704667" cy="3682439"/>
+          </a:xfrm>
+        </p:spPr>
+        <p:txBody>
+          <a:bodyPr>
+            <a:normAutofit lnSpcReduction="10000"/>
+          </a:bodyPr>
           <a:lstStyle/>
           <a:p>
             <a:r>
               <a:rPr lang="en-US" dirty="0"/>
-              <a:t>Usama </a:t>
-            </a:r>
-            <a:r>
-              <a:rPr lang="en-US" dirty="0" err="1"/>
-              <a:t>mustafe</a:t>
-            </a:r>
+              <a:t>SEARCH SPACE :</a:t>
+            </a:r>
+          </a:p>
+          <a:p>
+            <a:pPr marL="0" indent="0">
+              <a:buClr>
+                <a:srgbClr val="1287C3"/>
+              </a:buClr>
+              <a:buNone/>
+            </a:pPr>
             <a:r>
               <a:rPr lang="en-US" dirty="0"/>
-              <a:t> please add </a:t>
-            </a:r>
-            <a:r>
-              <a:rPr lang="en-US" dirty="0" err="1"/>
-              <a:t>dataste</a:t>
-            </a:r>
+              <a:t>The search space of the neural network producing lower dimension embedding from 3D volumes only consisted of neurons of the last two layers the search space was reduced due to heavy cost of training the neural network</a:t>
+            </a:r>
+          </a:p>
+          <a:p>
+            <a:pPr marL="0" indent="0">
+              <a:buClr>
+                <a:srgbClr val="1287C3"/>
+              </a:buClr>
+              <a:buNone/>
+            </a:pPr>
             <a:r>
               <a:rPr lang="en-US" dirty="0"/>
-              <a:t> details </a:t>
+              <a:t>The search space of neural network producing 3D 14 hand joints from lower embedding consisted of:</a:t>
+            </a:r>
+          </a:p>
+          <a:p>
+            <a:pPr marL="0" indent="0">
+              <a:buNone/>
+            </a:pPr>
+            <a:r>
+              <a:rPr lang="en-US" dirty="0"/>
+              <a:t>No of hidden layers, Learning rate , Optimizer , No of neurons in each layer</a:t>
             </a:r>
           </a:p>
         </p:txBody>
@@ -13735,7 +13751,7 @@
           <p:cNvPr id="4" name="Slide Number Placeholder 3">
             <a:extLst>
               <a:ext uri="{FF2B5EF4-FFF2-40B4-BE49-F238E27FC236}">
-                <a16:creationId xmlns:a16="http://schemas.microsoft.com/office/drawing/2014/main" id="{23D25AD2-FBA1-4A66-B9D8-A81CB51A031F}"/>
+                <a16:creationId xmlns:a16="http://schemas.microsoft.com/office/drawing/2014/main" id="{3084357E-5CA6-426A-AD54-BF7C82B678E0}"/>
               </a:ext>
             </a:extLst>
           </p:cNvPr>
@@ -13763,7 +13779,7 @@
     </p:spTree>
     <p:extLst>
       <p:ext uri="{BB962C8B-B14F-4D97-AF65-F5344CB8AC3E}">
-        <p14:creationId xmlns:p14="http://schemas.microsoft.com/office/powerpoint/2010/main" val="2930762755"/>
+        <p14:creationId xmlns:p14="http://schemas.microsoft.com/office/powerpoint/2010/main" val="1883979956"/>
       </p:ext>
     </p:extLst>
   </p:cSld>
@@ -13795,7 +13811,7 @@
           <p:cNvPr id="2" name="Title 1">
             <a:extLst>
               <a:ext uri="{FF2B5EF4-FFF2-40B4-BE49-F238E27FC236}">
-                <a16:creationId xmlns:a16="http://schemas.microsoft.com/office/drawing/2014/main" id="{5BC7D30D-15B4-4187-BEAE-20C313D9C47F}"/>
+                <a16:creationId xmlns:a16="http://schemas.microsoft.com/office/drawing/2014/main" id="{452CB5DA-A8BE-4690-8764-2F903DB3033D}"/>
               </a:ext>
             </a:extLst>
           </p:cNvPr>
@@ -13813,7 +13829,7 @@
           <a:p>
             <a:r>
               <a:rPr lang="en-US" dirty="0"/>
-              <a:t>What are Hyperparameters ?</a:t>
+              <a:t>Why not all combinations be tried ?</a:t>
             </a:r>
           </a:p>
         </p:txBody>
@@ -13823,7 +13839,7 @@
           <p:cNvPr id="3" name="Content Placeholder 2">
             <a:extLst>
               <a:ext uri="{FF2B5EF4-FFF2-40B4-BE49-F238E27FC236}">
-                <a16:creationId xmlns:a16="http://schemas.microsoft.com/office/drawing/2014/main" id="{061102B2-DF12-4C96-94A7-B0708BD89AD4}"/>
+                <a16:creationId xmlns:a16="http://schemas.microsoft.com/office/drawing/2014/main" id="{0BD2D231-352E-4072-8DA7-92B7EAE692EB}"/>
               </a:ext>
             </a:extLst>
           </p:cNvPr>
@@ -13840,76 +13856,9 @@
           <a:lstStyle/>
           <a:p>
             <a:r>
-              <a:rPr lang="en-US" b="1" dirty="0">
-                <a:ea typeface="+mn-lt"/>
-                <a:cs typeface="+mn-lt"/>
-              </a:rPr>
-              <a:t>Hyperparameters</a:t>
-            </a:r>
-            <a:r>
-              <a:rPr lang="en-US" dirty="0">
-                <a:ea typeface="+mn-lt"/>
-                <a:cs typeface="+mn-lt"/>
-              </a:rPr>
-              <a:t> are the </a:t>
-            </a:r>
-            <a:r>
-              <a:rPr lang="en-US" b="1" dirty="0">
-                <a:ea typeface="+mn-lt"/>
-                <a:cs typeface="+mn-lt"/>
-              </a:rPr>
-              <a:t>variables which determines the network structure</a:t>
-            </a:r>
-            <a:r>
-              <a:rPr lang="en-US" dirty="0">
-                <a:ea typeface="+mn-lt"/>
-                <a:cs typeface="+mn-lt"/>
-              </a:rPr>
-              <a:t>(</a:t>
-            </a:r>
-            <a:r>
-              <a:rPr lang="en-US" dirty="0" err="1">
-                <a:ea typeface="+mn-lt"/>
-                <a:cs typeface="+mn-lt"/>
-              </a:rPr>
-              <a:t>Eg</a:t>
-            </a:r>
-            <a:r>
-              <a:rPr lang="en-US" dirty="0">
-                <a:ea typeface="+mn-lt"/>
-                <a:cs typeface="+mn-lt"/>
-              </a:rPr>
-              <a:t>: Number of Hidden Units) and the </a:t>
-            </a:r>
-            <a:r>
-              <a:rPr lang="en-US" b="1" dirty="0">
-                <a:ea typeface="+mn-lt"/>
-                <a:cs typeface="+mn-lt"/>
-              </a:rPr>
-              <a:t>variables which determine how the network is trained</a:t>
-            </a:r>
-            <a:r>
-              <a:rPr lang="en-US" dirty="0">
-                <a:ea typeface="+mn-lt"/>
-                <a:cs typeface="+mn-lt"/>
-              </a:rPr>
-              <a:t>(</a:t>
-            </a:r>
-            <a:r>
-              <a:rPr lang="en-US" dirty="0" err="1">
-                <a:ea typeface="+mn-lt"/>
-                <a:cs typeface="+mn-lt"/>
-              </a:rPr>
-              <a:t>Eg</a:t>
-            </a:r>
-            <a:r>
-              <a:rPr lang="en-US" dirty="0">
-                <a:ea typeface="+mn-lt"/>
-                <a:cs typeface="+mn-lt"/>
-              </a:rPr>
-              <a:t>: Learning Rate).</a:t>
-            </a:r>
-            <a:endParaRPr lang="en-US" dirty="0"/>
+              <a:rPr lang="en-US" dirty="0"/>
+              <a:t>Due to heavy computation cost all  the possible combinations for could not be explored one would need a super computer for it </a:t>
+            </a:r>
           </a:p>
           <a:p>
             <a:pPr>
@@ -13918,42 +13867,9 @@
               </a:buClr>
             </a:pPr>
             <a:r>
-              <a:rPr lang="en-US" b="1" dirty="0">
-                <a:ea typeface="+mn-lt"/>
-                <a:cs typeface="+mn-lt"/>
-              </a:rPr>
-              <a:t>Hyperparameters</a:t>
-            </a:r>
-            <a:r>
-              <a:rPr lang="en-US" dirty="0">
-                <a:ea typeface="+mn-lt"/>
-                <a:cs typeface="+mn-lt"/>
-              </a:rPr>
-              <a:t> are </a:t>
-            </a:r>
-            <a:r>
-              <a:rPr lang="en-US" b="1" dirty="0">
-                <a:ea typeface="+mn-lt"/>
-                <a:cs typeface="+mn-lt"/>
-              </a:rPr>
-              <a:t>set before training</a:t>
-            </a:r>
-            <a:r>
-              <a:rPr lang="en-US" dirty="0">
-                <a:ea typeface="+mn-lt"/>
-                <a:cs typeface="+mn-lt"/>
-              </a:rPr>
-              <a:t>(before optimizing the weights and bias).</a:t>
-            </a:r>
-            <a:endParaRPr lang="en-US" dirty="0"/>
-          </a:p>
-          <a:p>
-            <a:pPr>
-              <a:buClr>
-                <a:srgbClr val="1287C3"/>
-              </a:buClr>
-            </a:pPr>
-            <a:endParaRPr lang="en-US" dirty="0"/>
+              <a:rPr lang="en-US" dirty="0"/>
+              <a:t>The 3D CNN HPO was done on subset of data on GTX 1080 with 2 hours of time on each configuration.</a:t>
+            </a:r>
           </a:p>
         </p:txBody>
       </p:sp>
@@ -13962,7 +13878,7 @@
           <p:cNvPr id="4" name="Slide Number Placeholder 3">
             <a:extLst>
               <a:ext uri="{FF2B5EF4-FFF2-40B4-BE49-F238E27FC236}">
-                <a16:creationId xmlns:a16="http://schemas.microsoft.com/office/drawing/2014/main" id="{C3CFB2AB-2D8B-4321-9CF3-236D7AA7151B}"/>
+                <a16:creationId xmlns:a16="http://schemas.microsoft.com/office/drawing/2014/main" id="{6CBD70A6-A6E1-4C4C-8F69-4940DAB0F135}"/>
               </a:ext>
             </a:extLst>
           </p:cNvPr>
@@ -13990,7 +13906,7 @@
     </p:spTree>
     <p:extLst>
       <p:ext uri="{BB962C8B-B14F-4D97-AF65-F5344CB8AC3E}">
-        <p14:creationId xmlns:p14="http://schemas.microsoft.com/office/powerpoint/2010/main" val="3538186373"/>
+        <p14:creationId xmlns:p14="http://schemas.microsoft.com/office/powerpoint/2010/main" val="1177441685"/>
       </p:ext>
     </p:extLst>
   </p:cSld>
@@ -14022,7 +13938,7 @@
           <p:cNvPr id="2" name="Title 1">
             <a:extLst>
               <a:ext uri="{FF2B5EF4-FFF2-40B4-BE49-F238E27FC236}">
-                <a16:creationId xmlns:a16="http://schemas.microsoft.com/office/drawing/2014/main" id="{174A393B-E274-4E1C-B397-CFB43982123D}"/>
+                <a16:creationId xmlns:a16="http://schemas.microsoft.com/office/drawing/2014/main" id="{C62079CE-FA38-4E60-97A4-406E7DBC69C6}"/>
               </a:ext>
             </a:extLst>
           </p:cNvPr>
@@ -14040,7 +13956,14 @@
           <a:p>
             <a:r>
               <a:rPr lang="en-US" dirty="0"/>
-              <a:t>Further Optimization by HPO</a:t>
+              <a:t>Mathematical approximation </a:t>
+            </a:r>
+            <a:br>
+              <a:rPr lang="en-US" dirty="0"/>
+            </a:br>
+            <a:r>
+              <a:rPr lang="en-US" dirty="0"/>
+              <a:t>( surrogate function )</a:t>
             </a:r>
           </a:p>
         </p:txBody>
@@ -14050,7 +13973,7 @@
           <p:cNvPr id="3" name="Content Placeholder 2">
             <a:extLst>
               <a:ext uri="{FF2B5EF4-FFF2-40B4-BE49-F238E27FC236}">
-                <a16:creationId xmlns:a16="http://schemas.microsoft.com/office/drawing/2014/main" id="{94400CB6-D15D-4041-A16D-874F46CA16E5}"/>
+                <a16:creationId xmlns:a16="http://schemas.microsoft.com/office/drawing/2014/main" id="{72491F1F-7295-402B-8841-D6ABF6431C89}"/>
               </a:ext>
             </a:extLst>
           </p:cNvPr>
@@ -14061,55 +13984,56 @@
             <p:ph idx="1"/>
           </p:nvPr>
         </p:nvSpPr>
-        <p:spPr>
-          <a:xfrm>
-            <a:off x="982133" y="2317377"/>
-            <a:ext cx="7704667" cy="3682439"/>
-          </a:xfrm>
-        </p:spPr>
-        <p:txBody>
-          <a:bodyPr>
-            <a:normAutofit lnSpcReduction="10000"/>
-          </a:bodyPr>
-          <a:lstStyle/>
-          <a:p>
-            <a:r>
-              <a:rPr lang="en-US" dirty="0"/>
-              <a:t>SEARCH SPACE :</a:t>
-            </a:r>
-          </a:p>
-          <a:p>
-            <a:pPr marL="0" indent="0">
+        <p:spPr/>
+        <p:txBody>
+          <a:bodyPr/>
+          <a:lstStyle/>
+          <a:p>
+            <a:r>
+              <a:rPr lang="en-US" dirty="0">
+                <a:ea typeface="+mn-lt"/>
+                <a:cs typeface="+mn-lt"/>
+              </a:rPr>
+              <a:t>A </a:t>
+            </a:r>
+            <a:r>
+              <a:rPr lang="en-US" b="1" dirty="0">
+                <a:ea typeface="+mn-lt"/>
+                <a:cs typeface="+mn-lt"/>
+              </a:rPr>
+              <a:t>surrogate</a:t>
+            </a:r>
+            <a:r>
+              <a:rPr lang="en-US" dirty="0">
+                <a:ea typeface="+mn-lt"/>
+                <a:cs typeface="+mn-lt"/>
+              </a:rPr>
+              <a:t> model is an engineering method used when an outcome of interest cannot be easily directly measured, so a model of the outcome is used instead</a:t>
+            </a:r>
+          </a:p>
+          <a:p>
+            <a:pPr>
               <a:buClr>
                 <a:srgbClr val="1287C3"/>
               </a:buClr>
-              <a:buNone/>
             </a:pPr>
-            <a:r>
-              <a:rPr lang="en-US" dirty="0"/>
-              <a:t>The search space of the neural network producing lower dimension embedding from 3D volumes only consisted of neurons of the last two layers the search space was reduced due to heavy cost of training the neural network</a:t>
-            </a:r>
-          </a:p>
-          <a:p>
-            <a:pPr marL="0" indent="0">
+            <a:endParaRPr lang="en-US" dirty="0"/>
+          </a:p>
+          <a:p>
+            <a:pPr>
               <a:buClr>
                 <a:srgbClr val="1287C3"/>
               </a:buClr>
-              <a:buNone/>
             </a:pPr>
-            <a:r>
-              <a:rPr lang="en-US" dirty="0"/>
-              <a:t>The search space of neural network producing 3D 14 hand joints from lower embedding consisted of:</a:t>
-            </a:r>
-          </a:p>
-          <a:p>
-            <a:pPr marL="0" indent="0">
-              <a:buNone/>
+            <a:endParaRPr lang="en-US" dirty="0"/>
+          </a:p>
+          <a:p>
+            <a:pPr>
+              <a:buClr>
+                <a:srgbClr val="1287C3"/>
+              </a:buClr>
             </a:pPr>
-            <a:r>
-              <a:rPr lang="en-US" dirty="0"/>
-              <a:t>No of hidden layers, Learning rate , Optimizer , No of neurons in each layer</a:t>
-            </a:r>
+            <a:endParaRPr lang="en-US" dirty="0"/>
           </a:p>
         </p:txBody>
       </p:sp>
@@ -14118,7 +14042,7 @@
           <p:cNvPr id="4" name="Slide Number Placeholder 3">
             <a:extLst>
               <a:ext uri="{FF2B5EF4-FFF2-40B4-BE49-F238E27FC236}">
-                <a16:creationId xmlns:a16="http://schemas.microsoft.com/office/drawing/2014/main" id="{3084357E-5CA6-426A-AD54-BF7C82B678E0}"/>
+                <a16:creationId xmlns:a16="http://schemas.microsoft.com/office/drawing/2014/main" id="{29B017D1-84C1-4668-8B88-B2E9121DB7EC}"/>
               </a:ext>
             </a:extLst>
           </p:cNvPr>
@@ -14146,7 +14070,7 @@
     </p:spTree>
     <p:extLst>
       <p:ext uri="{BB962C8B-B14F-4D97-AF65-F5344CB8AC3E}">
-        <p14:creationId xmlns:p14="http://schemas.microsoft.com/office/powerpoint/2010/main" val="1883979956"/>
+        <p14:creationId xmlns:p14="http://schemas.microsoft.com/office/powerpoint/2010/main" val="1903591954"/>
       </p:ext>
     </p:extLst>
   </p:cSld>
@@ -14178,7 +14102,7 @@
           <p:cNvPr id="2" name="Title 1">
             <a:extLst>
               <a:ext uri="{FF2B5EF4-FFF2-40B4-BE49-F238E27FC236}">
-                <a16:creationId xmlns:a16="http://schemas.microsoft.com/office/drawing/2014/main" id="{452CB5DA-A8BE-4690-8764-2F903DB3033D}"/>
+                <a16:creationId xmlns:a16="http://schemas.microsoft.com/office/drawing/2014/main" id="{BAE5FCD8-243F-4261-99C0-D8398CED7BED}"/>
               </a:ext>
             </a:extLst>
           </p:cNvPr>
@@ -14196,7 +14120,7 @@
           <a:p>
             <a:r>
               <a:rPr lang="en-US" dirty="0"/>
-              <a:t>Why not all combinations be tried ?</a:t>
+              <a:t>Surrogate Functions chosen by us:</a:t>
             </a:r>
           </a:p>
         </p:txBody>
@@ -14206,7 +14130,7 @@
           <p:cNvPr id="3" name="Content Placeholder 2">
             <a:extLst>
               <a:ext uri="{FF2B5EF4-FFF2-40B4-BE49-F238E27FC236}">
-                <a16:creationId xmlns:a16="http://schemas.microsoft.com/office/drawing/2014/main" id="{0BD2D231-352E-4072-8DA7-92B7EAE692EB}"/>
+                <a16:creationId xmlns:a16="http://schemas.microsoft.com/office/drawing/2014/main" id="{1CCDDF41-C372-4AC2-A82F-D97323B6B6BE}"/>
               </a:ext>
             </a:extLst>
           </p:cNvPr>
@@ -14217,15 +14141,51 @@
             <p:ph idx="1"/>
           </p:nvPr>
         </p:nvSpPr>
-        <p:spPr/>
-        <p:txBody>
-          <a:bodyPr/>
+        <p:spPr>
+          <a:xfrm>
+            <a:off x="982133" y="2088777"/>
+            <a:ext cx="7704667" cy="3911039"/>
+          </a:xfrm>
+        </p:spPr>
+        <p:txBody>
+          <a:bodyPr>
+            <a:normAutofit fontScale="92500" lnSpcReduction="20000"/>
+          </a:bodyPr>
           <a:lstStyle/>
           <a:p>
             <a:r>
               <a:rPr lang="en-US" dirty="0"/>
-              <a:t>Due to heavy computation cost all  the possible combinations for could not be explored one would need a super computer for it </a:t>
-            </a:r>
+              <a:t>Tree </a:t>
+            </a:r>
+            <a:r>
+              <a:rPr lang="en-US" dirty="0" err="1"/>
+              <a:t>Parzen</a:t>
+            </a:r>
+            <a:r>
+              <a:rPr lang="en-US" dirty="0"/>
+              <a:t> estimator</a:t>
+            </a:r>
+          </a:p>
+          <a:p>
+            <a:pPr marL="0" indent="0">
+              <a:buClr>
+                <a:srgbClr val="1287C3"/>
+              </a:buClr>
+              <a:buNone/>
+            </a:pPr>
+            <a:r>
+              <a:rPr lang="en-US" dirty="0">
+                <a:ea typeface="+mn-lt"/>
+                <a:cs typeface="+mn-lt"/>
+              </a:rPr>
+              <a:t>TPE is a sequential model-based optimization (SMBO) approach. TPE builds a model by applying Bayes rule. The probability for achieving y loss with x parameters is given by:</a:t>
+            </a:r>
+          </a:p>
+          <a:p>
+            <a:pPr marL="0" indent="0">
+              <a:buNone/>
+            </a:pPr>
+            <a:endParaRPr lang="en-US" dirty="0"/>
           </a:p>
           <a:p>
             <a:pPr>
@@ -14235,8 +14195,33 @@
             </a:pPr>
             <a:r>
               <a:rPr lang="en-US" dirty="0"/>
-              <a:t>The 3D CNN HPO was done on subset of data on GTX 1080 with 2 hours of time on each configuration.</a:t>
-            </a:r>
+              <a:t>Base sampler</a:t>
+            </a:r>
+          </a:p>
+          <a:p>
+            <a:pPr marL="0" indent="0">
+              <a:buClr>
+                <a:srgbClr val="1287C3"/>
+              </a:buClr>
+              <a:buNone/>
+            </a:pPr>
+            <a:r>
+              <a:rPr lang="en-US" dirty="0">
+                <a:ea typeface="+mn-lt"/>
+                <a:cs typeface="+mn-lt"/>
+              </a:rPr>
+              <a:t>This sampling technique brings balance of both the worlds by applying both relative sampling and independent sampling. The relative sampling determines the value of multiple hyperparameters so correlation could be determined between them</a:t>
+            </a:r>
+            <a:endParaRPr lang="en-US" dirty="0"/>
+          </a:p>
+          <a:p>
+            <a:pPr marL="0" indent="0">
+              <a:buClr>
+                <a:srgbClr val="1287C3"/>
+              </a:buClr>
+              <a:buNone/>
+            </a:pPr>
+            <a:endParaRPr lang="en-US" dirty="0"/>
           </a:p>
         </p:txBody>
       </p:sp>
@@ -14245,7 +14230,7 @@
           <p:cNvPr id="4" name="Slide Number Placeholder 3">
             <a:extLst>
               <a:ext uri="{FF2B5EF4-FFF2-40B4-BE49-F238E27FC236}">
-                <a16:creationId xmlns:a16="http://schemas.microsoft.com/office/drawing/2014/main" id="{6CBD70A6-A6E1-4C4C-8F69-4940DAB0F135}"/>
+                <a16:creationId xmlns:a16="http://schemas.microsoft.com/office/drawing/2014/main" id="{3BC1EEC3-BF74-475C-A9B4-623665A94793}"/>
               </a:ext>
             </a:extLst>
           </p:cNvPr>
@@ -14270,10 +14255,40 @@
           </a:p>
         </p:txBody>
       </p:sp>
+      <p:pic>
+        <p:nvPicPr>
+          <p:cNvPr id="5" name="Picture 5" descr="A picture containing text&#10;&#10;Description automatically generated">
+            <a:extLst>
+              <a:ext uri="{FF2B5EF4-FFF2-40B4-BE49-F238E27FC236}">
+                <a16:creationId xmlns:a16="http://schemas.microsoft.com/office/drawing/2014/main" id="{B7F57E89-F77C-47E5-BD6D-335EFF016064}"/>
+              </a:ext>
+            </a:extLst>
+          </p:cNvPr>
+          <p:cNvPicPr>
+            <a:picLocks noChangeAspect="1"/>
+          </p:cNvPicPr>
+          <p:nvPr/>
+        </p:nvPicPr>
+        <p:blipFill>
+          <a:blip r:embed="rId2"/>
+          <a:stretch>
+            <a:fillRect/>
+          </a:stretch>
+        </p:blipFill>
+        <p:spPr>
+          <a:xfrm>
+            <a:off x="2990849" y="3229535"/>
+            <a:ext cx="2731994" cy="815788"/>
+          </a:xfrm>
+          <a:prstGeom prst="rect">
+            <a:avLst/>
+          </a:prstGeom>
+        </p:spPr>
+      </p:pic>
     </p:spTree>
     <p:extLst>
       <p:ext uri="{BB962C8B-B14F-4D97-AF65-F5344CB8AC3E}">
-        <p14:creationId xmlns:p14="http://schemas.microsoft.com/office/powerpoint/2010/main" val="1177441685"/>
+        <p14:creationId xmlns:p14="http://schemas.microsoft.com/office/powerpoint/2010/main" val="4056180067"/>
       </p:ext>
     </p:extLst>
   </p:cSld>
@@ -14305,7 +14320,7 @@
           <p:cNvPr id="2" name="Title 1">
             <a:extLst>
               <a:ext uri="{FF2B5EF4-FFF2-40B4-BE49-F238E27FC236}">
-                <a16:creationId xmlns:a16="http://schemas.microsoft.com/office/drawing/2014/main" id="{C62079CE-FA38-4E60-97A4-406E7DBC69C6}"/>
+                <a16:creationId xmlns:a16="http://schemas.microsoft.com/office/drawing/2014/main" id="{5FC44BEE-1303-43C6-B06C-BED44A70A06C}"/>
               </a:ext>
             </a:extLst>
           </p:cNvPr>
@@ -14316,100 +14331,70 @@
             <p:ph type="title"/>
           </p:nvPr>
         </p:nvSpPr>
-        <p:spPr/>
-        <p:txBody>
-          <a:bodyPr/>
-          <a:lstStyle/>
-          <a:p>
-            <a:r>
-              <a:rPr lang="en-US" dirty="0"/>
-              <a:t>Mathematical approximation </a:t>
+        <p:spPr>
+          <a:xfrm>
+            <a:off x="457698" y="4208930"/>
+            <a:ext cx="7704667" cy="1981200"/>
+          </a:xfrm>
+        </p:spPr>
+        <p:txBody>
+          <a:bodyPr>
+            <a:normAutofit/>
+          </a:bodyPr>
+          <a:lstStyle/>
+          <a:p>
+            <a:r>
+              <a:rPr lang="en-US" sz="3600" dirty="0"/>
+              <a:t>Parallel coordinate graph</a:t>
             </a:r>
             <a:br>
-              <a:rPr lang="en-US" dirty="0"/>
+              <a:rPr lang="en-US" sz="1100" dirty="0"/>
             </a:br>
             <a:r>
-              <a:rPr lang="en-US" dirty="0"/>
-              <a:t>( surrogate function )</a:t>
-            </a:r>
-          </a:p>
-        </p:txBody>
-      </p:sp>
-      <p:sp>
-        <p:nvSpPr>
-          <p:cNvPr id="3" name="Content Placeholder 2">
+              <a:rPr lang="en-US" sz="2000" dirty="0">
+                <a:ea typeface="+mj-lt"/>
+                <a:cs typeface="+mj-lt"/>
+              </a:rPr>
+              <a:t>Shows parallel coordinate graph of Hyperparameter optimization of model producing 14, 3D coordinates from lower embedding</a:t>
+            </a:r>
+          </a:p>
+        </p:txBody>
+      </p:sp>
+      <p:pic>
+        <p:nvPicPr>
+          <p:cNvPr id="5" name="Picture 5" descr="Chart, line chart&#10;&#10;Description automatically generated">
             <a:extLst>
               <a:ext uri="{FF2B5EF4-FFF2-40B4-BE49-F238E27FC236}">
-                <a16:creationId xmlns:a16="http://schemas.microsoft.com/office/drawing/2014/main" id="{72491F1F-7295-402B-8841-D6ABF6431C89}"/>
+                <a16:creationId xmlns:a16="http://schemas.microsoft.com/office/drawing/2014/main" id="{0CCAC68E-7074-4BD9-8FF8-0819603F42F9}"/>
               </a:ext>
             </a:extLst>
           </p:cNvPr>
-          <p:cNvSpPr>
-            <a:spLocks noGrp="1"/>
-          </p:cNvSpPr>
+          <p:cNvPicPr>
+            <a:picLocks noGrp="1" noChangeAspect="1"/>
+          </p:cNvPicPr>
           <p:nvPr>
             <p:ph idx="1"/>
           </p:nvPr>
-        </p:nvSpPr>
-        <p:spPr/>
-        <p:txBody>
-          <a:bodyPr/>
-          <a:lstStyle/>
-          <a:p>
-            <a:r>
-              <a:rPr lang="en-US" dirty="0">
-                <a:ea typeface="+mn-lt"/>
-                <a:cs typeface="+mn-lt"/>
-              </a:rPr>
-              <a:t>A </a:t>
-            </a:r>
-            <a:r>
-              <a:rPr lang="en-US" b="1" dirty="0">
-                <a:ea typeface="+mn-lt"/>
-                <a:cs typeface="+mn-lt"/>
-              </a:rPr>
-              <a:t>surrogate</a:t>
-            </a:r>
-            <a:r>
-              <a:rPr lang="en-US" dirty="0">
-                <a:ea typeface="+mn-lt"/>
-                <a:cs typeface="+mn-lt"/>
-              </a:rPr>
-              <a:t> model is an engineering method used when an outcome of interest cannot be easily directly measured, so a model of the outcome is used instead</a:t>
-            </a:r>
-          </a:p>
-          <a:p>
-            <a:pPr>
-              <a:buClr>
-                <a:srgbClr val="1287C3"/>
-              </a:buClr>
-            </a:pPr>
-            <a:endParaRPr lang="en-US" dirty="0"/>
-          </a:p>
-          <a:p>
-            <a:pPr>
-              <a:buClr>
-                <a:srgbClr val="1287C3"/>
-              </a:buClr>
-            </a:pPr>
-            <a:endParaRPr lang="en-US" dirty="0"/>
-          </a:p>
-          <a:p>
-            <a:pPr>
-              <a:buClr>
-                <a:srgbClr val="1287C3"/>
-              </a:buClr>
-            </a:pPr>
-            <a:endParaRPr lang="en-US" dirty="0"/>
-          </a:p>
-        </p:txBody>
-      </p:sp>
+        </p:nvPicPr>
+        <p:blipFill>
+          <a:blip r:embed="rId2"/>
+          <a:stretch>
+            <a:fillRect/>
+          </a:stretch>
+        </p:blipFill>
+        <p:spPr>
+          <a:xfrm>
+            <a:off x="1945310" y="238779"/>
+            <a:ext cx="5684182" cy="3671046"/>
+          </a:xfrm>
+        </p:spPr>
+      </p:pic>
       <p:sp>
         <p:nvSpPr>
           <p:cNvPr id="4" name="Slide Number Placeholder 3">
             <a:extLst>
               <a:ext uri="{FF2B5EF4-FFF2-40B4-BE49-F238E27FC236}">
-                <a16:creationId xmlns:a16="http://schemas.microsoft.com/office/drawing/2014/main" id="{29B017D1-84C1-4668-8B88-B2E9121DB7EC}"/>
+                <a16:creationId xmlns:a16="http://schemas.microsoft.com/office/drawing/2014/main" id="{DBB3F895-A84A-425B-9001-1382952F768A}"/>
               </a:ext>
             </a:extLst>
           </p:cNvPr>
@@ -14437,7 +14422,7 @@
     </p:spTree>
     <p:extLst>
       <p:ext uri="{BB962C8B-B14F-4D97-AF65-F5344CB8AC3E}">
-        <p14:creationId xmlns:p14="http://schemas.microsoft.com/office/powerpoint/2010/main" val="1903591954"/>
+        <p14:creationId xmlns:p14="http://schemas.microsoft.com/office/powerpoint/2010/main" val="1843112341"/>
       </p:ext>
     </p:extLst>
   </p:cSld>
@@ -14718,7 +14703,7 @@
           <p:cNvPr id="2" name="Title 1">
             <a:extLst>
               <a:ext uri="{FF2B5EF4-FFF2-40B4-BE49-F238E27FC236}">
-                <a16:creationId xmlns:a16="http://schemas.microsoft.com/office/drawing/2014/main" id="{BAE5FCD8-243F-4261-99C0-D8398CED7BED}"/>
+                <a16:creationId xmlns:a16="http://schemas.microsoft.com/office/drawing/2014/main" id="{18564400-897A-4D15-A21A-67BE8F40C066}"/>
               </a:ext>
             </a:extLst>
           </p:cNvPr>
@@ -14736,7 +14721,7 @@
           <a:p>
             <a:r>
               <a:rPr lang="en-US" dirty="0"/>
-              <a:t>Surrogate Functions chosen by us:</a:t>
+              <a:t>Results HPO </a:t>
             </a:r>
           </a:p>
         </p:txBody>
@@ -14746,7 +14731,7 @@
           <p:cNvPr id="3" name="Content Placeholder 2">
             <a:extLst>
               <a:ext uri="{FF2B5EF4-FFF2-40B4-BE49-F238E27FC236}">
-                <a16:creationId xmlns:a16="http://schemas.microsoft.com/office/drawing/2014/main" id="{1CCDDF41-C372-4AC2-A82F-D97323B6B6BE}"/>
+                <a16:creationId xmlns:a16="http://schemas.microsoft.com/office/drawing/2014/main" id="{81272F27-88BC-41E8-97A5-00DDE0DE65E1}"/>
               </a:ext>
             </a:extLst>
           </p:cNvPr>
@@ -14759,49 +14744,21 @@
         </p:nvSpPr>
         <p:spPr>
           <a:xfrm>
-            <a:off x="982133" y="2088777"/>
-            <a:ext cx="7704667" cy="3911039"/>
+            <a:off x="982133" y="2102224"/>
+            <a:ext cx="7704667" cy="3897592"/>
           </a:xfrm>
         </p:spPr>
         <p:txBody>
-          <a:bodyPr>
-            <a:normAutofit fontScale="92500" lnSpcReduction="20000"/>
-          </a:bodyPr>
-          <a:lstStyle/>
-          <a:p>
-            <a:r>
-              <a:rPr lang="en-US" dirty="0"/>
-              <a:t>Tree </a:t>
-            </a:r>
-            <a:r>
-              <a:rPr lang="en-US" dirty="0" err="1"/>
-              <a:t>Parzen</a:t>
-            </a:r>
-            <a:r>
-              <a:rPr lang="en-US" dirty="0"/>
-              <a:t> estimator</a:t>
-            </a:r>
-          </a:p>
-          <a:p>
-            <a:pPr marL="0" indent="0">
-              <a:buClr>
-                <a:srgbClr val="1287C3"/>
-              </a:buClr>
-              <a:buNone/>
-            </a:pPr>
+          <a:bodyPr/>
+          <a:lstStyle/>
+          <a:p>
             <a:r>
               <a:rPr lang="en-US" dirty="0">
                 <a:ea typeface="+mn-lt"/>
                 <a:cs typeface="+mn-lt"/>
               </a:rPr>
-              <a:t>TPE is a sequential model-based optimization (SMBO) approach. TPE builds a model by applying Bayes rule. The probability for achieving y loss with x parameters is given by:</a:t>
-            </a:r>
-          </a:p>
-          <a:p>
-            <a:pPr marL="0" indent="0">
-              <a:buNone/>
-            </a:pPr>
-            <a:endParaRPr lang="en-US" dirty="0"/>
+              <a:t>The best architecture for producing 3D Embeddings by HPO achieved had two layers, First layer with 2816 nodes and second layer with 2304 nodes with learning rate of 0.000731</a:t>
+            </a:r>
           </a:p>
           <a:p>
             <a:pPr>
@@ -14810,33 +14767,12 @@
               </a:buClr>
             </a:pPr>
             <a:r>
-              <a:rPr lang="en-US" dirty="0"/>
-              <a:t>Base sampler</a:t>
-            </a:r>
-          </a:p>
-          <a:p>
-            <a:pPr marL="0" indent="0">
-              <a:buClr>
-                <a:srgbClr val="1287C3"/>
-              </a:buClr>
-              <a:buNone/>
-            </a:pPr>
-            <a:r>
               <a:rPr lang="en-US" dirty="0">
                 <a:ea typeface="+mn-lt"/>
                 <a:cs typeface="+mn-lt"/>
               </a:rPr>
-              <a:t>This sampling technique brings balance of both the worlds by applying both relative sampling and independent sampling. The relative sampling determines the value of multiple hyperparameters so correlation could be determined between them</a:t>
-            </a:r>
-            <a:endParaRPr lang="en-US" dirty="0"/>
-          </a:p>
-          <a:p>
-            <a:pPr marL="0" indent="0">
-              <a:buClr>
-                <a:srgbClr val="1287C3"/>
-              </a:buClr>
-              <a:buNone/>
-            </a:pPr>
+              <a:t>The best 3D CNN network achieved was 4096 neurons in the last two hidden layers with Adamax optimizer and learning rate of 0.00014. </a:t>
+            </a:r>
             <a:endParaRPr lang="en-US" dirty="0"/>
           </a:p>
         </p:txBody>
@@ -14846,7 +14782,7 @@
           <p:cNvPr id="4" name="Slide Number Placeholder 3">
             <a:extLst>
               <a:ext uri="{FF2B5EF4-FFF2-40B4-BE49-F238E27FC236}">
-                <a16:creationId xmlns:a16="http://schemas.microsoft.com/office/drawing/2014/main" id="{3BC1EEC3-BF74-475C-A9B4-623665A94793}"/>
+                <a16:creationId xmlns:a16="http://schemas.microsoft.com/office/drawing/2014/main" id="{5BC8EAF3-CB62-4F80-8946-27F7193AF800}"/>
               </a:ext>
             </a:extLst>
           </p:cNvPr>
@@ -14871,40 +14807,10 @@
           </a:p>
         </p:txBody>
       </p:sp>
-      <p:pic>
-        <p:nvPicPr>
-          <p:cNvPr id="5" name="Picture 5" descr="A picture containing text&#10;&#10;Description automatically generated">
-            <a:extLst>
-              <a:ext uri="{FF2B5EF4-FFF2-40B4-BE49-F238E27FC236}">
-                <a16:creationId xmlns:a16="http://schemas.microsoft.com/office/drawing/2014/main" id="{B7F57E89-F77C-47E5-BD6D-335EFF016064}"/>
-              </a:ext>
-            </a:extLst>
-          </p:cNvPr>
-          <p:cNvPicPr>
-            <a:picLocks noChangeAspect="1"/>
-          </p:cNvPicPr>
-          <p:nvPr/>
-        </p:nvPicPr>
-        <p:blipFill>
-          <a:blip r:embed="rId2"/>
-          <a:stretch>
-            <a:fillRect/>
-          </a:stretch>
-        </p:blipFill>
-        <p:spPr>
-          <a:xfrm>
-            <a:off x="2990849" y="3229535"/>
-            <a:ext cx="2731994" cy="815788"/>
-          </a:xfrm>
-          <a:prstGeom prst="rect">
-            <a:avLst/>
-          </a:prstGeom>
-        </p:spPr>
-      </p:pic>
     </p:spTree>
     <p:extLst>
       <p:ext uri="{BB962C8B-B14F-4D97-AF65-F5344CB8AC3E}">
-        <p14:creationId xmlns:p14="http://schemas.microsoft.com/office/powerpoint/2010/main" val="4056180067"/>
+        <p14:creationId xmlns:p14="http://schemas.microsoft.com/office/powerpoint/2010/main" val="3084329216"/>
       </p:ext>
     </p:extLst>
   </p:cSld>
@@ -14936,279 +14842,6 @@
           <p:cNvPr id="2" name="Title 1">
             <a:extLst>
               <a:ext uri="{FF2B5EF4-FFF2-40B4-BE49-F238E27FC236}">
-                <a16:creationId xmlns:a16="http://schemas.microsoft.com/office/drawing/2014/main" id="{5FC44BEE-1303-43C6-B06C-BED44A70A06C}"/>
-              </a:ext>
-            </a:extLst>
-          </p:cNvPr>
-          <p:cNvSpPr>
-            <a:spLocks noGrp="1"/>
-          </p:cNvSpPr>
-          <p:nvPr>
-            <p:ph type="title"/>
-          </p:nvPr>
-        </p:nvSpPr>
-        <p:spPr>
-          <a:xfrm>
-            <a:off x="457698" y="4208930"/>
-            <a:ext cx="7704667" cy="1981200"/>
-          </a:xfrm>
-        </p:spPr>
-        <p:txBody>
-          <a:bodyPr>
-            <a:normAutofit/>
-          </a:bodyPr>
-          <a:lstStyle/>
-          <a:p>
-            <a:r>
-              <a:rPr lang="en-US" sz="3600" dirty="0"/>
-              <a:t>Parallel coordinate graph</a:t>
-            </a:r>
-            <a:br>
-              <a:rPr lang="en-US" sz="1100" dirty="0"/>
-            </a:br>
-            <a:r>
-              <a:rPr lang="en-US" sz="2000" dirty="0">
-                <a:ea typeface="+mj-lt"/>
-                <a:cs typeface="+mj-lt"/>
-              </a:rPr>
-              <a:t>Shows parallel coordinate graph of Hyperparameter optimization of model producing 14, 3D coordinates from lower embedding</a:t>
-            </a:r>
-          </a:p>
-        </p:txBody>
-      </p:sp>
-      <p:pic>
-        <p:nvPicPr>
-          <p:cNvPr id="5" name="Picture 5" descr="Chart, line chart&#10;&#10;Description automatically generated">
-            <a:extLst>
-              <a:ext uri="{FF2B5EF4-FFF2-40B4-BE49-F238E27FC236}">
-                <a16:creationId xmlns:a16="http://schemas.microsoft.com/office/drawing/2014/main" id="{0CCAC68E-7074-4BD9-8FF8-0819603F42F9}"/>
-              </a:ext>
-            </a:extLst>
-          </p:cNvPr>
-          <p:cNvPicPr>
-            <a:picLocks noGrp="1" noChangeAspect="1"/>
-          </p:cNvPicPr>
-          <p:nvPr>
-            <p:ph idx="1"/>
-          </p:nvPr>
-        </p:nvPicPr>
-        <p:blipFill>
-          <a:blip r:embed="rId2"/>
-          <a:stretch>
-            <a:fillRect/>
-          </a:stretch>
-        </p:blipFill>
-        <p:spPr>
-          <a:xfrm>
-            <a:off x="1945310" y="238779"/>
-            <a:ext cx="5684182" cy="3671046"/>
-          </a:xfrm>
-        </p:spPr>
-      </p:pic>
-      <p:sp>
-        <p:nvSpPr>
-          <p:cNvPr id="4" name="Slide Number Placeholder 3">
-            <a:extLst>
-              <a:ext uri="{FF2B5EF4-FFF2-40B4-BE49-F238E27FC236}">
-                <a16:creationId xmlns:a16="http://schemas.microsoft.com/office/drawing/2014/main" id="{DBB3F895-A84A-425B-9001-1382952F768A}"/>
-              </a:ext>
-            </a:extLst>
-          </p:cNvPr>
-          <p:cNvSpPr>
-            <a:spLocks noGrp="1"/>
-          </p:cNvSpPr>
-          <p:nvPr>
-            <p:ph type="sldNum" sz="quarter" idx="12"/>
-          </p:nvPr>
-        </p:nvSpPr>
-        <p:spPr/>
-        <p:txBody>
-          <a:bodyPr/>
-          <a:lstStyle/>
-          <a:p>
-            <a:fld id="{D57F1E4F-1CFF-5643-939E-217C01CDF565}" type="slidenum">
-              <a:rPr lang="en-US" smtClean="0"/>
-              <a:pPr/>
-              <a:t>41</a:t>
-            </a:fld>
-            <a:endParaRPr lang="en-US" dirty="0"/>
-          </a:p>
-        </p:txBody>
-      </p:sp>
-    </p:spTree>
-    <p:extLst>
-      <p:ext uri="{BB962C8B-B14F-4D97-AF65-F5344CB8AC3E}">
-        <p14:creationId xmlns:p14="http://schemas.microsoft.com/office/powerpoint/2010/main" val="1843112341"/>
-      </p:ext>
-    </p:extLst>
-  </p:cSld>
-  <p:clrMapOvr>
-    <a:masterClrMapping/>
-  </p:clrMapOvr>
-</p:sld>
-</file>
-
-<file path=ppt/slides/slide42.xml><?xml version="1.0" encoding="utf-8"?>
-<p:sld xmlns:a="http://schemas.openxmlformats.org/drawingml/2006/main" xmlns:r="http://schemas.openxmlformats.org/officeDocument/2006/relationships" xmlns:p="http://schemas.openxmlformats.org/presentationml/2006/main">
-  <p:cSld>
-    <p:spTree>
-      <p:nvGrpSpPr>
-        <p:cNvPr id="1" name=""/>
-        <p:cNvGrpSpPr/>
-        <p:nvPr/>
-      </p:nvGrpSpPr>
-      <p:grpSpPr>
-        <a:xfrm>
-          <a:off x="0" y="0"/>
-          <a:ext cx="0" cy="0"/>
-          <a:chOff x="0" y="0"/>
-          <a:chExt cx="0" cy="0"/>
-        </a:xfrm>
-      </p:grpSpPr>
-      <p:sp>
-        <p:nvSpPr>
-          <p:cNvPr id="2" name="Title 1">
-            <a:extLst>
-              <a:ext uri="{FF2B5EF4-FFF2-40B4-BE49-F238E27FC236}">
-                <a16:creationId xmlns:a16="http://schemas.microsoft.com/office/drawing/2014/main" id="{18564400-897A-4D15-A21A-67BE8F40C066}"/>
-              </a:ext>
-            </a:extLst>
-          </p:cNvPr>
-          <p:cNvSpPr>
-            <a:spLocks noGrp="1"/>
-          </p:cNvSpPr>
-          <p:nvPr>
-            <p:ph type="title"/>
-          </p:nvPr>
-        </p:nvSpPr>
-        <p:spPr/>
-        <p:txBody>
-          <a:bodyPr/>
-          <a:lstStyle/>
-          <a:p>
-            <a:r>
-              <a:rPr lang="en-US" dirty="0"/>
-              <a:t>Results HPO </a:t>
-            </a:r>
-          </a:p>
-        </p:txBody>
-      </p:sp>
-      <p:sp>
-        <p:nvSpPr>
-          <p:cNvPr id="3" name="Content Placeholder 2">
-            <a:extLst>
-              <a:ext uri="{FF2B5EF4-FFF2-40B4-BE49-F238E27FC236}">
-                <a16:creationId xmlns:a16="http://schemas.microsoft.com/office/drawing/2014/main" id="{81272F27-88BC-41E8-97A5-00DDE0DE65E1}"/>
-              </a:ext>
-            </a:extLst>
-          </p:cNvPr>
-          <p:cNvSpPr>
-            <a:spLocks noGrp="1"/>
-          </p:cNvSpPr>
-          <p:nvPr>
-            <p:ph idx="1"/>
-          </p:nvPr>
-        </p:nvSpPr>
-        <p:spPr>
-          <a:xfrm>
-            <a:off x="982133" y="2102224"/>
-            <a:ext cx="7704667" cy="3897592"/>
-          </a:xfrm>
-        </p:spPr>
-        <p:txBody>
-          <a:bodyPr/>
-          <a:lstStyle/>
-          <a:p>
-            <a:r>
-              <a:rPr lang="en-US" dirty="0">
-                <a:ea typeface="+mn-lt"/>
-                <a:cs typeface="+mn-lt"/>
-              </a:rPr>
-              <a:t>The best architecture for producing 3D Embeddings by HPO achieved had two layers, First layer with 2816 nodes and second layer with 2304 nodes with learning rate of 0.000731</a:t>
-            </a:r>
-          </a:p>
-          <a:p>
-            <a:pPr>
-              <a:buClr>
-                <a:srgbClr val="1287C3"/>
-              </a:buClr>
-            </a:pPr>
-            <a:r>
-              <a:rPr lang="en-US" dirty="0">
-                <a:ea typeface="+mn-lt"/>
-                <a:cs typeface="+mn-lt"/>
-              </a:rPr>
-              <a:t>The best 3D CNN network achieved was 4096 neurons in the last two hidden layers with Adamax optimizer and learning rate of 0.00014. </a:t>
-            </a:r>
-            <a:endParaRPr lang="en-US" dirty="0"/>
-          </a:p>
-        </p:txBody>
-      </p:sp>
-      <p:sp>
-        <p:nvSpPr>
-          <p:cNvPr id="4" name="Slide Number Placeholder 3">
-            <a:extLst>
-              <a:ext uri="{FF2B5EF4-FFF2-40B4-BE49-F238E27FC236}">
-                <a16:creationId xmlns:a16="http://schemas.microsoft.com/office/drawing/2014/main" id="{5BC8EAF3-CB62-4F80-8946-27F7193AF800}"/>
-              </a:ext>
-            </a:extLst>
-          </p:cNvPr>
-          <p:cNvSpPr>
-            <a:spLocks noGrp="1"/>
-          </p:cNvSpPr>
-          <p:nvPr>
-            <p:ph type="sldNum" sz="quarter" idx="12"/>
-          </p:nvPr>
-        </p:nvSpPr>
-        <p:spPr/>
-        <p:txBody>
-          <a:bodyPr/>
-          <a:lstStyle/>
-          <a:p>
-            <a:fld id="{D57F1E4F-1CFF-5643-939E-217C01CDF565}" type="slidenum">
-              <a:rPr lang="en-US" smtClean="0"/>
-              <a:pPr/>
-              <a:t>42</a:t>
-            </a:fld>
-            <a:endParaRPr lang="en-US" dirty="0"/>
-          </a:p>
-        </p:txBody>
-      </p:sp>
-    </p:spTree>
-    <p:extLst>
-      <p:ext uri="{BB962C8B-B14F-4D97-AF65-F5344CB8AC3E}">
-        <p14:creationId xmlns:p14="http://schemas.microsoft.com/office/powerpoint/2010/main" val="3084329216"/>
-      </p:ext>
-    </p:extLst>
-  </p:cSld>
-  <p:clrMapOvr>
-    <a:masterClrMapping/>
-  </p:clrMapOvr>
-</p:sld>
-</file>
-
-<file path=ppt/slides/slide43.xml><?xml version="1.0" encoding="utf-8"?>
-<p:sld xmlns:a="http://schemas.openxmlformats.org/drawingml/2006/main" xmlns:r="http://schemas.openxmlformats.org/officeDocument/2006/relationships" xmlns:p="http://schemas.openxmlformats.org/presentationml/2006/main">
-  <p:cSld>
-    <p:spTree>
-      <p:nvGrpSpPr>
-        <p:cNvPr id="1" name=""/>
-        <p:cNvGrpSpPr/>
-        <p:nvPr/>
-      </p:nvGrpSpPr>
-      <p:grpSpPr>
-        <a:xfrm>
-          <a:off x="0" y="0"/>
-          <a:ext cx="0" cy="0"/>
-          <a:chOff x="0" y="0"/>
-          <a:chExt cx="0" cy="0"/>
-        </a:xfrm>
-      </p:grpSpPr>
-      <p:sp>
-        <p:nvSpPr>
-          <p:cNvPr id="2" name="Title 1">
-            <a:extLst>
-              <a:ext uri="{FF2B5EF4-FFF2-40B4-BE49-F238E27FC236}">
                 <a16:creationId xmlns:a16="http://schemas.microsoft.com/office/drawing/2014/main" id="{E5A4C5C7-3820-41CC-AF34-8BC8B48F9E86}"/>
               </a:ext>
             </a:extLst>
@@ -15332,7 +14965,7 @@
             <a:fld id="{D57F1E4F-1CFF-5643-939E-217C01CDF565}" type="slidenum">
               <a:rPr lang="en-US" smtClean="0"/>
               <a:pPr/>
-              <a:t>43</a:t>
+              <a:t>41</a:t>
             </a:fld>
             <a:endParaRPr lang="en-US" dirty="0"/>
           </a:p>
@@ -15351,7 +14984,7 @@
 </p:sld>
 </file>
 
-<file path=ppt/slides/slide44.xml><?xml version="1.0" encoding="utf-8"?>
+<file path=ppt/slides/slide42.xml><?xml version="1.0" encoding="utf-8"?>
 <p:sld xmlns:a="http://schemas.openxmlformats.org/drawingml/2006/main" xmlns:r="http://schemas.openxmlformats.org/officeDocument/2006/relationships" xmlns:p="http://schemas.openxmlformats.org/presentationml/2006/main">
   <p:cSld>
     <p:bg>
@@ -16045,7 +15678,7 @@
                   <a:spcPts val="600"/>
                 </a:spcAft>
               </a:pPr>
-              <a:t>44</a:t>
+              <a:t>42</a:t>
             </a:fld>
             <a:endParaRPr lang="en-US">
               <a:solidFill>
@@ -16068,7 +15701,7 @@
 </p:sld>
 </file>
 
-<file path=ppt/slides/slide45.xml><?xml version="1.0" encoding="utf-8"?>
+<file path=ppt/slides/slide43.xml><?xml version="1.0" encoding="utf-8"?>
 <p:sld xmlns:a="http://schemas.openxmlformats.org/drawingml/2006/main" xmlns:r="http://schemas.openxmlformats.org/officeDocument/2006/relationships" xmlns:p="http://schemas.openxmlformats.org/presentationml/2006/main">
   <p:cSld>
     <p:spTree>
@@ -16206,7 +15839,7 @@
             <a:fld id="{D57F1E4F-1CFF-5643-939E-217C01CDF565}" type="slidenum">
               <a:rPr lang="en-US" smtClean="0"/>
               <a:pPr/>
-              <a:t>45</a:t>
+              <a:t>43</a:t>
             </a:fld>
             <a:endParaRPr lang="en-US" dirty="0"/>
           </a:p>
@@ -16279,6 +15912,461 @@
 </p:sld>
 </file>
 
+<file path=ppt/slides/slide44.xml><?xml version="1.0" encoding="utf-8"?>
+<p:sld xmlns:a="http://schemas.openxmlformats.org/drawingml/2006/main" xmlns:r="http://schemas.openxmlformats.org/officeDocument/2006/relationships" xmlns:p="http://schemas.openxmlformats.org/presentationml/2006/main">
+  <p:cSld>
+    <p:spTree>
+      <p:nvGrpSpPr>
+        <p:cNvPr id="1" name=""/>
+        <p:cNvGrpSpPr/>
+        <p:nvPr/>
+      </p:nvGrpSpPr>
+      <p:grpSpPr>
+        <a:xfrm>
+          <a:off x="0" y="0"/>
+          <a:ext cx="0" cy="0"/>
+          <a:chOff x="0" y="0"/>
+          <a:chExt cx="0" cy="0"/>
+        </a:xfrm>
+      </p:grpSpPr>
+      <p:sp>
+        <p:nvSpPr>
+          <p:cNvPr id="2" name="Title 1">
+            <a:extLst>
+              <a:ext uri="{FF2B5EF4-FFF2-40B4-BE49-F238E27FC236}">
+                <a16:creationId xmlns:a16="http://schemas.microsoft.com/office/drawing/2014/main" id="{B910B8BA-7276-43F5-9ABF-18D28B6367D8}"/>
+              </a:ext>
+            </a:extLst>
+          </p:cNvPr>
+          <p:cNvSpPr>
+            <a:spLocks noGrp="1"/>
+          </p:cNvSpPr>
+          <p:nvPr>
+            <p:ph type="ctrTitle"/>
+          </p:nvPr>
+        </p:nvSpPr>
+        <p:spPr>
+          <a:xfrm>
+            <a:off x="1739673" y="914400"/>
+            <a:ext cx="6947127" cy="5568061"/>
+          </a:xfrm>
+        </p:spPr>
+        <p:txBody>
+          <a:bodyPr>
+            <a:normAutofit fontScale="90000"/>
+          </a:bodyPr>
+          <a:lstStyle/>
+          <a:p>
+            <a:pPr algn="l"/>
+            <a:r>
+              <a:rPr lang="en-US" sz="4000" dirty="0"/>
+              <a:t>Depth-Sensor</a:t>
+            </a:r>
+            <a:br>
+              <a:rPr lang="en-US" sz="4000" dirty="0"/>
+            </a:br>
+            <a:r>
+              <a:rPr lang="en-US" sz="4000" b="1" dirty="0"/>
+              <a:t>1.Kinect:</a:t>
+            </a:r>
+            <a:br>
+              <a:rPr lang="en-US" sz="4000" dirty="0"/>
+            </a:br>
+            <a:r>
+              <a:rPr lang="en-US" sz="3100" i="0" dirty="0">
+                <a:solidFill>
+                  <a:srgbClr val="202122"/>
+                </a:solidFill>
+                <a:effectLst/>
+                <a:latin typeface="Arial" panose="020B0604020202020204" pitchFamily="34" charset="0"/>
+              </a:rPr>
+              <a:t>Kinect (codenamed Project Natal during development) is a line of </a:t>
+            </a:r>
+            <a:r>
+              <a:rPr lang="en-US" sz="3100" i="0" u="none" strike="noStrike" dirty="0">
+                <a:solidFill>
+                  <a:srgbClr val="0B0080"/>
+                </a:solidFill>
+                <a:effectLst/>
+                <a:latin typeface="Arial" panose="020B0604020202020204" pitchFamily="34" charset="0"/>
+                <a:hlinkClick r:id="rId2" tooltip="Motion sensing"/>
+              </a:rPr>
+              <a:t>motion sensing</a:t>
+            </a:r>
+            <a:r>
+              <a:rPr lang="en-US" sz="3100" i="0" dirty="0">
+                <a:solidFill>
+                  <a:srgbClr val="202122"/>
+                </a:solidFill>
+                <a:effectLst/>
+                <a:latin typeface="Arial" panose="020B0604020202020204" pitchFamily="34" charset="0"/>
+              </a:rPr>
+              <a:t> </a:t>
+            </a:r>
+            <a:r>
+              <a:rPr lang="en-US" sz="3100" i="0" u="none" strike="noStrike" dirty="0">
+                <a:solidFill>
+                  <a:srgbClr val="0B0080"/>
+                </a:solidFill>
+                <a:effectLst/>
+                <a:latin typeface="Arial" panose="020B0604020202020204" pitchFamily="34" charset="0"/>
+                <a:hlinkClick r:id="rId3" tooltip="Input device"/>
+              </a:rPr>
+              <a:t>input devices</a:t>
+            </a:r>
+            <a:r>
+              <a:rPr lang="en-US" sz="3100" i="0" dirty="0">
+                <a:solidFill>
+                  <a:srgbClr val="202122"/>
+                </a:solidFill>
+                <a:effectLst/>
+                <a:latin typeface="Arial" panose="020B0604020202020204" pitchFamily="34" charset="0"/>
+              </a:rPr>
+              <a:t> produced by </a:t>
+            </a:r>
+            <a:r>
+              <a:rPr lang="en-US" sz="3100" i="0" u="none" strike="noStrike" dirty="0">
+                <a:solidFill>
+                  <a:srgbClr val="0B0080"/>
+                </a:solidFill>
+                <a:effectLst/>
+                <a:latin typeface="Arial" panose="020B0604020202020204" pitchFamily="34" charset="0"/>
+                <a:hlinkClick r:id="rId4" tooltip="Microsoft"/>
+              </a:rPr>
+              <a:t>Microsoft</a:t>
+            </a:r>
+            <a:r>
+              <a:rPr lang="en-US" sz="3100" i="0" dirty="0">
+                <a:solidFill>
+                  <a:srgbClr val="202122"/>
+                </a:solidFill>
+                <a:effectLst/>
+                <a:latin typeface="Arial" panose="020B0604020202020204" pitchFamily="34" charset="0"/>
+              </a:rPr>
+              <a:t> and first released in 2010. The technology includes a set of hardware originally developed by </a:t>
+            </a:r>
+            <a:r>
+              <a:rPr lang="en-US" sz="3100" i="0" u="none" strike="noStrike" dirty="0">
+                <a:solidFill>
+                  <a:srgbClr val="0B0080"/>
+                </a:solidFill>
+                <a:effectLst/>
+                <a:latin typeface="Arial" panose="020B0604020202020204" pitchFamily="34" charset="0"/>
+                <a:hlinkClick r:id="rId5" tooltip="PrimeSense"/>
+              </a:rPr>
+              <a:t>PrimeSense</a:t>
+            </a:r>
+            <a:r>
+              <a:rPr lang="en-US" sz="3100" i="0" dirty="0">
+                <a:solidFill>
+                  <a:srgbClr val="202122"/>
+                </a:solidFill>
+                <a:effectLst/>
+                <a:latin typeface="Arial" panose="020B0604020202020204" pitchFamily="34" charset="0"/>
+              </a:rPr>
+              <a:t>, incorporating </a:t>
+            </a:r>
+            <a:r>
+              <a:rPr lang="en-US" sz="3100" i="0" u="none" strike="noStrike" dirty="0">
+                <a:solidFill>
+                  <a:srgbClr val="0B0080"/>
+                </a:solidFill>
+                <a:effectLst/>
+                <a:latin typeface="Arial" panose="020B0604020202020204" pitchFamily="34" charset="0"/>
+                <a:hlinkClick r:id="rId6" tooltip="RGB color model"/>
+              </a:rPr>
+              <a:t>RGB</a:t>
+            </a:r>
+            <a:r>
+              <a:rPr lang="en-US" sz="3100" i="0" dirty="0">
+                <a:solidFill>
+                  <a:srgbClr val="202122"/>
+                </a:solidFill>
+                <a:effectLst/>
+                <a:latin typeface="Arial" panose="020B0604020202020204" pitchFamily="34" charset="0"/>
+              </a:rPr>
+              <a:t> cameras, </a:t>
+            </a:r>
+            <a:r>
+              <a:rPr lang="en-US" sz="3100" i="0" u="none" strike="noStrike" dirty="0">
+                <a:solidFill>
+                  <a:srgbClr val="0B0080"/>
+                </a:solidFill>
+                <a:effectLst/>
+                <a:latin typeface="Arial" panose="020B0604020202020204" pitchFamily="34" charset="0"/>
+                <a:hlinkClick r:id="rId7" tooltip="Thermographic camera"/>
+              </a:rPr>
+              <a:t>infrared</a:t>
+            </a:r>
+            <a:r>
+              <a:rPr lang="en-US" sz="3100" i="0" dirty="0">
+                <a:solidFill>
+                  <a:srgbClr val="202122"/>
+                </a:solidFill>
+                <a:effectLst/>
+                <a:latin typeface="Arial" panose="020B0604020202020204" pitchFamily="34" charset="0"/>
+              </a:rPr>
+              <a:t> </a:t>
+            </a:r>
+            <a:br>
+              <a:rPr lang="en-US" sz="3100" i="0" dirty="0">
+                <a:solidFill>
+                  <a:srgbClr val="202122"/>
+                </a:solidFill>
+                <a:effectLst/>
+                <a:latin typeface="Arial" panose="020B0604020202020204" pitchFamily="34" charset="0"/>
+              </a:rPr>
+            </a:br>
+            <a:r>
+              <a:rPr lang="en-US" sz="3100" i="0" dirty="0">
+                <a:solidFill>
+                  <a:srgbClr val="202122"/>
+                </a:solidFill>
+                <a:effectLst/>
+                <a:latin typeface="Arial" panose="020B0604020202020204" pitchFamily="34" charset="0"/>
+              </a:rPr>
+              <a:t>projectors and detectors that mapped depth through either </a:t>
+            </a:r>
+            <a:r>
+              <a:rPr lang="en-US" sz="3100" i="0" u="none" strike="noStrike" dirty="0">
+                <a:solidFill>
+                  <a:srgbClr val="3085ED"/>
+                </a:solidFill>
+                <a:effectLst/>
+                <a:latin typeface="Arial" panose="020B0604020202020204" pitchFamily="34" charset="0"/>
+                <a:hlinkClick r:id="rId8" tooltip="Structured light">
+                  <a:extLst>
+                    <a:ext uri="{A12FA001-AC4F-418D-AE19-62706E023703}">
+                      <ahyp:hlinkClr xmlns:ahyp="http://schemas.microsoft.com/office/drawing/2018/hyperlinkcolor" val="tx"/>
+                    </a:ext>
+                  </a:extLst>
+                </a:hlinkClick>
+              </a:rPr>
+              <a:t>structured </a:t>
+            </a:r>
+            <a:r>
+              <a:rPr lang="en-US" sz="3100" i="0" strike="noStrike" dirty="0">
+                <a:effectLst/>
+                <a:latin typeface="Arial" panose="020B0604020202020204" pitchFamily="34" charset="0"/>
+                <a:hlinkClick r:id="rId8" tooltip="Structured light">
+                  <a:extLst>
+                    <a:ext uri="{A12FA001-AC4F-418D-AE19-62706E023703}">
+                      <ahyp:hlinkClr xmlns:ahyp="http://schemas.microsoft.com/office/drawing/2018/hyperlinkcolor" val="tx"/>
+                    </a:ext>
+                  </a:extLst>
+                </a:hlinkClick>
+              </a:rPr>
+              <a:t>light</a:t>
+            </a:r>
+            <a:r>
+              <a:rPr lang="en-US" sz="3100" i="0" dirty="0">
+                <a:solidFill>
+                  <a:srgbClr val="202122"/>
+                </a:solidFill>
+                <a:effectLst/>
+                <a:latin typeface="Arial" panose="020B0604020202020204" pitchFamily="34" charset="0"/>
+              </a:rPr>
+              <a:t> or </a:t>
+            </a:r>
+            <a:r>
+              <a:rPr lang="en-US" sz="3100" i="0" u="none" strike="noStrike" dirty="0">
+                <a:solidFill>
+                  <a:srgbClr val="0B0080"/>
+                </a:solidFill>
+                <a:effectLst/>
+                <a:latin typeface="Arial" panose="020B0604020202020204" pitchFamily="34" charset="0"/>
+                <a:hlinkClick r:id="rId9" tooltip="Time of flight"/>
+              </a:rPr>
+              <a:t>time of flight</a:t>
+            </a:r>
+            <a:r>
+              <a:rPr lang="en-US" sz="3100" i="0" dirty="0">
+                <a:solidFill>
+                  <a:srgbClr val="202122"/>
+                </a:solidFill>
+                <a:effectLst/>
+                <a:latin typeface="Arial" panose="020B0604020202020204" pitchFamily="34" charset="0"/>
+              </a:rPr>
+              <a:t> calculations, and a microphone array</a:t>
+            </a:r>
+            <a:br>
+              <a:rPr lang="en-US" sz="3100" dirty="0"/>
+            </a:br>
+            <a:endParaRPr lang="en-US" sz="3100" dirty="0"/>
+          </a:p>
+        </p:txBody>
+      </p:sp>
+      <p:sp>
+        <p:nvSpPr>
+          <p:cNvPr id="4" name="Slide Number Placeholder 3">
+            <a:extLst>
+              <a:ext uri="{FF2B5EF4-FFF2-40B4-BE49-F238E27FC236}">
+                <a16:creationId xmlns:a16="http://schemas.microsoft.com/office/drawing/2014/main" id="{E4B467D5-E581-4EC0-A79B-7B5C1C75D0CD}"/>
+              </a:ext>
+            </a:extLst>
+          </p:cNvPr>
+          <p:cNvSpPr>
+            <a:spLocks noGrp="1"/>
+          </p:cNvSpPr>
+          <p:nvPr>
+            <p:ph type="sldNum" sz="quarter" idx="12"/>
+          </p:nvPr>
+        </p:nvSpPr>
+        <p:spPr/>
+        <p:txBody>
+          <a:bodyPr/>
+          <a:lstStyle/>
+          <a:p>
+            <a:fld id="{D57F1E4F-1CFF-5643-939E-217C01CDF565}" type="slidenum">
+              <a:rPr lang="en-US" smtClean="0"/>
+              <a:pPr/>
+              <a:t>44</a:t>
+            </a:fld>
+            <a:endParaRPr lang="en-US" dirty="0"/>
+          </a:p>
+        </p:txBody>
+      </p:sp>
+    </p:spTree>
+    <p:extLst>
+      <p:ext uri="{BB962C8B-B14F-4D97-AF65-F5344CB8AC3E}">
+        <p14:creationId xmlns:p14="http://schemas.microsoft.com/office/powerpoint/2010/main" val="119977472"/>
+      </p:ext>
+    </p:extLst>
+  </p:cSld>
+  <p:clrMapOvr>
+    <a:masterClrMapping/>
+  </p:clrMapOvr>
+</p:sld>
+</file>
+
+<file path=ppt/slides/slide45.xml><?xml version="1.0" encoding="utf-8"?>
+<p:sld xmlns:a="http://schemas.openxmlformats.org/drawingml/2006/main" xmlns:r="http://schemas.openxmlformats.org/officeDocument/2006/relationships" xmlns:p="http://schemas.openxmlformats.org/presentationml/2006/main">
+  <p:cSld>
+    <p:spTree>
+      <p:nvGrpSpPr>
+        <p:cNvPr id="1" name=""/>
+        <p:cNvGrpSpPr/>
+        <p:nvPr/>
+      </p:nvGrpSpPr>
+      <p:grpSpPr>
+        <a:xfrm>
+          <a:off x="0" y="0"/>
+          <a:ext cx="0" cy="0"/>
+          <a:chOff x="0" y="0"/>
+          <a:chExt cx="0" cy="0"/>
+        </a:xfrm>
+      </p:grpSpPr>
+      <p:sp>
+        <p:nvSpPr>
+          <p:cNvPr id="2" name="Title 1">
+            <a:extLst>
+              <a:ext uri="{FF2B5EF4-FFF2-40B4-BE49-F238E27FC236}">
+                <a16:creationId xmlns:a16="http://schemas.microsoft.com/office/drawing/2014/main" id="{E55B1EC8-4142-48FE-92C6-7A204EE0572C}"/>
+              </a:ext>
+            </a:extLst>
+          </p:cNvPr>
+          <p:cNvSpPr>
+            <a:spLocks noGrp="1"/>
+          </p:cNvSpPr>
+          <p:nvPr>
+            <p:ph type="ctrTitle"/>
+          </p:nvPr>
+        </p:nvSpPr>
+        <p:spPr>
+          <a:xfrm>
+            <a:off x="1739673" y="0"/>
+            <a:ext cx="6947127" cy="5072063"/>
+          </a:xfrm>
+        </p:spPr>
+        <p:txBody>
+          <a:bodyPr>
+            <a:normAutofit/>
+          </a:bodyPr>
+          <a:lstStyle/>
+          <a:p>
+            <a:pPr algn="l"/>
+            <a:r>
+              <a:rPr lang="en-US" sz="4000" b="1" dirty="0"/>
+              <a:t>Pre-processing:</a:t>
+            </a:r>
+            <a:br>
+              <a:rPr lang="en-US" sz="4000" dirty="0"/>
+            </a:br>
+            <a:r>
+              <a:rPr lang="en-US" sz="2800" dirty="0"/>
+              <a:t>1. Getting data from Kinect Infrared Sensor</a:t>
+            </a:r>
+            <a:br>
+              <a:rPr lang="en-US" sz="2800" dirty="0"/>
+            </a:br>
+            <a:r>
+              <a:rPr lang="en-US" sz="2800" dirty="0"/>
+              <a:t>2. Depth base filtering</a:t>
+            </a:r>
+            <a:br>
+              <a:rPr lang="en-US" sz="4000" dirty="0"/>
+            </a:br>
+            <a:r>
+              <a:rPr lang="en-US" sz="2800" dirty="0"/>
+              <a:t>3. Removing Noise ( filtering)</a:t>
+            </a:r>
+            <a:br>
+              <a:rPr lang="en-US" sz="2800" dirty="0"/>
+            </a:br>
+            <a:r>
+              <a:rPr lang="en-US" sz="2800" dirty="0"/>
+              <a:t>4. Converting Data into volumetric Representation.</a:t>
+            </a:r>
+            <a:br>
+              <a:rPr lang="en-US" sz="2800" dirty="0"/>
+            </a:br>
+            <a:endParaRPr lang="en-US" sz="4000" dirty="0"/>
+          </a:p>
+        </p:txBody>
+      </p:sp>
+      <p:sp>
+        <p:nvSpPr>
+          <p:cNvPr id="4" name="Slide Number Placeholder 3">
+            <a:extLst>
+              <a:ext uri="{FF2B5EF4-FFF2-40B4-BE49-F238E27FC236}">
+                <a16:creationId xmlns:a16="http://schemas.microsoft.com/office/drawing/2014/main" id="{D212E795-5CF1-4B4A-BD68-EF62827F0BAE}"/>
+              </a:ext>
+            </a:extLst>
+          </p:cNvPr>
+          <p:cNvSpPr>
+            <a:spLocks noGrp="1"/>
+          </p:cNvSpPr>
+          <p:nvPr>
+            <p:ph type="sldNum" sz="quarter" idx="12"/>
+          </p:nvPr>
+        </p:nvSpPr>
+        <p:spPr/>
+        <p:txBody>
+          <a:bodyPr/>
+          <a:lstStyle/>
+          <a:p>
+            <a:fld id="{D57F1E4F-1CFF-5643-939E-217C01CDF565}" type="slidenum">
+              <a:rPr lang="en-US" smtClean="0"/>
+              <a:pPr/>
+              <a:t>45</a:t>
+            </a:fld>
+            <a:endParaRPr lang="en-US" dirty="0"/>
+          </a:p>
+        </p:txBody>
+      </p:sp>
+    </p:spTree>
+    <p:extLst>
+      <p:ext uri="{BB962C8B-B14F-4D97-AF65-F5344CB8AC3E}">
+        <p14:creationId xmlns:p14="http://schemas.microsoft.com/office/powerpoint/2010/main" val="3957775745"/>
+      </p:ext>
+    </p:extLst>
+  </p:cSld>
+  <p:clrMapOvr>
+    <a:masterClrMapping/>
+  </p:clrMapOvr>
+</p:sld>
+</file>
+
 <file path=ppt/slides/slide46.xml><?xml version="1.0" encoding="utf-8"?>
 <p:sld xmlns:a="http://schemas.openxmlformats.org/drawingml/2006/main" xmlns:r="http://schemas.openxmlformats.org/officeDocument/2006/relationships" xmlns:p="http://schemas.openxmlformats.org/presentationml/2006/main">
   <p:cSld>
@@ -16301,7 +16389,7 @@
           <p:cNvPr id="2" name="Title 1">
             <a:extLst>
               <a:ext uri="{FF2B5EF4-FFF2-40B4-BE49-F238E27FC236}">
-                <a16:creationId xmlns:a16="http://schemas.microsoft.com/office/drawing/2014/main" id="{B910B8BA-7276-43F5-9ABF-18D28B6367D8}"/>
+                <a16:creationId xmlns:a16="http://schemas.microsoft.com/office/drawing/2014/main" id="{DFE44180-8ECF-444E-B508-7B3D7AE2DB57}"/>
               </a:ext>
             </a:extLst>
           </p:cNvPr>
@@ -16315,251 +16403,53 @@
         <p:spPr>
           <a:xfrm>
             <a:off x="1739673" y="914400"/>
-            <a:ext cx="6947127" cy="5568061"/>
+            <a:ext cx="6947127" cy="4071938"/>
           </a:xfrm>
         </p:spPr>
         <p:txBody>
           <a:bodyPr>
-            <a:normAutofit fontScale="90000"/>
+            <a:normAutofit/>
           </a:bodyPr>
           <a:lstStyle/>
           <a:p>
             <a:pPr algn="l"/>
             <a:r>
               <a:rPr lang="en-US" sz="4000" dirty="0"/>
-              <a:t>Depth-Sensor</a:t>
+              <a:t>3D CNN:</a:t>
             </a:r>
             <a:br>
-              <a:rPr lang="en-US" sz="4000" dirty="0"/>
+              <a:rPr lang="en-US" sz="3600" dirty="0"/>
             </a:br>
             <a:r>
-              <a:rPr lang="en-US" sz="4000" b="1" dirty="0"/>
-              <a:t>1.Kinect:</a:t>
+              <a:rPr lang="en-US" sz="2800" dirty="0"/>
+              <a:t>1. Make optimizations in the 3D CNN Architecture in </a:t>
+            </a:r>
+            <a:r>
+              <a:rPr lang="en-US" sz="2400" b="1" dirty="0"/>
+              <a:t>Ge L, L. H. (2019).</a:t>
             </a:r>
             <a:br>
-              <a:rPr lang="en-US" sz="4000" dirty="0"/>
+              <a:rPr lang="en-US" sz="2400" b="1" dirty="0"/>
             </a:br>
             <a:r>
-              <a:rPr lang="en-US" sz="3100" i="0" dirty="0">
-                <a:solidFill>
-                  <a:srgbClr val="202122"/>
-                </a:solidFill>
-                <a:effectLst/>
-                <a:latin typeface="Arial" panose="020B0604020202020204" pitchFamily="34" charset="0"/>
-              </a:rPr>
-              <a:t>Kinect (codenamed Project Natal during development) is a line of </a:t>
-            </a:r>
-            <a:r>
-              <a:rPr lang="en-US" sz="3100" i="0" u="none" strike="noStrike" dirty="0">
-                <a:solidFill>
-                  <a:srgbClr val="0B0080"/>
-                </a:solidFill>
-                <a:effectLst/>
-                <a:latin typeface="Arial" panose="020B0604020202020204" pitchFamily="34" charset="0"/>
-                <a:hlinkClick r:id="rId2" tooltip="Motion sensing"/>
-              </a:rPr>
-              <a:t>motion sensing</a:t>
-            </a:r>
-            <a:r>
-              <a:rPr lang="en-US" sz="3100" i="0" dirty="0">
-                <a:solidFill>
-                  <a:srgbClr val="202122"/>
-                </a:solidFill>
-                <a:effectLst/>
-                <a:latin typeface="Arial" panose="020B0604020202020204" pitchFamily="34" charset="0"/>
-              </a:rPr>
-              <a:t> </a:t>
-            </a:r>
-            <a:r>
-              <a:rPr lang="en-US" sz="3100" i="0" u="none" strike="noStrike" dirty="0">
-                <a:solidFill>
-                  <a:srgbClr val="0B0080"/>
-                </a:solidFill>
-                <a:effectLst/>
-                <a:latin typeface="Arial" panose="020B0604020202020204" pitchFamily="34" charset="0"/>
-                <a:hlinkClick r:id="rId3" tooltip="Input device"/>
-              </a:rPr>
-              <a:t>input devices</a:t>
-            </a:r>
-            <a:r>
-              <a:rPr lang="en-US" sz="3100" i="0" dirty="0">
-                <a:solidFill>
-                  <a:srgbClr val="202122"/>
-                </a:solidFill>
-                <a:effectLst/>
-                <a:latin typeface="Arial" panose="020B0604020202020204" pitchFamily="34" charset="0"/>
-              </a:rPr>
-              <a:t> produced by </a:t>
-            </a:r>
-            <a:r>
-              <a:rPr lang="en-US" sz="3100" i="0" u="none" strike="noStrike" dirty="0">
-                <a:solidFill>
-                  <a:srgbClr val="0B0080"/>
-                </a:solidFill>
-                <a:effectLst/>
-                <a:latin typeface="Arial" panose="020B0604020202020204" pitchFamily="34" charset="0"/>
-                <a:hlinkClick r:id="rId4" tooltip="Microsoft"/>
-              </a:rPr>
-              <a:t>Microsoft</a:t>
-            </a:r>
-            <a:r>
-              <a:rPr lang="en-US" sz="3100" i="0" dirty="0">
-                <a:solidFill>
-                  <a:srgbClr val="202122"/>
-                </a:solidFill>
-                <a:effectLst/>
-                <a:latin typeface="Arial" panose="020B0604020202020204" pitchFamily="34" charset="0"/>
-              </a:rPr>
-              <a:t> and first released in 2010. The technology includes a set of hardware originally developed by </a:t>
-            </a:r>
-            <a:r>
-              <a:rPr lang="en-US" sz="3100" i="0" u="none" strike="noStrike" dirty="0">
-                <a:solidFill>
-                  <a:srgbClr val="0B0080"/>
-                </a:solidFill>
-                <a:effectLst/>
-                <a:latin typeface="Arial" panose="020B0604020202020204" pitchFamily="34" charset="0"/>
-                <a:hlinkClick r:id="rId5" tooltip="PrimeSense"/>
-              </a:rPr>
-              <a:t>PrimeSense</a:t>
-            </a:r>
-            <a:r>
-              <a:rPr lang="en-US" sz="3100" i="0" dirty="0">
-                <a:solidFill>
-                  <a:srgbClr val="202122"/>
-                </a:solidFill>
-                <a:effectLst/>
-                <a:latin typeface="Arial" panose="020B0604020202020204" pitchFamily="34" charset="0"/>
-              </a:rPr>
-              <a:t>, incorporating </a:t>
-            </a:r>
-            <a:r>
-              <a:rPr lang="en-US" sz="3100" i="0" u="none" strike="noStrike" dirty="0">
-                <a:solidFill>
-                  <a:srgbClr val="0B0080"/>
-                </a:solidFill>
-                <a:effectLst/>
-                <a:latin typeface="Arial" panose="020B0604020202020204" pitchFamily="34" charset="0"/>
-                <a:hlinkClick r:id="rId6" tooltip="RGB color model"/>
-              </a:rPr>
-              <a:t>RGB</a:t>
-            </a:r>
-            <a:r>
-              <a:rPr lang="en-US" sz="3100" i="0" dirty="0">
-                <a:solidFill>
-                  <a:srgbClr val="202122"/>
-                </a:solidFill>
-                <a:effectLst/>
-                <a:latin typeface="Arial" panose="020B0604020202020204" pitchFamily="34" charset="0"/>
-              </a:rPr>
-              <a:t> cameras, </a:t>
-            </a:r>
-            <a:r>
-              <a:rPr lang="en-US" sz="3100" i="0" u="none" strike="noStrike" dirty="0">
-                <a:solidFill>
-                  <a:srgbClr val="0B0080"/>
-                </a:solidFill>
-                <a:effectLst/>
-                <a:latin typeface="Arial" panose="020B0604020202020204" pitchFamily="34" charset="0"/>
-                <a:hlinkClick r:id="rId7" tooltip="Thermographic camera"/>
-              </a:rPr>
-              <a:t>infrared</a:t>
-            </a:r>
-            <a:r>
-              <a:rPr lang="en-US" sz="3100" i="0" dirty="0">
-                <a:solidFill>
-                  <a:srgbClr val="202122"/>
-                </a:solidFill>
-                <a:effectLst/>
-                <a:latin typeface="Arial" panose="020B0604020202020204" pitchFamily="34" charset="0"/>
-              </a:rPr>
-              <a:t> </a:t>
+              <a:rPr lang="en-US" sz="2400" b="1" dirty="0"/>
+              <a:t>2. </a:t>
+            </a:r>
+            <a:r>
+              <a:rPr lang="en-US" sz="2400" dirty="0"/>
+              <a:t>Benchmark our architecture and one purposed in </a:t>
+            </a:r>
+            <a:r>
+              <a:rPr lang="en-US" sz="2400" b="1" dirty="0"/>
+              <a:t>Ge L, L. H. (2019).</a:t>
             </a:r>
             <a:br>
-              <a:rPr lang="en-US" sz="3100" i="0" dirty="0">
-                <a:solidFill>
-                  <a:srgbClr val="202122"/>
-                </a:solidFill>
-                <a:effectLst/>
-                <a:latin typeface="Arial" panose="020B0604020202020204" pitchFamily="34" charset="0"/>
-              </a:rPr>
+              <a:rPr lang="en-US" sz="2400" b="1" dirty="0"/>
             </a:br>
-            <a:r>
-              <a:rPr lang="en-US" sz="3100" i="0" dirty="0">
-                <a:solidFill>
-                  <a:srgbClr val="202122"/>
-                </a:solidFill>
-                <a:effectLst/>
-                <a:latin typeface="Arial" panose="020B0604020202020204" pitchFamily="34" charset="0"/>
-              </a:rPr>
-              <a:t>projectors and detectors that mapped depth through either </a:t>
-            </a:r>
-            <a:r>
-              <a:rPr lang="en-US" sz="3100" i="0" u="none" strike="noStrike" dirty="0">
-                <a:solidFill>
-                  <a:srgbClr val="3085ED"/>
-                </a:solidFill>
-                <a:effectLst/>
-                <a:latin typeface="Arial" panose="020B0604020202020204" pitchFamily="34" charset="0"/>
-                <a:hlinkClick r:id="rId8" tooltip="Structured light">
-                  <a:extLst>
-                    <a:ext uri="{A12FA001-AC4F-418D-AE19-62706E023703}">
-                      <ahyp:hlinkClr xmlns:ahyp="http://schemas.microsoft.com/office/drawing/2018/hyperlinkcolor" val="tx"/>
-                    </a:ext>
-                  </a:extLst>
-                </a:hlinkClick>
-              </a:rPr>
-              <a:t>structured </a:t>
-            </a:r>
-            <a:r>
-              <a:rPr lang="en-US" sz="3100" i="0" strike="noStrike" dirty="0">
-                <a:effectLst/>
-                <a:latin typeface="Arial" panose="020B0604020202020204" pitchFamily="34" charset="0"/>
-                <a:hlinkClick r:id="rId8" tooltip="Structured light">
-                  <a:extLst>
-                    <a:ext uri="{A12FA001-AC4F-418D-AE19-62706E023703}">
-                      <ahyp:hlinkClr xmlns:ahyp="http://schemas.microsoft.com/office/drawing/2018/hyperlinkcolor" val="tx"/>
-                    </a:ext>
-                  </a:extLst>
-                </a:hlinkClick>
-              </a:rPr>
-              <a:t>light</a:t>
-            </a:r>
-            <a:r>
-              <a:rPr lang="en-US" sz="3100" i="0" dirty="0">
-                <a:solidFill>
-                  <a:srgbClr val="202122"/>
-                </a:solidFill>
-                <a:effectLst/>
-                <a:latin typeface="Arial" panose="020B0604020202020204" pitchFamily="34" charset="0"/>
-              </a:rPr>
-              <a:t> or </a:t>
-            </a:r>
-            <a:r>
-              <a:rPr lang="en-US" sz="3100" i="0" u="none" strike="noStrike" dirty="0">
-                <a:solidFill>
-                  <a:srgbClr val="0B0080"/>
-                </a:solidFill>
-                <a:effectLst/>
-                <a:latin typeface="Arial" panose="020B0604020202020204" pitchFamily="34" charset="0"/>
-                <a:hlinkClick r:id="rId9" tooltip="Time of flight"/>
-              </a:rPr>
-              <a:t>time of flight</a:t>
-            </a:r>
-            <a:r>
-              <a:rPr lang="en-US" sz="3100" i="0" dirty="0">
-                <a:solidFill>
-                  <a:srgbClr val="202122"/>
-                </a:solidFill>
-                <a:effectLst/>
-                <a:latin typeface="Arial" panose="020B0604020202020204" pitchFamily="34" charset="0"/>
-              </a:rPr>
-              <a:t> calculations, and a microphone array</a:t>
-            </a:r>
             <a:br>
-              <a:rPr lang="en-US" sz="3100" dirty="0"/>
+              <a:rPr lang="en-US" dirty="0"/>
             </a:br>
-            <a:endParaRPr lang="en-US" sz="3100" dirty="0"/>
+            <a:endParaRPr lang="en-US" dirty="0"/>
           </a:p>
         </p:txBody>
       </p:sp>
@@ -16568,7 +16458,7 @@
           <p:cNvPr id="4" name="Slide Number Placeholder 3">
             <a:extLst>
               <a:ext uri="{FF2B5EF4-FFF2-40B4-BE49-F238E27FC236}">
-                <a16:creationId xmlns:a16="http://schemas.microsoft.com/office/drawing/2014/main" id="{E4B467D5-E581-4EC0-A79B-7B5C1C75D0CD}"/>
+                <a16:creationId xmlns:a16="http://schemas.microsoft.com/office/drawing/2014/main" id="{ED4FACB9-FB83-4A3C-81C3-78DC3C516F3B}"/>
               </a:ext>
             </a:extLst>
           </p:cNvPr>
@@ -16596,7 +16486,7 @@
     </p:spTree>
     <p:extLst>
       <p:ext uri="{BB962C8B-B14F-4D97-AF65-F5344CB8AC3E}">
-        <p14:creationId xmlns:p14="http://schemas.microsoft.com/office/powerpoint/2010/main" val="119977472"/>
+        <p14:creationId xmlns:p14="http://schemas.microsoft.com/office/powerpoint/2010/main" val="110196947"/>
       </p:ext>
     </p:extLst>
   </p:cSld>
@@ -16628,7 +16518,7 @@
           <p:cNvPr id="2" name="Title 1">
             <a:extLst>
               <a:ext uri="{FF2B5EF4-FFF2-40B4-BE49-F238E27FC236}">
-                <a16:creationId xmlns:a16="http://schemas.microsoft.com/office/drawing/2014/main" id="{E55B1EC8-4142-48FE-92C6-7A204EE0572C}"/>
+                <a16:creationId xmlns:a16="http://schemas.microsoft.com/office/drawing/2014/main" id="{AF0F9D16-34DF-4DA8-BC06-2083236D47B4}"/>
               </a:ext>
             </a:extLst>
           </p:cNvPr>
@@ -16641,8 +16531,8 @@
         </p:nvSpPr>
         <p:spPr>
           <a:xfrm>
-            <a:off x="1739673" y="0"/>
-            <a:ext cx="6947127" cy="5072063"/>
+            <a:off x="1739673" y="914401"/>
+            <a:ext cx="6947127" cy="4800599"/>
           </a:xfrm>
         </p:spPr>
         <p:txBody>
@@ -16653,41 +16543,44 @@
           <a:p>
             <a:pPr algn="l"/>
             <a:r>
-              <a:rPr lang="en-US" sz="4000" b="1" dirty="0"/>
-              <a:t>Pre-processing:</a:t>
+              <a:rPr lang="en-US" sz="4800" dirty="0"/>
+              <a:t>API</a:t>
             </a:r>
             <a:br>
-              <a:rPr lang="en-US" sz="4000" dirty="0"/>
+              <a:rPr lang="en-US" sz="4800" dirty="0"/>
             </a:br>
-            <a:r>
-              <a:rPr lang="en-US" sz="2800" dirty="0"/>
-              <a:t>1. Getting data from Kinect Infrared Sensor</a:t>
-            </a:r>
             <a:br>
-              <a:rPr lang="en-US" sz="2800" dirty="0"/>
+              <a:rPr lang="en-US" sz="4800" dirty="0"/>
             </a:br>
             <a:r>
-              <a:rPr lang="en-US" sz="2800" dirty="0"/>
-              <a:t>2. Depth base filtering</a:t>
+              <a:rPr lang="en-US" sz="2400" dirty="0"/>
+              <a:t>1.Resolve Input from Kinect.</a:t>
             </a:r>
             <a:br>
-              <a:rPr lang="en-US" sz="4000" dirty="0"/>
+              <a:rPr lang="en-US" sz="2400" dirty="0"/>
             </a:br>
             <a:r>
-              <a:rPr lang="en-US" sz="2800" dirty="0"/>
-              <a:t>3. Removing Noise ( filtering)</a:t>
+              <a:rPr lang="en-US" sz="2400" dirty="0"/>
+              <a:t>2. Build Project(DLL) files of the whole project.</a:t>
             </a:r>
             <a:br>
-              <a:rPr lang="en-US" sz="2800" dirty="0"/>
+              <a:rPr lang="en-US" sz="2400" dirty="0"/>
             </a:br>
             <a:r>
-              <a:rPr lang="en-US" sz="2800" dirty="0"/>
-              <a:t>4. Converting Data into volumetric Representation.</a:t>
+              <a:rPr lang="en-US" sz="2400" dirty="0"/>
+              <a:t>3. Manage dependencies and compatibility on the system on which API is to be used.</a:t>
             </a:r>
             <a:br>
-              <a:rPr lang="en-US" sz="2800" dirty="0"/>
+              <a:rPr lang="en-US" sz="2400" dirty="0"/>
             </a:br>
-            <a:endParaRPr lang="en-US" sz="4000" dirty="0"/>
+            <a:r>
+              <a:rPr lang="en-US" sz="2400" dirty="0"/>
+              <a:t>4. Porotype the API and test it on different Hardware and Operating System configuration</a:t>
+            </a:r>
+            <a:br>
+              <a:rPr lang="en-US" sz="2400" dirty="0"/>
+            </a:br>
+            <a:endParaRPr lang="en-US" sz="4800" dirty="0"/>
           </a:p>
         </p:txBody>
       </p:sp>
@@ -16696,7 +16589,7 @@
           <p:cNvPr id="4" name="Slide Number Placeholder 3">
             <a:extLst>
               <a:ext uri="{FF2B5EF4-FFF2-40B4-BE49-F238E27FC236}">
-                <a16:creationId xmlns:a16="http://schemas.microsoft.com/office/drawing/2014/main" id="{D212E795-5CF1-4B4A-BD68-EF62827F0BAE}"/>
+                <a16:creationId xmlns:a16="http://schemas.microsoft.com/office/drawing/2014/main" id="{0E5BA98A-0ACA-42ED-A19A-3AA66B8247FA}"/>
               </a:ext>
             </a:extLst>
           </p:cNvPr>
@@ -16724,7 +16617,7 @@
     </p:spTree>
     <p:extLst>
       <p:ext uri="{BB962C8B-B14F-4D97-AF65-F5344CB8AC3E}">
-        <p14:creationId xmlns:p14="http://schemas.microsoft.com/office/powerpoint/2010/main" val="3957775745"/>
+        <p14:creationId xmlns:p14="http://schemas.microsoft.com/office/powerpoint/2010/main" val="2183038440"/>
       </p:ext>
     </p:extLst>
   </p:cSld>
@@ -16753,616 +16646,6 @@
       </p:grpSpPr>
       <p:sp>
         <p:nvSpPr>
-          <p:cNvPr id="2" name="Title 1">
-            <a:extLst>
-              <a:ext uri="{FF2B5EF4-FFF2-40B4-BE49-F238E27FC236}">
-                <a16:creationId xmlns:a16="http://schemas.microsoft.com/office/drawing/2014/main" id="{DFE44180-8ECF-444E-B508-7B3D7AE2DB57}"/>
-              </a:ext>
-            </a:extLst>
-          </p:cNvPr>
-          <p:cNvSpPr>
-            <a:spLocks noGrp="1"/>
-          </p:cNvSpPr>
-          <p:nvPr>
-            <p:ph type="ctrTitle"/>
-          </p:nvPr>
-        </p:nvSpPr>
-        <p:spPr>
-          <a:xfrm>
-            <a:off x="1739673" y="914400"/>
-            <a:ext cx="6947127" cy="4071938"/>
-          </a:xfrm>
-        </p:spPr>
-        <p:txBody>
-          <a:bodyPr>
-            <a:normAutofit/>
-          </a:bodyPr>
-          <a:lstStyle/>
-          <a:p>
-            <a:pPr algn="l"/>
-            <a:r>
-              <a:rPr lang="en-US" sz="4000" dirty="0"/>
-              <a:t>3D CNN:</a:t>
-            </a:r>
-            <a:br>
-              <a:rPr lang="en-US" sz="3600" dirty="0"/>
-            </a:br>
-            <a:r>
-              <a:rPr lang="en-US" sz="2800" dirty="0"/>
-              <a:t>1. Make optimizations in the 3D CNN Architecture in </a:t>
-            </a:r>
-            <a:r>
-              <a:rPr lang="en-US" sz="2400" b="1" dirty="0"/>
-              <a:t>Ge L, L. H. (2019).</a:t>
-            </a:r>
-            <a:br>
-              <a:rPr lang="en-US" sz="2400" b="1" dirty="0"/>
-            </a:br>
-            <a:r>
-              <a:rPr lang="en-US" sz="2400" b="1" dirty="0"/>
-              <a:t>2. </a:t>
-            </a:r>
-            <a:r>
-              <a:rPr lang="en-US" sz="2400" dirty="0"/>
-              <a:t>Benchmark our architecture and one purposed in </a:t>
-            </a:r>
-            <a:r>
-              <a:rPr lang="en-US" sz="2400" b="1" dirty="0"/>
-              <a:t>Ge L, L. H. (2019).</a:t>
-            </a:r>
-            <a:br>
-              <a:rPr lang="en-US" sz="2400" b="1" dirty="0"/>
-            </a:br>
-            <a:br>
-              <a:rPr lang="en-US" dirty="0"/>
-            </a:br>
-            <a:endParaRPr lang="en-US" dirty="0"/>
-          </a:p>
-        </p:txBody>
-      </p:sp>
-      <p:sp>
-        <p:nvSpPr>
-          <p:cNvPr id="4" name="Slide Number Placeholder 3">
-            <a:extLst>
-              <a:ext uri="{FF2B5EF4-FFF2-40B4-BE49-F238E27FC236}">
-                <a16:creationId xmlns:a16="http://schemas.microsoft.com/office/drawing/2014/main" id="{ED4FACB9-FB83-4A3C-81C3-78DC3C516F3B}"/>
-              </a:ext>
-            </a:extLst>
-          </p:cNvPr>
-          <p:cNvSpPr>
-            <a:spLocks noGrp="1"/>
-          </p:cNvSpPr>
-          <p:nvPr>
-            <p:ph type="sldNum" sz="quarter" idx="12"/>
-          </p:nvPr>
-        </p:nvSpPr>
-        <p:spPr/>
-        <p:txBody>
-          <a:bodyPr/>
-          <a:lstStyle/>
-          <a:p>
-            <a:fld id="{D57F1E4F-1CFF-5643-939E-217C01CDF565}" type="slidenum">
-              <a:rPr lang="en-US" smtClean="0"/>
-              <a:pPr/>
-              <a:t>48</a:t>
-            </a:fld>
-            <a:endParaRPr lang="en-US" dirty="0"/>
-          </a:p>
-        </p:txBody>
-      </p:sp>
-    </p:spTree>
-    <p:extLst>
-      <p:ext uri="{BB962C8B-B14F-4D97-AF65-F5344CB8AC3E}">
-        <p14:creationId xmlns:p14="http://schemas.microsoft.com/office/powerpoint/2010/main" val="110196947"/>
-      </p:ext>
-    </p:extLst>
-  </p:cSld>
-  <p:clrMapOvr>
-    <a:masterClrMapping/>
-  </p:clrMapOvr>
-</p:sld>
-</file>
-
-<file path=ppt/slides/slide49.xml><?xml version="1.0" encoding="utf-8"?>
-<p:sld xmlns:a="http://schemas.openxmlformats.org/drawingml/2006/main" xmlns:r="http://schemas.openxmlformats.org/officeDocument/2006/relationships" xmlns:p="http://schemas.openxmlformats.org/presentationml/2006/main">
-  <p:cSld>
-    <p:spTree>
-      <p:nvGrpSpPr>
-        <p:cNvPr id="1" name=""/>
-        <p:cNvGrpSpPr/>
-        <p:nvPr/>
-      </p:nvGrpSpPr>
-      <p:grpSpPr>
-        <a:xfrm>
-          <a:off x="0" y="0"/>
-          <a:ext cx="0" cy="0"/>
-          <a:chOff x="0" y="0"/>
-          <a:chExt cx="0" cy="0"/>
-        </a:xfrm>
-      </p:grpSpPr>
-      <p:sp>
-        <p:nvSpPr>
-          <p:cNvPr id="2" name="Title 1">
-            <a:extLst>
-              <a:ext uri="{FF2B5EF4-FFF2-40B4-BE49-F238E27FC236}">
-                <a16:creationId xmlns:a16="http://schemas.microsoft.com/office/drawing/2014/main" id="{AF0F9D16-34DF-4DA8-BC06-2083236D47B4}"/>
-              </a:ext>
-            </a:extLst>
-          </p:cNvPr>
-          <p:cNvSpPr>
-            <a:spLocks noGrp="1"/>
-          </p:cNvSpPr>
-          <p:nvPr>
-            <p:ph type="ctrTitle"/>
-          </p:nvPr>
-        </p:nvSpPr>
-        <p:spPr>
-          <a:xfrm>
-            <a:off x="1739673" y="914401"/>
-            <a:ext cx="6947127" cy="4800599"/>
-          </a:xfrm>
-        </p:spPr>
-        <p:txBody>
-          <a:bodyPr>
-            <a:normAutofit/>
-          </a:bodyPr>
-          <a:lstStyle/>
-          <a:p>
-            <a:pPr algn="l"/>
-            <a:r>
-              <a:rPr lang="en-US" sz="4800" dirty="0"/>
-              <a:t>API</a:t>
-            </a:r>
-            <a:br>
-              <a:rPr lang="en-US" sz="4800" dirty="0"/>
-            </a:br>
-            <a:br>
-              <a:rPr lang="en-US" sz="4800" dirty="0"/>
-            </a:br>
-            <a:r>
-              <a:rPr lang="en-US" sz="2400" dirty="0"/>
-              <a:t>1.Resolve Input from Kinect.</a:t>
-            </a:r>
-            <a:br>
-              <a:rPr lang="en-US" sz="2400" dirty="0"/>
-            </a:br>
-            <a:r>
-              <a:rPr lang="en-US" sz="2400" dirty="0"/>
-              <a:t>2. Build Project(DLL) files of the whole project.</a:t>
-            </a:r>
-            <a:br>
-              <a:rPr lang="en-US" sz="2400" dirty="0"/>
-            </a:br>
-            <a:r>
-              <a:rPr lang="en-US" sz="2400" dirty="0"/>
-              <a:t>3. Manage dependencies and compatibility on the system on which API is to be used.</a:t>
-            </a:r>
-            <a:br>
-              <a:rPr lang="en-US" sz="2400" dirty="0"/>
-            </a:br>
-            <a:r>
-              <a:rPr lang="en-US" sz="2400" dirty="0"/>
-              <a:t>4. Porotype the API and test it on different Hardware and Operating System configuration</a:t>
-            </a:r>
-            <a:br>
-              <a:rPr lang="en-US" sz="2400" dirty="0"/>
-            </a:br>
-            <a:endParaRPr lang="en-US" sz="4800" dirty="0"/>
-          </a:p>
-        </p:txBody>
-      </p:sp>
-      <p:sp>
-        <p:nvSpPr>
-          <p:cNvPr id="4" name="Slide Number Placeholder 3">
-            <a:extLst>
-              <a:ext uri="{FF2B5EF4-FFF2-40B4-BE49-F238E27FC236}">
-                <a16:creationId xmlns:a16="http://schemas.microsoft.com/office/drawing/2014/main" id="{0E5BA98A-0ACA-42ED-A19A-3AA66B8247FA}"/>
-              </a:ext>
-            </a:extLst>
-          </p:cNvPr>
-          <p:cNvSpPr>
-            <a:spLocks noGrp="1"/>
-          </p:cNvSpPr>
-          <p:nvPr>
-            <p:ph type="sldNum" sz="quarter" idx="12"/>
-          </p:nvPr>
-        </p:nvSpPr>
-        <p:spPr/>
-        <p:txBody>
-          <a:bodyPr/>
-          <a:lstStyle/>
-          <a:p>
-            <a:fld id="{D57F1E4F-1CFF-5643-939E-217C01CDF565}" type="slidenum">
-              <a:rPr lang="en-US" smtClean="0"/>
-              <a:pPr/>
-              <a:t>49</a:t>
-            </a:fld>
-            <a:endParaRPr lang="en-US" dirty="0"/>
-          </a:p>
-        </p:txBody>
-      </p:sp>
-    </p:spTree>
-    <p:extLst>
-      <p:ext uri="{BB962C8B-B14F-4D97-AF65-F5344CB8AC3E}">
-        <p14:creationId xmlns:p14="http://schemas.microsoft.com/office/powerpoint/2010/main" val="2183038440"/>
-      </p:ext>
-    </p:extLst>
-  </p:cSld>
-  <p:clrMapOvr>
-    <a:masterClrMapping/>
-  </p:clrMapOvr>
-</p:sld>
-</file>
-
-<file path=ppt/slides/slide5.xml><?xml version="1.0" encoding="utf-8"?>
-<p:sld xmlns:a="http://schemas.openxmlformats.org/drawingml/2006/main" xmlns:r="http://schemas.openxmlformats.org/officeDocument/2006/relationships" xmlns:p="http://schemas.openxmlformats.org/presentationml/2006/main">
-  <p:cSld>
-    <p:spTree>
-      <p:nvGrpSpPr>
-        <p:cNvPr id="1" name=""/>
-        <p:cNvGrpSpPr/>
-        <p:nvPr/>
-      </p:nvGrpSpPr>
-      <p:grpSpPr>
-        <a:xfrm>
-          <a:off x="0" y="0"/>
-          <a:ext cx="0" cy="0"/>
-          <a:chOff x="0" y="0"/>
-          <a:chExt cx="0" cy="0"/>
-        </a:xfrm>
-      </p:grpSpPr>
-      <p:sp>
-        <p:nvSpPr>
-          <p:cNvPr id="2" name="Title 1"/>
-          <p:cNvSpPr>
-            <a:spLocks noGrp="1"/>
-          </p:cNvSpPr>
-          <p:nvPr>
-            <p:ph type="title"/>
-          </p:nvPr>
-        </p:nvSpPr>
-        <p:spPr>
-          <a:xfrm>
-            <a:off x="1969477" y="457201"/>
-            <a:ext cx="6717323" cy="1354014"/>
-          </a:xfrm>
-        </p:spPr>
-        <p:txBody>
-          <a:bodyPr/>
-          <a:lstStyle/>
-          <a:p>
-            <a:r>
-              <a:rPr lang="en-US" dirty="0"/>
-              <a:t>Introduction</a:t>
-            </a:r>
-          </a:p>
-        </p:txBody>
-      </p:sp>
-      <p:sp>
-        <p:nvSpPr>
-          <p:cNvPr id="3" name="Content Placeholder 2"/>
-          <p:cNvSpPr>
-            <a:spLocks noGrp="1"/>
-          </p:cNvSpPr>
-          <p:nvPr>
-            <p:ph idx="1"/>
-          </p:nvPr>
-        </p:nvSpPr>
-        <p:spPr>
-          <a:xfrm>
-            <a:off x="982133" y="1828798"/>
-            <a:ext cx="7704667" cy="6286502"/>
-          </a:xfrm>
-        </p:spPr>
-        <p:txBody>
-          <a:bodyPr>
-            <a:normAutofit fontScale="25000" lnSpcReduction="20000"/>
-          </a:bodyPr>
-          <a:lstStyle/>
-          <a:p>
-            <a:pPr marL="0" indent="0">
-              <a:buNone/>
-            </a:pPr>
-            <a:endParaRPr lang="en-US" dirty="0"/>
-          </a:p>
-          <a:p>
-            <a:pPr marL="0" indent="0">
-              <a:buNone/>
-            </a:pPr>
-            <a:endParaRPr lang="en-US" dirty="0"/>
-          </a:p>
-          <a:p>
-            <a:endParaRPr lang="en-US" sz="3600" dirty="0"/>
-          </a:p>
-          <a:p>
-            <a:endParaRPr lang="en-US" sz="3600" dirty="0"/>
-          </a:p>
-          <a:p>
-            <a:endParaRPr lang="en-US" sz="3600" dirty="0"/>
-          </a:p>
-          <a:p>
-            <a:endParaRPr lang="en-US" sz="3600" dirty="0"/>
-          </a:p>
-          <a:p>
-            <a:endParaRPr lang="en-US" sz="3600" dirty="0"/>
-          </a:p>
-          <a:p>
-            <a:endParaRPr lang="en-US" sz="3600" dirty="0"/>
-          </a:p>
-          <a:p>
-            <a:r>
-              <a:rPr lang="en-US" sz="16000" dirty="0"/>
-              <a:t>Hand Pose Estimation: </a:t>
-            </a:r>
-            <a:r>
-              <a:rPr lang="en-US" sz="9600" dirty="0"/>
-              <a:t>After the evolution of cheaper depth sensing modules pose estimation started covering huge area of research having wide applications, hand pose estimation has also eliminated the traditional complex and expensive gloves for different use cases</a:t>
-            </a:r>
-          </a:p>
-          <a:p>
-            <a:pPr>
-              <a:buFont typeface="Wingdings" panose="05000000000000000000" pitchFamily="2" charset="2"/>
-              <a:buChar char="Ø"/>
-            </a:pPr>
-            <a:r>
-              <a:rPr lang="en-US" sz="11200" dirty="0"/>
-              <a:t>Applications:</a:t>
-            </a:r>
-          </a:p>
-          <a:p>
-            <a:pPr marL="457200" indent="-457200">
-              <a:buFont typeface="+mj-lt"/>
-              <a:buAutoNum type="arabicPeriod"/>
-            </a:pPr>
-            <a:r>
-              <a:rPr lang="en-US" sz="8000" dirty="0"/>
-              <a:t> Gaming Industry</a:t>
-            </a:r>
-          </a:p>
-          <a:p>
-            <a:pPr marL="457200" indent="-457200">
-              <a:buFont typeface="+mj-lt"/>
-              <a:buAutoNum type="arabicPeriod"/>
-            </a:pPr>
-            <a:r>
-              <a:rPr lang="en-US" sz="8000" dirty="0"/>
-              <a:t>VR applications</a:t>
-            </a:r>
-          </a:p>
-          <a:p>
-            <a:pPr marL="457200" indent="-457200">
-              <a:buFont typeface="+mj-lt"/>
-              <a:buAutoNum type="arabicPeriod"/>
-            </a:pPr>
-            <a:r>
-              <a:rPr lang="en-US" sz="8000" dirty="0"/>
-              <a:t>VR based Supermarkets</a:t>
-            </a:r>
-          </a:p>
-          <a:p>
-            <a:pPr marL="457200" indent="-457200">
-              <a:buFont typeface="+mj-lt"/>
-              <a:buAutoNum type="arabicPeriod"/>
-            </a:pPr>
-            <a:r>
-              <a:rPr lang="en-US" sz="8000" dirty="0"/>
-              <a:t>New Modern cars Using For various control applications</a:t>
-            </a:r>
-          </a:p>
-          <a:p>
-            <a:pPr marL="457200" indent="-457200">
-              <a:buFont typeface="+mj-lt"/>
-              <a:buAutoNum type="arabicPeriod"/>
-            </a:pPr>
-            <a:r>
-              <a:rPr lang="en-US" sz="8000" dirty="0"/>
-              <a:t>Nuclear based applications to prevent radiation.</a:t>
-            </a:r>
-          </a:p>
-          <a:p>
-            <a:pPr marL="457200" indent="-457200">
-              <a:buFont typeface="+mj-lt"/>
-              <a:buAutoNum type="arabicPeriod"/>
-            </a:pPr>
-            <a:endParaRPr lang="en-US" sz="3200" dirty="0"/>
-          </a:p>
-          <a:p>
-            <a:pPr marL="0" indent="0">
-              <a:buNone/>
-            </a:pPr>
-            <a:r>
-              <a:rPr lang="en-US" sz="2000" dirty="0"/>
-              <a:t> </a:t>
-            </a:r>
-          </a:p>
-          <a:p>
-            <a:pPr marL="0" indent="0">
-              <a:buNone/>
-            </a:pPr>
-            <a:endParaRPr lang="en-US" sz="3600" dirty="0"/>
-          </a:p>
-          <a:p>
-            <a:pPr marL="0" indent="0">
-              <a:buNone/>
-            </a:pPr>
-            <a:endParaRPr lang="en-US" sz="3600" dirty="0"/>
-          </a:p>
-          <a:p>
-            <a:pPr>
-              <a:buFont typeface="Wingdings" panose="05000000000000000000" pitchFamily="2" charset="2"/>
-              <a:buChar char="Ø"/>
-            </a:pPr>
-            <a:endParaRPr lang="en-US" dirty="0"/>
-          </a:p>
-          <a:p>
-            <a:pPr marL="0" indent="0">
-              <a:buNone/>
-            </a:pPr>
-            <a:endParaRPr lang="en-US" sz="3600" dirty="0"/>
-          </a:p>
-          <a:p>
-            <a:endParaRPr lang="en-US" sz="3600" dirty="0"/>
-          </a:p>
-          <a:p>
-            <a:endParaRPr lang="en-US" sz="3600" dirty="0"/>
-          </a:p>
-          <a:p>
-            <a:pPr marL="0" indent="0">
-              <a:buNone/>
-            </a:pPr>
-            <a:endParaRPr lang="en-US" sz="3600" dirty="0"/>
-          </a:p>
-          <a:p>
-            <a:endParaRPr lang="en-US" sz="3600" dirty="0"/>
-          </a:p>
-          <a:p>
-            <a:endParaRPr lang="en-US" sz="3600" dirty="0"/>
-          </a:p>
-          <a:p>
-            <a:endParaRPr lang="en-US" sz="3600" dirty="0"/>
-          </a:p>
-          <a:p>
-            <a:endParaRPr lang="en-US" sz="3600" dirty="0"/>
-          </a:p>
-          <a:p>
-            <a:pPr marL="0" indent="0">
-              <a:buNone/>
-            </a:pPr>
-            <a:endParaRPr lang="en-US" sz="3600" dirty="0"/>
-          </a:p>
-          <a:p>
-            <a:pPr marL="0" indent="0">
-              <a:buNone/>
-            </a:pPr>
-            <a:endParaRPr lang="en-US" dirty="0"/>
-          </a:p>
-          <a:p>
-            <a:endParaRPr lang="en-US" dirty="0"/>
-          </a:p>
-          <a:p>
-            <a:endParaRPr lang="en-US" dirty="0"/>
-          </a:p>
-          <a:p>
-            <a:endParaRPr lang="en-US" dirty="0"/>
-          </a:p>
-          <a:p>
-            <a:pPr marL="0" indent="0">
-              <a:buNone/>
-            </a:pPr>
-            <a:endParaRPr lang="en-US" dirty="0"/>
-          </a:p>
-        </p:txBody>
-      </p:sp>
-      <p:sp>
-        <p:nvSpPr>
-          <p:cNvPr id="4" name="Slide Number Placeholder 3"/>
-          <p:cNvSpPr>
-            <a:spLocks noGrp="1"/>
-          </p:cNvSpPr>
-          <p:nvPr>
-            <p:ph type="sldNum" sz="quarter" idx="12"/>
-          </p:nvPr>
-        </p:nvSpPr>
-        <p:spPr/>
-        <p:txBody>
-          <a:bodyPr/>
-          <a:lstStyle/>
-          <a:p>
-            <a:fld id="{D57F1E4F-1CFF-5643-939E-217C01CDF565}" type="slidenum">
-              <a:rPr lang="en-US" smtClean="0"/>
-              <a:pPr/>
-              <a:t>5</a:t>
-            </a:fld>
-            <a:endParaRPr lang="en-US" dirty="0"/>
-          </a:p>
-        </p:txBody>
-      </p:sp>
-      <p:pic>
-        <p:nvPicPr>
-          <p:cNvPr id="6" name="Picture 1" descr="C:\Users\lkgfd\Desktop\220px-COMSATS_new_logo.jpg"/>
-          <p:cNvPicPr>
-            <a:picLocks noChangeAspect="1" noChangeArrowheads="1"/>
-          </p:cNvPicPr>
-          <p:nvPr/>
-        </p:nvPicPr>
-        <p:blipFill>
-          <a:blip r:embed="rId2">
-            <a:extLst>
-              <a:ext uri="{28A0092B-C50C-407E-A947-70E740481C1C}">
-                <a14:useLocalDpi xmlns:a14="http://schemas.microsoft.com/office/drawing/2010/main" val="0"/>
-              </a:ext>
-            </a:extLst>
-          </a:blip>
-          <a:srcRect/>
-          <a:stretch>
-            <a:fillRect/>
-          </a:stretch>
-        </p:blipFill>
-        <p:spPr bwMode="auto">
-          <a:xfrm>
-            <a:off x="1130161" y="648861"/>
-            <a:ext cx="1316824" cy="1179937"/>
-          </a:xfrm>
-          <a:prstGeom prst="rect">
-            <a:avLst/>
-          </a:prstGeom>
-          <a:noFill/>
-          <a:ln>
-            <a:noFill/>
-          </a:ln>
-          <a:extLst>
-            <a:ext uri="{909E8E84-426E-40DD-AFC4-6F175D3DCCD1}">
-              <a14:hiddenFill xmlns:a14="http://schemas.microsoft.com/office/drawing/2010/main">
-                <a:solidFill>
-                  <a:srgbClr val="FFFFFF"/>
-                </a:solidFill>
-              </a14:hiddenFill>
-            </a:ext>
-            <a:ext uri="{91240B29-F687-4F45-9708-019B960494DF}">
-              <a14:hiddenLine xmlns:a14="http://schemas.microsoft.com/office/drawing/2010/main" w="9525">
-                <a:solidFill>
-                  <a:srgbClr val="000000"/>
-                </a:solidFill>
-                <a:miter lim="800000"/>
-                <a:headEnd/>
-                <a:tailEnd/>
-              </a14:hiddenLine>
-            </a:ext>
-          </a:extLst>
-        </p:spPr>
-      </p:pic>
-    </p:spTree>
-    <p:extLst>
-      <p:ext uri="{BB962C8B-B14F-4D97-AF65-F5344CB8AC3E}">
-        <p14:creationId xmlns:p14="http://schemas.microsoft.com/office/powerpoint/2010/main" val="1227206472"/>
-      </p:ext>
-    </p:extLst>
-  </p:cSld>
-  <p:clrMapOvr>
-    <a:masterClrMapping/>
-  </p:clrMapOvr>
-</p:sld>
-</file>
-
-<file path=ppt/slides/slide50.xml><?xml version="1.0" encoding="utf-8"?>
-<p:sld xmlns:a="http://schemas.openxmlformats.org/drawingml/2006/main" xmlns:r="http://schemas.openxmlformats.org/officeDocument/2006/relationships" xmlns:p="http://schemas.openxmlformats.org/presentationml/2006/main">
-  <p:cSld>
-    <p:spTree>
-      <p:nvGrpSpPr>
-        <p:cNvPr id="1" name=""/>
-        <p:cNvGrpSpPr/>
-        <p:nvPr/>
-      </p:nvGrpSpPr>
-      <p:grpSpPr>
-        <a:xfrm>
-          <a:off x="0" y="0"/>
-          <a:ext cx="0" cy="0"/>
-          <a:chOff x="0" y="0"/>
-          <a:chExt cx="0" cy="0"/>
-        </a:xfrm>
-      </p:grpSpPr>
-      <p:sp>
-        <p:nvSpPr>
           <p:cNvPr id="2" name="Title 1"/>
           <p:cNvSpPr>
             <a:spLocks noGrp="1"/>
@@ -17450,7 +16733,7 @@
             <a:fld id="{D57F1E4F-1CFF-5643-939E-217C01CDF565}" type="slidenum">
               <a:rPr lang="en-US" smtClean="0"/>
               <a:pPr/>
-              <a:t>50</a:t>
+              <a:t>48</a:t>
             </a:fld>
             <a:endParaRPr lang="en-US" dirty="0"/>
           </a:p>
@@ -21027,7 +20310,7 @@
 </p:sld>
 </file>
 
-<file path=ppt/slides/slide51.xml><?xml version="1.0" encoding="utf-8"?>
+<file path=ppt/slides/slide49.xml><?xml version="1.0" encoding="utf-8"?>
 <p:sld xmlns:a="http://schemas.openxmlformats.org/drawingml/2006/main" xmlns:r="http://schemas.openxmlformats.org/officeDocument/2006/relationships" xmlns:p="http://schemas.openxmlformats.org/presentationml/2006/main">
   <p:cSld>
     <p:spTree>
@@ -21151,7 +20434,7 @@
             <a:fld id="{D57F1E4F-1CFF-5643-939E-217C01CDF565}" type="slidenum">
               <a:rPr lang="en-US" smtClean="0"/>
               <a:pPr/>
-              <a:t>51</a:t>
+              <a:t>49</a:t>
             </a:fld>
             <a:endParaRPr lang="en-US" dirty="0"/>
           </a:p>
@@ -21332,7 +20615,7 @@
 </p:sld>
 </file>
 
-<file path=ppt/slides/slide52.xml><?xml version="1.0" encoding="utf-8"?>
+<file path=ppt/slides/slide5.xml><?xml version="1.0" encoding="utf-8"?>
 <p:sld xmlns:a="http://schemas.openxmlformats.org/drawingml/2006/main" xmlns:r="http://schemas.openxmlformats.org/officeDocument/2006/relationships" xmlns:p="http://schemas.openxmlformats.org/presentationml/2006/main">
   <p:cSld>
     <p:spTree>
@@ -21361,6 +20644,356 @@
         </p:nvSpPr>
         <p:spPr>
           <a:xfrm>
+            <a:off x="1969477" y="457201"/>
+            <a:ext cx="6717323" cy="1354014"/>
+          </a:xfrm>
+        </p:spPr>
+        <p:txBody>
+          <a:bodyPr/>
+          <a:lstStyle/>
+          <a:p>
+            <a:r>
+              <a:rPr lang="en-US" dirty="0"/>
+              <a:t>Introduction</a:t>
+            </a:r>
+          </a:p>
+        </p:txBody>
+      </p:sp>
+      <p:sp>
+        <p:nvSpPr>
+          <p:cNvPr id="3" name="Content Placeholder 2"/>
+          <p:cNvSpPr>
+            <a:spLocks noGrp="1"/>
+          </p:cNvSpPr>
+          <p:nvPr>
+            <p:ph idx="1"/>
+          </p:nvPr>
+        </p:nvSpPr>
+        <p:spPr>
+          <a:xfrm>
+            <a:off x="982133" y="1828798"/>
+            <a:ext cx="7704667" cy="6286502"/>
+          </a:xfrm>
+        </p:spPr>
+        <p:txBody>
+          <a:bodyPr>
+            <a:normAutofit fontScale="25000" lnSpcReduction="20000"/>
+          </a:bodyPr>
+          <a:lstStyle/>
+          <a:p>
+            <a:pPr marL="0" indent="0">
+              <a:buNone/>
+            </a:pPr>
+            <a:endParaRPr lang="en-US" dirty="0"/>
+          </a:p>
+          <a:p>
+            <a:pPr marL="0" indent="0">
+              <a:buNone/>
+            </a:pPr>
+            <a:endParaRPr lang="en-US" dirty="0"/>
+          </a:p>
+          <a:p>
+            <a:endParaRPr lang="en-US" sz="3600" dirty="0"/>
+          </a:p>
+          <a:p>
+            <a:endParaRPr lang="en-US" sz="3600" dirty="0"/>
+          </a:p>
+          <a:p>
+            <a:endParaRPr lang="en-US" sz="3600" dirty="0"/>
+          </a:p>
+          <a:p>
+            <a:endParaRPr lang="en-US" sz="3600" dirty="0"/>
+          </a:p>
+          <a:p>
+            <a:endParaRPr lang="en-US" sz="3600" dirty="0"/>
+          </a:p>
+          <a:p>
+            <a:endParaRPr lang="en-US" sz="3600" dirty="0"/>
+          </a:p>
+          <a:p>
+            <a:r>
+              <a:rPr lang="en-US" sz="16000" dirty="0"/>
+              <a:t>Hand Pose Estimation: </a:t>
+            </a:r>
+            <a:r>
+              <a:rPr lang="en-US" sz="9600" dirty="0"/>
+              <a:t>After the evolution of cheaper depth sensing modules pose estimation started covering huge area of research having wide applications, hand pose estimation has also eliminated the traditional complex and expensive gloves for different use cases</a:t>
+            </a:r>
+          </a:p>
+          <a:p>
+            <a:pPr>
+              <a:buFont typeface="Wingdings" panose="05000000000000000000" pitchFamily="2" charset="2"/>
+              <a:buChar char="Ø"/>
+            </a:pPr>
+            <a:r>
+              <a:rPr lang="en-US" sz="11200" dirty="0"/>
+              <a:t>Applications:</a:t>
+            </a:r>
+          </a:p>
+          <a:p>
+            <a:pPr marL="457200" indent="-457200">
+              <a:buFont typeface="+mj-lt"/>
+              <a:buAutoNum type="arabicPeriod"/>
+            </a:pPr>
+            <a:r>
+              <a:rPr lang="en-US" sz="8000" dirty="0"/>
+              <a:t> Gaming Industry</a:t>
+            </a:r>
+          </a:p>
+          <a:p>
+            <a:pPr marL="457200" indent="-457200">
+              <a:buFont typeface="+mj-lt"/>
+              <a:buAutoNum type="arabicPeriod"/>
+            </a:pPr>
+            <a:r>
+              <a:rPr lang="en-US" sz="8000" dirty="0"/>
+              <a:t>VR applications</a:t>
+            </a:r>
+          </a:p>
+          <a:p>
+            <a:pPr marL="457200" indent="-457200">
+              <a:buFont typeface="+mj-lt"/>
+              <a:buAutoNum type="arabicPeriod"/>
+            </a:pPr>
+            <a:r>
+              <a:rPr lang="en-US" sz="8000" dirty="0"/>
+              <a:t>VR based Supermarkets</a:t>
+            </a:r>
+          </a:p>
+          <a:p>
+            <a:pPr marL="457200" indent="-457200">
+              <a:buFont typeface="+mj-lt"/>
+              <a:buAutoNum type="arabicPeriod"/>
+            </a:pPr>
+            <a:r>
+              <a:rPr lang="en-US" sz="8000" dirty="0"/>
+              <a:t>New Modern cars Using For various control applications</a:t>
+            </a:r>
+          </a:p>
+          <a:p>
+            <a:pPr marL="457200" indent="-457200">
+              <a:buFont typeface="+mj-lt"/>
+              <a:buAutoNum type="arabicPeriod"/>
+            </a:pPr>
+            <a:r>
+              <a:rPr lang="en-US" sz="8000" dirty="0"/>
+              <a:t>Nuclear based applications to prevent radiation.</a:t>
+            </a:r>
+          </a:p>
+          <a:p>
+            <a:pPr marL="457200" indent="-457200">
+              <a:buFont typeface="+mj-lt"/>
+              <a:buAutoNum type="arabicPeriod"/>
+            </a:pPr>
+            <a:endParaRPr lang="en-US" sz="3200" dirty="0"/>
+          </a:p>
+          <a:p>
+            <a:pPr marL="0" indent="0">
+              <a:buNone/>
+            </a:pPr>
+            <a:r>
+              <a:rPr lang="en-US" sz="2000" dirty="0"/>
+              <a:t> </a:t>
+            </a:r>
+          </a:p>
+          <a:p>
+            <a:pPr marL="0" indent="0">
+              <a:buNone/>
+            </a:pPr>
+            <a:endParaRPr lang="en-US" sz="3600" dirty="0"/>
+          </a:p>
+          <a:p>
+            <a:pPr marL="0" indent="0">
+              <a:buNone/>
+            </a:pPr>
+            <a:endParaRPr lang="en-US" sz="3600" dirty="0"/>
+          </a:p>
+          <a:p>
+            <a:pPr>
+              <a:buFont typeface="Wingdings" panose="05000000000000000000" pitchFamily="2" charset="2"/>
+              <a:buChar char="Ø"/>
+            </a:pPr>
+            <a:endParaRPr lang="en-US" dirty="0"/>
+          </a:p>
+          <a:p>
+            <a:pPr marL="0" indent="0">
+              <a:buNone/>
+            </a:pPr>
+            <a:endParaRPr lang="en-US" sz="3600" dirty="0"/>
+          </a:p>
+          <a:p>
+            <a:endParaRPr lang="en-US" sz="3600" dirty="0"/>
+          </a:p>
+          <a:p>
+            <a:endParaRPr lang="en-US" sz="3600" dirty="0"/>
+          </a:p>
+          <a:p>
+            <a:pPr marL="0" indent="0">
+              <a:buNone/>
+            </a:pPr>
+            <a:endParaRPr lang="en-US" sz="3600" dirty="0"/>
+          </a:p>
+          <a:p>
+            <a:endParaRPr lang="en-US" sz="3600" dirty="0"/>
+          </a:p>
+          <a:p>
+            <a:endParaRPr lang="en-US" sz="3600" dirty="0"/>
+          </a:p>
+          <a:p>
+            <a:endParaRPr lang="en-US" sz="3600" dirty="0"/>
+          </a:p>
+          <a:p>
+            <a:endParaRPr lang="en-US" sz="3600" dirty="0"/>
+          </a:p>
+          <a:p>
+            <a:pPr marL="0" indent="0">
+              <a:buNone/>
+            </a:pPr>
+            <a:endParaRPr lang="en-US" sz="3600" dirty="0"/>
+          </a:p>
+          <a:p>
+            <a:pPr marL="0" indent="0">
+              <a:buNone/>
+            </a:pPr>
+            <a:endParaRPr lang="en-US" dirty="0"/>
+          </a:p>
+          <a:p>
+            <a:endParaRPr lang="en-US" dirty="0"/>
+          </a:p>
+          <a:p>
+            <a:endParaRPr lang="en-US" dirty="0"/>
+          </a:p>
+          <a:p>
+            <a:endParaRPr lang="en-US" dirty="0"/>
+          </a:p>
+          <a:p>
+            <a:pPr marL="0" indent="0">
+              <a:buNone/>
+            </a:pPr>
+            <a:endParaRPr lang="en-US" dirty="0"/>
+          </a:p>
+        </p:txBody>
+      </p:sp>
+      <p:sp>
+        <p:nvSpPr>
+          <p:cNvPr id="4" name="Slide Number Placeholder 3"/>
+          <p:cNvSpPr>
+            <a:spLocks noGrp="1"/>
+          </p:cNvSpPr>
+          <p:nvPr>
+            <p:ph type="sldNum" sz="quarter" idx="12"/>
+          </p:nvPr>
+        </p:nvSpPr>
+        <p:spPr/>
+        <p:txBody>
+          <a:bodyPr/>
+          <a:lstStyle/>
+          <a:p>
+            <a:fld id="{D57F1E4F-1CFF-5643-939E-217C01CDF565}" type="slidenum">
+              <a:rPr lang="en-US" smtClean="0"/>
+              <a:pPr/>
+              <a:t>5</a:t>
+            </a:fld>
+            <a:endParaRPr lang="en-US" dirty="0"/>
+          </a:p>
+        </p:txBody>
+      </p:sp>
+      <p:pic>
+        <p:nvPicPr>
+          <p:cNvPr id="6" name="Picture 1" descr="C:\Users\lkgfd\Desktop\220px-COMSATS_new_logo.jpg"/>
+          <p:cNvPicPr>
+            <a:picLocks noChangeAspect="1" noChangeArrowheads="1"/>
+          </p:cNvPicPr>
+          <p:nvPr/>
+        </p:nvPicPr>
+        <p:blipFill>
+          <a:blip r:embed="rId2">
+            <a:extLst>
+              <a:ext uri="{28A0092B-C50C-407E-A947-70E740481C1C}">
+                <a14:useLocalDpi xmlns:a14="http://schemas.microsoft.com/office/drawing/2010/main" val="0"/>
+              </a:ext>
+            </a:extLst>
+          </a:blip>
+          <a:srcRect/>
+          <a:stretch>
+            <a:fillRect/>
+          </a:stretch>
+        </p:blipFill>
+        <p:spPr bwMode="auto">
+          <a:xfrm>
+            <a:off x="1130161" y="648861"/>
+            <a:ext cx="1316824" cy="1179937"/>
+          </a:xfrm>
+          <a:prstGeom prst="rect">
+            <a:avLst/>
+          </a:prstGeom>
+          <a:noFill/>
+          <a:ln>
+            <a:noFill/>
+          </a:ln>
+          <a:extLst>
+            <a:ext uri="{909E8E84-426E-40DD-AFC4-6F175D3DCCD1}">
+              <a14:hiddenFill xmlns:a14="http://schemas.microsoft.com/office/drawing/2010/main">
+                <a:solidFill>
+                  <a:srgbClr val="FFFFFF"/>
+                </a:solidFill>
+              </a14:hiddenFill>
+            </a:ext>
+            <a:ext uri="{91240B29-F687-4F45-9708-019B960494DF}">
+              <a14:hiddenLine xmlns:a14="http://schemas.microsoft.com/office/drawing/2010/main" w="9525">
+                <a:solidFill>
+                  <a:srgbClr val="000000"/>
+                </a:solidFill>
+                <a:miter lim="800000"/>
+                <a:headEnd/>
+                <a:tailEnd/>
+              </a14:hiddenLine>
+            </a:ext>
+          </a:extLst>
+        </p:spPr>
+      </p:pic>
+    </p:spTree>
+    <p:extLst>
+      <p:ext uri="{BB962C8B-B14F-4D97-AF65-F5344CB8AC3E}">
+        <p14:creationId xmlns:p14="http://schemas.microsoft.com/office/powerpoint/2010/main" val="1227206472"/>
+      </p:ext>
+    </p:extLst>
+  </p:cSld>
+  <p:clrMapOvr>
+    <a:masterClrMapping/>
+  </p:clrMapOvr>
+</p:sld>
+</file>
+
+<file path=ppt/slides/slide50.xml><?xml version="1.0" encoding="utf-8"?>
+<p:sld xmlns:a="http://schemas.openxmlformats.org/drawingml/2006/main" xmlns:r="http://schemas.openxmlformats.org/officeDocument/2006/relationships" xmlns:p="http://schemas.openxmlformats.org/presentationml/2006/main">
+  <p:cSld>
+    <p:spTree>
+      <p:nvGrpSpPr>
+        <p:cNvPr id="1" name=""/>
+        <p:cNvGrpSpPr/>
+        <p:nvPr/>
+      </p:nvGrpSpPr>
+      <p:grpSpPr>
+        <a:xfrm>
+          <a:off x="0" y="0"/>
+          <a:ext cx="0" cy="0"/>
+          <a:chOff x="0" y="0"/>
+          <a:chExt cx="0" cy="0"/>
+        </a:xfrm>
+      </p:grpSpPr>
+      <p:sp>
+        <p:nvSpPr>
+          <p:cNvPr id="2" name="Title 1"/>
+          <p:cNvSpPr>
+            <a:spLocks noGrp="1"/>
+          </p:cNvSpPr>
+          <p:nvPr>
+            <p:ph type="title"/>
+          </p:nvPr>
+        </p:nvSpPr>
+        <p:spPr>
+          <a:xfrm>
             <a:off x="2369331" y="237392"/>
             <a:ext cx="5498863" cy="1415562"/>
           </a:xfrm>
@@ -21555,7 +21188,7 @@
             <a:fld id="{D57F1E4F-1CFF-5643-939E-217C01CDF565}" type="slidenum">
               <a:rPr lang="en-US" smtClean="0"/>
               <a:pPr/>
-              <a:t>52</a:t>
+              <a:t>50</a:t>
             </a:fld>
             <a:endParaRPr lang="en-US" dirty="0"/>
           </a:p>
@@ -21628,7 +21261,7 @@
 </p:sld>
 </file>
 
-<file path=ppt/slides/slide53.xml><?xml version="1.0" encoding="utf-8"?>
+<file path=ppt/slides/slide51.xml><?xml version="1.0" encoding="utf-8"?>
 <p:sld xmlns:a="http://schemas.openxmlformats.org/drawingml/2006/main" xmlns:r="http://schemas.openxmlformats.org/officeDocument/2006/relationships" xmlns:p="http://schemas.openxmlformats.org/presentationml/2006/main">
   <p:cSld>
     <p:spTree>
@@ -21694,7 +21327,7 @@
             <a:fld id="{D57F1E4F-1CFF-5643-939E-217C01CDF565}" type="slidenum">
               <a:rPr lang="en-US" smtClean="0"/>
               <a:pPr/>
-              <a:t>53</a:t>
+              <a:t>51</a:t>
             </a:fld>
             <a:endParaRPr lang="en-US" dirty="0"/>
           </a:p>
@@ -21872,7 +21505,7 @@
           <a:p>
             <a:r>
               <a:rPr lang="en-US" sz="3600" dirty="0"/>
-              <a:t>Depth Cameras</a:t>
+              <a:t>Depth Sensors</a:t>
             </a:r>
           </a:p>
           <a:p>
